--- a/pilot project 파일/[별첨3] 팀별 프로젝트 수행 결과 작성 양식.pptx
+++ b/pilot project 파일/[별첨3] 팀별 프로젝트 수행 결과 작성 양식.pptx
@@ -33,26 +33,26 @@
       <p:boldItalic r:id="rId19"/>
     </p:embeddedFont>
     <p:embeddedFont>
+      <p:font typeface="Calibri Light" panose="020F0302020204030204" pitchFamily="34" charset="0"/>
+      <p:regular r:id="rId20"/>
+      <p:italic r:id="rId21"/>
+    </p:embeddedFont>
+    <p:embeddedFont>
+      <p:font typeface="HY견고딕" panose="02030600000101010101" pitchFamily="18" charset="-127"/>
+      <p:regular r:id="rId22"/>
+    </p:embeddedFont>
+    <p:embeddedFont>
       <p:font typeface="맑은 고딕" panose="020B0503020000020004" pitchFamily="50" charset="-127"/>
-      <p:regular r:id="rId20"/>
-      <p:bold r:id="rId21"/>
+      <p:regular r:id="rId23"/>
+      <p:bold r:id="rId24"/>
+    </p:embeddedFont>
+    <p:embeddedFont>
+      <p:font typeface="휴먼둥근헤드라인" panose="02030504000101010101" pitchFamily="18" charset="-127"/>
+      <p:regular r:id="rId25"/>
     </p:embeddedFont>
     <p:embeddedFont>
       <p:font typeface="휴먼모음T" panose="02030504000101010101" pitchFamily="18" charset="-127"/>
-      <p:regular r:id="rId22"/>
-    </p:embeddedFont>
-    <p:embeddedFont>
-      <p:font typeface="휴먼둥근헤드라인" panose="02030504000101010101" pitchFamily="18" charset="-127"/>
-      <p:regular r:id="rId23"/>
-    </p:embeddedFont>
-    <p:embeddedFont>
-      <p:font typeface="HY견고딕" panose="02030600000101010101" pitchFamily="18" charset="-127"/>
-      <p:regular r:id="rId24"/>
-    </p:embeddedFont>
-    <p:embeddedFont>
-      <p:font typeface="Calibri Light" panose="020F0302020204030204" pitchFamily="34" charset="0"/>
-      <p:regular r:id="rId25"/>
-      <p:italic r:id="rId26"/>
+      <p:regular r:id="rId26"/>
     </p:embeddedFont>
   </p:embeddedFontLst>
   <p:defaultTextStyle>
@@ -1314,14 +1314,6 @@
         </dgm:presLayoutVars>
       </dgm:prSet>
       <dgm:spPr/>
-      <dgm:t>
-        <a:bodyPr/>
-        <a:lstStyle/>
-        <a:p>
-          <a:pPr latinLnBrk="1"/>
-          <a:endParaRPr lang="ko-KR" altLang="en-US"/>
-        </a:p>
-      </dgm:t>
     </dgm:pt>
     <dgm:pt modelId="{FDA340C9-AC86-4436-A9B3-206541B62C7F}" type="pres">
       <dgm:prSet presAssocID="{FCE2B9B3-5839-4633-9DDC-3F88FD05EB1C}" presName="Accent1" presStyleCnt="0"/>
@@ -1340,14 +1332,6 @@
         </dgm:presLayoutVars>
       </dgm:prSet>
       <dgm:spPr/>
-      <dgm:t>
-        <a:bodyPr/>
-        <a:lstStyle/>
-        <a:p>
-          <a:pPr latinLnBrk="1"/>
-          <a:endParaRPr lang="ko-KR" altLang="en-US"/>
-        </a:p>
-      </dgm:t>
     </dgm:pt>
     <dgm:pt modelId="{45920A26-5F2E-4456-A023-EBCE81E761C6}" type="pres">
       <dgm:prSet presAssocID="{36707158-2A7F-4470-8614-D2441D89B8CC}" presName="Accent2" presStyleCnt="0"/>
@@ -1366,14 +1350,6 @@
         </dgm:presLayoutVars>
       </dgm:prSet>
       <dgm:spPr/>
-      <dgm:t>
-        <a:bodyPr/>
-        <a:lstStyle/>
-        <a:p>
-          <a:pPr latinLnBrk="1"/>
-          <a:endParaRPr lang="ko-KR" altLang="en-US"/>
-        </a:p>
-      </dgm:t>
     </dgm:pt>
     <dgm:pt modelId="{C10C2065-26FA-431E-BD65-750695532E6C}" type="pres">
       <dgm:prSet presAssocID="{95092794-8EB8-4866-8BC4-19AB699FD825}" presName="Accent3" presStyleCnt="0"/>
@@ -1392,24 +1368,16 @@
         </dgm:presLayoutVars>
       </dgm:prSet>
       <dgm:spPr/>
-      <dgm:t>
-        <a:bodyPr/>
-        <a:lstStyle/>
-        <a:p>
-          <a:pPr latinLnBrk="1"/>
-          <a:endParaRPr lang="ko-KR" altLang="en-US"/>
-        </a:p>
-      </dgm:t>
     </dgm:pt>
   </dgm:ptLst>
   <dgm:cxnLst>
+    <dgm:cxn modelId="{DE151355-14E1-452E-A737-D44F39230893}" type="presOf" srcId="{36707158-2A7F-4470-8614-D2441D89B8CC}" destId="{B9307846-3968-4351-B217-FDF007BAED2E}" srcOrd="0" destOrd="0" presId="urn:microsoft.com/office/officeart/2009/layout/CircleArrowProcess"/>
     <dgm:cxn modelId="{96906AC7-7F8B-468C-9BD7-C3DABE97B889}" srcId="{40C0D4F4-D202-4046-AC90-B9F2B28A3ACB}" destId="{36707158-2A7F-4470-8614-D2441D89B8CC}" srcOrd="1" destOrd="0" parTransId="{4EFA4F70-896C-4CA5-A09B-466B6E504898}" sibTransId="{91A5F8D8-3FE3-4D01-8378-915C11054DA2}"/>
     <dgm:cxn modelId="{C43DB9C8-C4BC-40EA-B856-FDF33A96E9EE}" srcId="{40C0D4F4-D202-4046-AC90-B9F2B28A3ACB}" destId="{FCE2B9B3-5839-4633-9DDC-3F88FD05EB1C}" srcOrd="0" destOrd="0" parTransId="{3352EDB2-1A05-40DB-B30C-CC98DE54BD66}" sibTransId="{F46956F1-8138-4CFE-8639-198587CC3422}"/>
+    <dgm:cxn modelId="{5B9A1BD0-C5F3-4E28-98BA-4E08BB81764E}" srcId="{40C0D4F4-D202-4046-AC90-B9F2B28A3ACB}" destId="{95092794-8EB8-4866-8BC4-19AB699FD825}" srcOrd="2" destOrd="0" parTransId="{EFEF8832-0B33-43B0-A1C7-D1A8062E965F}" sibTransId="{99B373BD-ED5E-4E00-B551-F4E545897374}"/>
     <dgm:cxn modelId="{A41C0DDB-9FE0-4BA9-9FF7-35F56BED49CF}" type="presOf" srcId="{40C0D4F4-D202-4046-AC90-B9F2B28A3ACB}" destId="{C4CC960A-5D7A-4DB8-8237-ABDAA6AF78B8}" srcOrd="0" destOrd="0" presId="urn:microsoft.com/office/officeart/2009/layout/CircleArrowProcess"/>
     <dgm:cxn modelId="{2DB76FE0-623A-4CBB-B812-0D199BFBC86A}" type="presOf" srcId="{FCE2B9B3-5839-4633-9DDC-3F88FD05EB1C}" destId="{547C904A-46B4-45FF-8979-DF14C85D56EE}" srcOrd="0" destOrd="0" presId="urn:microsoft.com/office/officeart/2009/layout/CircleArrowProcess"/>
-    <dgm:cxn modelId="{DE151355-14E1-452E-A737-D44F39230893}" type="presOf" srcId="{36707158-2A7F-4470-8614-D2441D89B8CC}" destId="{B9307846-3968-4351-B217-FDF007BAED2E}" srcOrd="0" destOrd="0" presId="urn:microsoft.com/office/officeart/2009/layout/CircleArrowProcess"/>
     <dgm:cxn modelId="{019A69F5-93E8-4054-A429-CC05F675103D}" type="presOf" srcId="{95092794-8EB8-4866-8BC4-19AB699FD825}" destId="{DDA678BF-1C7B-4ACE-B0E0-9CFC49D0B901}" srcOrd="0" destOrd="0" presId="urn:microsoft.com/office/officeart/2009/layout/CircleArrowProcess"/>
-    <dgm:cxn modelId="{5B9A1BD0-C5F3-4E28-98BA-4E08BB81764E}" srcId="{40C0D4F4-D202-4046-AC90-B9F2B28A3ACB}" destId="{95092794-8EB8-4866-8BC4-19AB699FD825}" srcOrd="2" destOrd="0" parTransId="{EFEF8832-0B33-43B0-A1C7-D1A8062E965F}" sibTransId="{99B373BD-ED5E-4E00-B551-F4E545897374}"/>
     <dgm:cxn modelId="{3B011010-047B-4E98-925B-ADC462542974}" type="presParOf" srcId="{C4CC960A-5D7A-4DB8-8237-ABDAA6AF78B8}" destId="{FDA340C9-AC86-4436-A9B3-206541B62C7F}" srcOrd="0" destOrd="0" presId="urn:microsoft.com/office/officeart/2009/layout/CircleArrowProcess"/>
     <dgm:cxn modelId="{1A53849B-35C7-4C24-B8FB-C5FE567044E0}" type="presParOf" srcId="{FDA340C9-AC86-4436-A9B3-206541B62C7F}" destId="{A7B6F021-9AEB-45D4-9BAE-06BB7CBFD746}" srcOrd="0" destOrd="0" presId="urn:microsoft.com/office/officeart/2009/layout/CircleArrowProcess"/>
     <dgm:cxn modelId="{28183D85-2E51-4F49-B39C-48359D75C129}" type="presParOf" srcId="{C4CC960A-5D7A-4DB8-8237-ABDAA6AF78B8}" destId="{547C904A-46B4-45FF-8979-DF14C85D56EE}" srcOrd="1" destOrd="0" presId="urn:microsoft.com/office/officeart/2009/layout/CircleArrowProcess"/>
@@ -1531,7 +1499,7 @@
         </a:bodyPr>
         <a:lstStyle/>
         <a:p>
-          <a:pPr lvl="0" algn="ctr" defTabSz="622300" latinLnBrk="1">
+          <a:pPr marL="0" lvl="0" indent="0" algn="ctr" defTabSz="622300" latinLnBrk="1">
             <a:lnSpc>
               <a:spcPct val="90000"/>
             </a:lnSpc>
@@ -1541,6 +1509,7 @@
             <a:spcAft>
               <a:spcPct val="35000"/>
             </a:spcAft>
+            <a:buNone/>
           </a:pPr>
           <a:r>
             <a:rPr lang="ko-KR" altLang="en-US" sz="1400" kern="1200" dirty="0"/>
@@ -1549,7 +1518,7 @@
           <a:endParaRPr lang="en-US" altLang="ko-KR" sz="1400" kern="1200" dirty="0"/>
         </a:p>
         <a:p>
-          <a:pPr lvl="0" algn="ctr" defTabSz="622300" latinLnBrk="1">
+          <a:pPr marL="0" lvl="0" indent="0" algn="ctr" defTabSz="622300" latinLnBrk="1">
             <a:lnSpc>
               <a:spcPct val="90000"/>
             </a:lnSpc>
@@ -1559,6 +1528,7 @@
             <a:spcAft>
               <a:spcPct val="35000"/>
             </a:spcAft>
+            <a:buNone/>
           </a:pPr>
           <a:r>
             <a:rPr lang="ko-KR" altLang="en-US" sz="1400" kern="1200" dirty="0"/>
@@ -1567,7 +1537,7 @@
           <a:endParaRPr lang="en-US" altLang="ko-KR" sz="1400" kern="1200" dirty="0"/>
         </a:p>
         <a:p>
-          <a:pPr lvl="0" algn="ctr" defTabSz="622300" latinLnBrk="1">
+          <a:pPr marL="0" lvl="0" indent="0" algn="ctr" defTabSz="622300" latinLnBrk="1">
             <a:lnSpc>
               <a:spcPct val="90000"/>
             </a:lnSpc>
@@ -1577,6 +1547,7 @@
             <a:spcAft>
               <a:spcPct val="35000"/>
             </a:spcAft>
+            <a:buNone/>
           </a:pPr>
           <a:r>
             <a:rPr lang="en-US" altLang="ko-KR" sz="1400" kern="1200" dirty="0"/>
@@ -1690,7 +1661,7 @@
         </a:bodyPr>
         <a:lstStyle/>
         <a:p>
-          <a:pPr lvl="0" algn="ctr" defTabSz="622300" latinLnBrk="1">
+          <a:pPr marL="0" lvl="0" indent="0" algn="ctr" defTabSz="622300" latinLnBrk="1">
             <a:lnSpc>
               <a:spcPct val="90000"/>
             </a:lnSpc>
@@ -1700,6 +1671,7 @@
             <a:spcAft>
               <a:spcPct val="35000"/>
             </a:spcAft>
+            <a:buNone/>
           </a:pPr>
           <a:r>
             <a:rPr lang="ko-KR" altLang="en-US" sz="1400" kern="1200" dirty="0"/>
@@ -1803,7 +1775,7 @@
         </a:bodyPr>
         <a:lstStyle/>
         <a:p>
-          <a:pPr lvl="0" algn="ctr" defTabSz="622300" latinLnBrk="1">
+          <a:pPr marL="0" lvl="0" indent="0" algn="ctr" defTabSz="622300" latinLnBrk="1">
             <a:lnSpc>
               <a:spcPct val="90000"/>
             </a:lnSpc>
@@ -1813,6 +1785,7 @@
             <a:spcAft>
               <a:spcPct val="35000"/>
             </a:spcAft>
+            <a:buNone/>
           </a:pPr>
           <a:r>
             <a:rPr lang="ko-KR" altLang="en-US" sz="1400" kern="1200" dirty="0"/>
@@ -1821,7 +1794,7 @@
           <a:endParaRPr lang="en-US" altLang="ko-KR" sz="1400" kern="1200" dirty="0"/>
         </a:p>
         <a:p>
-          <a:pPr lvl="0" algn="ctr" defTabSz="622300" latinLnBrk="1">
+          <a:pPr marL="0" lvl="0" indent="0" algn="ctr" defTabSz="622300" latinLnBrk="1">
             <a:lnSpc>
               <a:spcPct val="90000"/>
             </a:lnSpc>
@@ -1831,6 +1804,7 @@
             <a:spcAft>
               <a:spcPct val="35000"/>
             </a:spcAft>
+            <a:buNone/>
           </a:pPr>
           <a:r>
             <a:rPr lang="en-US" altLang="ko-KR" sz="1400" kern="1200" dirty="0"/>
@@ -5072,7 +5046,7 @@
               <a:pPr>
                 <a:defRPr/>
               </a:pPr>
-              <a:t>2023-12-27</a:t>
+              <a:t>2024-01-08</a:t>
             </a:fld>
             <a:endParaRPr lang="ko-KR" altLang="en-US"/>
           </a:p>
@@ -5860,13 +5834,6 @@
     <p:sldLayoutId id="2147483822" r:id="rId2"/>
     <p:sldLayoutId id="2147483823" r:id="rId3"/>
   </p:sldLayoutIdLst>
-  <p:timing>
-    <p:tnLst>
-      <p:par>
-        <p:cTn id="1" dur="indefinite" restart="never" nodeType="tmRoot"/>
-      </p:par>
-    </p:tnLst>
-  </p:timing>
   <p:txStyles>
     <p:titleStyle>
       <a:lvl1pPr algn="l" rtl="0" eaLnBrk="0" fontAlgn="base" latinLnBrk="1" hangingPunct="0">
@@ -6343,7 +6310,7 @@
         <p:spPr>
           <a:xfrm>
             <a:off x="6708068" y="4149070"/>
-            <a:ext cx="5158567" cy="1015663"/>
+            <a:ext cx="5158567" cy="956159"/>
           </a:xfrm>
           <a:prstGeom prst="rect">
             <a:avLst/>
@@ -6392,10 +6359,10 @@
                 <a:latin typeface="+mj-ea"/>
                 <a:ea typeface="+mj-ea"/>
               </a:rPr>
-              <a:t>조 </a:t>
-            </a:r>
-            <a:r>
-              <a:rPr lang="ko-KR" altLang="en-US" sz="2400" b="1" dirty="0" err="1" smtClean="0">
+              <a:t>조</a:t>
+            </a:r>
+            <a:r>
+              <a:rPr lang="en-US" altLang="ko-KR" sz="2400" b="1" dirty="0">
                 <a:solidFill>
                   <a:schemeClr val="tx1">
                     <a:lumMod val="75000"/>
@@ -6405,10 +6372,10 @@
                 <a:latin typeface="+mj-ea"/>
                 <a:ea typeface="+mj-ea"/>
               </a:rPr>
-              <a:t>어벤져스</a:t>
-            </a:r>
-            <a:r>
-              <a:rPr lang="ko-KR" altLang="en-US" sz="2400" b="1" dirty="0" smtClean="0">
+              <a:t> </a:t>
+            </a:r>
+            <a:r>
+              <a:rPr lang="ko-KR" altLang="en-US" sz="2400" b="1" dirty="0" err="1">
                 <a:solidFill>
                   <a:schemeClr val="tx1">
                     <a:lumMod val="75000"/>
@@ -6418,47 +6385,18 @@
                 <a:latin typeface="+mj-ea"/>
                 <a:ea typeface="+mj-ea"/>
               </a:rPr>
-              <a:t> </a:t>
-            </a:r>
-            <a:r>
-              <a:rPr lang="en-US" altLang="ko-KR" sz="2400" b="1" dirty="0">
-                <a:solidFill>
-                  <a:schemeClr val="tx1">
-                    <a:lumMod val="75000"/>
-                    <a:lumOff val="25000"/>
-                  </a:schemeClr>
-                </a:solidFill>
-                <a:latin typeface="+mj-ea"/>
-                <a:ea typeface="+mj-ea"/>
-              </a:rPr>
-              <a:t>(</a:t>
-            </a:r>
-            <a:r>
-              <a:rPr lang="ko-KR" altLang="en-US" sz="2400" b="1" dirty="0" err="1">
-                <a:solidFill>
-                  <a:schemeClr val="tx1">
-                    <a:lumMod val="75000"/>
-                    <a:lumOff val="25000"/>
-                  </a:schemeClr>
-                </a:solidFill>
-                <a:latin typeface="+mj-ea"/>
-                <a:ea typeface="+mj-ea"/>
-              </a:rPr>
-              <a:t>팀명</a:t>
-            </a:r>
-            <a:r>
-              <a:rPr lang="en-US" altLang="ko-KR" sz="2400" b="1" dirty="0" smtClean="0">
-                <a:solidFill>
-                  <a:schemeClr val="tx1">
-                    <a:lumMod val="75000"/>
-                    <a:lumOff val="25000"/>
-                  </a:schemeClr>
-                </a:solidFill>
-                <a:latin typeface="+mj-ea"/>
-                <a:ea typeface="+mj-ea"/>
-              </a:rPr>
-              <a:t>)</a:t>
-            </a:r>
+              <a:t>김이송이김송이</a:t>
+            </a:r>
+            <a:endParaRPr lang="en-US" altLang="ko-KR" sz="2400" b="1" dirty="0">
+              <a:solidFill>
+                <a:schemeClr val="tx1">
+                  <a:lumMod val="75000"/>
+                  <a:lumOff val="25000"/>
+                </a:schemeClr>
+              </a:solidFill>
+              <a:latin typeface="+mj-ea"/>
+              <a:ea typeface="+mj-ea"/>
+            </a:endParaRPr>
           </a:p>
           <a:p>
             <a:pPr algn="r" eaLnBrk="1" fontAlgn="auto" latinLnBrk="1" hangingPunct="1">
@@ -6474,7 +6412,7 @@
               <a:defRPr/>
             </a:pPr>
             <a:r>
-              <a:rPr lang="ko-KR" altLang="en-US" sz="2000" b="1" dirty="0" smtClean="0">
+              <a:rPr lang="ko-KR" altLang="en-US" sz="2000" b="1" dirty="0" err="1">
                 <a:solidFill>
                   <a:schemeClr val="tx1">
                     <a:lumMod val="75000"/>
@@ -6484,10 +6422,10 @@
                 <a:latin typeface="+mj-ea"/>
                 <a:ea typeface="+mj-ea"/>
               </a:rPr>
-              <a:t>김</a:t>
-            </a:r>
-            <a:r>
-              <a:rPr lang="ko-KR" altLang="en-US" sz="2000" b="1" dirty="0">
+              <a:t>김규민</a:t>
+            </a:r>
+            <a:r>
+              <a:rPr lang="en-US" altLang="ko-KR" sz="2000" b="1" dirty="0">
                 <a:solidFill>
                   <a:schemeClr val="tx1">
                     <a:lumMod val="75000"/>
@@ -6497,10 +6435,10 @@
                 <a:latin typeface="+mj-ea"/>
                 <a:ea typeface="+mj-ea"/>
               </a:rPr>
-              <a:t>○○</a:t>
-            </a:r>
-            <a:r>
-              <a:rPr lang="en-US" altLang="ko-KR" sz="2000" b="1" dirty="0">
+              <a:t>, </a:t>
+            </a:r>
+            <a:r>
+              <a:rPr lang="ko-KR" altLang="en-US" sz="2000" b="1" dirty="0">
                 <a:solidFill>
                   <a:schemeClr val="tx1">
                     <a:lumMod val="75000"/>
@@ -6510,10 +6448,10 @@
                 <a:latin typeface="+mj-ea"/>
                 <a:ea typeface="+mj-ea"/>
               </a:rPr>
-              <a:t>, </a:t>
-            </a:r>
-            <a:r>
-              <a:rPr lang="ko-KR" altLang="en-US" sz="2000" b="1" dirty="0">
+              <a:t>이준호</a:t>
+            </a:r>
+            <a:r>
+              <a:rPr lang="en-US" altLang="ko-KR" sz="2000" b="1" dirty="0">
                 <a:solidFill>
                   <a:schemeClr val="tx1">
                     <a:lumMod val="75000"/>
@@ -6523,10 +6461,10 @@
                 <a:latin typeface="+mj-ea"/>
                 <a:ea typeface="+mj-ea"/>
               </a:rPr>
-              <a:t>박○○</a:t>
-            </a:r>
-            <a:r>
-              <a:rPr lang="en-US" altLang="ko-KR" sz="2000" b="1" dirty="0">
+              <a:t>, </a:t>
+            </a:r>
+            <a:r>
+              <a:rPr lang="ko-KR" altLang="en-US" sz="2000" b="1" dirty="0" err="1">
                 <a:solidFill>
                   <a:schemeClr val="tx1">
                     <a:lumMod val="75000"/>
@@ -6536,72 +6474,7 @@
                 <a:latin typeface="+mj-ea"/>
                 <a:ea typeface="+mj-ea"/>
               </a:rPr>
-              <a:t>, </a:t>
-            </a:r>
-            <a:r>
-              <a:rPr lang="ko-KR" altLang="en-US" sz="2000" b="1" dirty="0">
-                <a:solidFill>
-                  <a:schemeClr val="tx1">
-                    <a:lumMod val="75000"/>
-                    <a:lumOff val="25000"/>
-                  </a:schemeClr>
-                </a:solidFill>
-                <a:latin typeface="+mj-ea"/>
-                <a:ea typeface="+mj-ea"/>
-              </a:rPr>
-              <a:t>이○○</a:t>
-            </a:r>
-            <a:r>
-              <a:rPr lang="en-US" altLang="ko-KR" sz="2000" b="1" dirty="0">
-                <a:solidFill>
-                  <a:schemeClr val="tx1">
-                    <a:lumMod val="75000"/>
-                    <a:lumOff val="25000"/>
-                  </a:schemeClr>
-                </a:solidFill>
-                <a:latin typeface="+mj-ea"/>
-                <a:ea typeface="+mj-ea"/>
-              </a:rPr>
-              <a:t>, </a:t>
-            </a:r>
-            <a:r>
-              <a:rPr lang="ko-KR" altLang="en-US" sz="2000" b="1" dirty="0">
-                <a:solidFill>
-                  <a:schemeClr val="tx1">
-                    <a:lumMod val="75000"/>
-                    <a:lumOff val="25000"/>
-                  </a:schemeClr>
-                </a:solidFill>
-                <a:latin typeface="+mj-ea"/>
-                <a:ea typeface="+mj-ea"/>
-              </a:rPr>
-              <a:t>최○○</a:t>
-            </a:r>
-            <a:r>
-              <a:rPr lang="en-US" altLang="ko-KR" sz="2000" b="1" dirty="0">
-                <a:solidFill>
-                  <a:schemeClr val="tx1">
-                    <a:lumMod val="75000"/>
-                    <a:lumOff val="25000"/>
-                  </a:schemeClr>
-                </a:solidFill>
-                <a:latin typeface="+mj-ea"/>
-                <a:ea typeface="+mj-ea"/>
-              </a:rPr>
-              <a:t>, </a:t>
-            </a:r>
-            <a:r>
-              <a:rPr lang="ko-KR" altLang="en-US" sz="2000" b="1" dirty="0">
-                <a:solidFill>
-                  <a:schemeClr val="tx1">
-                    <a:lumMod val="75000"/>
-                    <a:lumOff val="25000"/>
-                  </a:schemeClr>
-                </a:solidFill>
-                <a:latin typeface="+mj-ea"/>
-                <a:ea typeface="+mj-ea"/>
-              </a:rPr>
-              <a:t>정○○</a:t>
+              <a:t>송상엽</a:t>
             </a:r>
             <a:endParaRPr lang="en-US" altLang="ko-KR" sz="2000" b="1" dirty="0">
               <a:solidFill>
@@ -6725,18 +6598,7 @@
                   </a:schemeClr>
                 </a:solidFill>
               </a:rPr>
-              <a:t>목차 안에 구성된 내용은 포함되도록 </a:t>
-            </a:r>
-            <a:r>
-              <a:rPr lang="ko-KR" altLang="en-US" b="1" dirty="0" smtClean="0">
-                <a:solidFill>
-                  <a:schemeClr val="tx1">
-                    <a:lumMod val="75000"/>
-                    <a:lumOff val="25000"/>
-                  </a:schemeClr>
-                </a:solidFill>
-              </a:rPr>
-              <a:t>작성</a:t>
+              <a:t>목차 안에 구성된 내용은 포함되도록 작성</a:t>
             </a:r>
             <a:r>
               <a:rPr lang="en-US" altLang="ko-KR" b="1" dirty="0">
@@ -6871,7 +6733,7 @@
               <a:defRPr/>
             </a:pPr>
             <a:r>
-              <a:rPr lang="ko-KR" altLang="en-US" sz="1600" b="1" dirty="0" smtClean="0">
+              <a:rPr lang="ko-KR" altLang="en-US" sz="1600" b="1" dirty="0">
                 <a:solidFill>
                   <a:schemeClr val="tx1">
                     <a:lumMod val="75000"/>
@@ -6883,7 +6745,7 @@
               <a:t>부산</a:t>
             </a:r>
             <a:r>
-              <a:rPr lang="en-US" altLang="ko-KR" sz="1600" b="1" dirty="0" smtClean="0">
+              <a:rPr lang="en-US" altLang="ko-KR" sz="1600" b="1" dirty="0">
                 <a:solidFill>
                   <a:schemeClr val="tx1">
                     <a:lumMod val="75000"/>
@@ -6895,7 +6757,7 @@
               <a:t>IT</a:t>
             </a:r>
             <a:r>
-              <a:rPr lang="ko-KR" altLang="en-US" sz="1600" b="1" dirty="0" smtClean="0">
+              <a:rPr lang="ko-KR" altLang="en-US" sz="1600" b="1" dirty="0">
                 <a:solidFill>
                   <a:schemeClr val="tx1">
                     <a:lumMod val="75000"/>
@@ -6906,15 +6768,6 @@
               </a:rPr>
               <a:t>아카데미</a:t>
             </a:r>
-            <a:endParaRPr lang="ko-KR" altLang="en-US" sz="1600" b="1" dirty="0">
-              <a:solidFill>
-                <a:schemeClr val="tx1">
-                  <a:lumMod val="75000"/>
-                  <a:lumOff val="25000"/>
-                </a:schemeClr>
-              </a:solidFill>
-              <a:latin typeface="맑은 고딕" panose="020B0503020000020004" pitchFamily="50" charset="-127"/>
-            </a:endParaRPr>
           </a:p>
         </p:txBody>
       </p:sp>
@@ -7153,7 +7006,7 @@
               <a:defRPr/>
             </a:pPr>
             <a:r>
-              <a:rPr lang="ko-KR" altLang="en-US" sz="4000" b="1" dirty="0">
+              <a:rPr lang="en-US" altLang="ko-KR" sz="4000" b="1" dirty="0">
                 <a:solidFill>
                   <a:schemeClr val="tx1">
                     <a:lumMod val="75000"/>
@@ -7163,10 +7016,10 @@
                 <a:latin typeface="+mj-ea"/>
                 <a:ea typeface="+mj-ea"/>
               </a:rPr>
-              <a:t>팀 </a:t>
-            </a:r>
-            <a:r>
-              <a:rPr lang="ko-KR" altLang="en-US" sz="4000" b="1" dirty="0" smtClean="0">
+              <a:t>Health</a:t>
+            </a:r>
+            <a:r>
+              <a:rPr lang="ko-KR" altLang="en-US" sz="4000" b="1" dirty="0">
                 <a:solidFill>
                   <a:schemeClr val="tx1">
                     <a:lumMod val="75000"/>
@@ -7176,10 +7029,10 @@
                 <a:latin typeface="+mj-ea"/>
                 <a:ea typeface="+mj-ea"/>
               </a:rPr>
-              <a:t>프로젝트 </a:t>
-            </a:r>
-            <a:r>
-              <a:rPr lang="ko-KR" altLang="en-US" sz="4000" b="1" dirty="0">
+              <a:t> </a:t>
+            </a:r>
+            <a:r>
+              <a:rPr lang="en-US" altLang="ko-KR" sz="4000" b="1" dirty="0">
                 <a:solidFill>
                   <a:schemeClr val="tx1">
                     <a:lumMod val="75000"/>
@@ -7189,46 +7042,7 @@
                 <a:latin typeface="+mj-ea"/>
                 <a:ea typeface="+mj-ea"/>
               </a:rPr>
-              <a:t>명 </a:t>
-            </a:r>
-            <a:r>
-              <a:rPr lang="en-US" altLang="ko-KR" sz="4000" b="1" dirty="0">
-                <a:solidFill>
-                  <a:schemeClr val="tx1">
-                    <a:lumMod val="75000"/>
-                    <a:lumOff val="25000"/>
-                  </a:schemeClr>
-                </a:solidFill>
-                <a:latin typeface="+mj-ea"/>
-                <a:ea typeface="+mj-ea"/>
-              </a:rPr>
-              <a:t>(</a:t>
-            </a:r>
-            <a:r>
-              <a:rPr lang="ko-KR" altLang="en-US" sz="4000" b="1" dirty="0">
-                <a:solidFill>
-                  <a:schemeClr val="tx1">
-                    <a:lumMod val="75000"/>
-                    <a:lumOff val="25000"/>
-                  </a:schemeClr>
-                </a:solidFill>
-                <a:latin typeface="+mj-ea"/>
-                <a:ea typeface="+mj-ea"/>
-              </a:rPr>
-              <a:t>주제</a:t>
-            </a:r>
-            <a:r>
-              <a:rPr lang="en-US" altLang="ko-KR" sz="4000" b="1" dirty="0">
-                <a:solidFill>
-                  <a:schemeClr val="tx1">
-                    <a:lumMod val="75000"/>
-                    <a:lumOff val="25000"/>
-                  </a:schemeClr>
-                </a:solidFill>
-                <a:latin typeface="+mj-ea"/>
-                <a:ea typeface="+mj-ea"/>
-              </a:rPr>
-              <a:t>)</a:t>
+              <a:t>Kiosk</a:t>
             </a:r>
             <a:endParaRPr lang="ko-KR" altLang="en-US" sz="4000" b="1" dirty="0">
               <a:solidFill>
@@ -7279,7 +7093,7 @@
           <a:p>
             <a:pPr algn="ctr"/>
             <a:r>
-              <a:rPr lang="ko-KR" altLang="en-US" sz="1500" spc="600" dirty="0" smtClean="0">
+              <a:rPr lang="ko-KR" altLang="en-US" sz="1500" spc="600" dirty="0">
                 <a:solidFill>
                   <a:schemeClr val="bg2">
                     <a:lumMod val="25000"/>
@@ -7291,7 +7105,7 @@
               <a:t>국가기간</a:t>
             </a:r>
             <a:r>
-              <a:rPr lang="en-US" altLang="ko-KR" sz="1500" spc="600" dirty="0" smtClean="0">
+              <a:rPr lang="en-US" altLang="ko-KR" sz="1500" spc="600" dirty="0">
                 <a:solidFill>
                   <a:schemeClr val="bg2">
                     <a:lumMod val="25000"/>
@@ -7303,7 +7117,7 @@
               <a:t>·</a:t>
             </a:r>
             <a:r>
-              <a:rPr lang="ko-KR" altLang="en-US" sz="1500" spc="600" dirty="0" smtClean="0">
+              <a:rPr lang="ko-KR" altLang="en-US" sz="1500" spc="600" dirty="0">
                 <a:solidFill>
                   <a:schemeClr val="bg2">
                     <a:lumMod val="25000"/>
@@ -7314,15 +7128,6 @@
               </a:rPr>
               <a:t>전략산업직종훈련</a:t>
             </a:r>
-            <a:endParaRPr lang="ko-KR" altLang="en-US" sz="1500" spc="600" dirty="0">
-              <a:solidFill>
-                <a:schemeClr val="bg2">
-                  <a:lumMod val="25000"/>
-                </a:schemeClr>
-              </a:solidFill>
-              <a:latin typeface="+mj-ea"/>
-              <a:ea typeface="+mj-ea"/>
-            </a:endParaRPr>
           </a:p>
         </p:txBody>
       </p:sp>
@@ -7384,13 +7189,6 @@
   <p:clrMapOvr>
     <a:masterClrMapping/>
   </p:clrMapOvr>
-  <p:timing>
-    <p:tnLst>
-      <p:par>
-        <p:cTn id="1" dur="indefinite" restart="never" nodeType="tmRoot"/>
-      </p:par>
-    </p:tnLst>
-  </p:timing>
 </p:sld>
 </file>
 
@@ -7530,29 +7328,8 @@
                 <a:latin typeface="+mn-ea"/>
                 <a:ea typeface="+mn-ea"/>
               </a:rPr>
-              <a:t>LSTM(Long short-term memory</a:t>
-            </a:r>
-            <a:r>
-              <a:rPr lang="en-US" altLang="ko-KR" b="1" spc="-100" dirty="0" smtClean="0">
-                <a:solidFill>
-                  <a:schemeClr val="bg2">
-                    <a:lumMod val="25000"/>
-                  </a:schemeClr>
-                </a:solidFill>
-                <a:latin typeface="+mn-ea"/>
-                <a:ea typeface="+mn-ea"/>
-              </a:rPr>
-              <a:t>)</a:t>
-            </a:r>
-            <a:endParaRPr lang="en-US" altLang="ko-KR" b="1" spc="-100" dirty="0">
-              <a:solidFill>
-                <a:schemeClr val="bg2">
-                  <a:lumMod val="25000"/>
-                </a:schemeClr>
-              </a:solidFill>
-              <a:latin typeface="+mn-ea"/>
-              <a:ea typeface="+mn-ea"/>
-            </a:endParaRPr>
+              <a:t>LSTM(Long short-term memory)</a:t>
+            </a:r>
           </a:p>
         </p:txBody>
       </p:sp>
@@ -7680,7 +7457,7 @@
           <a:lstStyle/>
           <a:p>
             <a:r>
-              <a:rPr lang="ko-KR" altLang="en-US" sz="2800" b="1" dirty="0" smtClean="0">
+              <a:rPr lang="ko-KR" altLang="en-US" sz="2800" b="1" dirty="0">
                 <a:ln w="12700">
                   <a:solidFill>
                     <a:srgbClr val="939597"/>
@@ -7707,31 +7484,6 @@
               </a:rPr>
               <a:t>▶</a:t>
             </a:r>
-            <a:endParaRPr lang="ko-KR" altLang="en-US" sz="2800" b="1" dirty="0">
-              <a:ln w="12700">
-                <a:solidFill>
-                  <a:srgbClr val="939597"/>
-                </a:solidFill>
-                <a:prstDash val="solid"/>
-              </a:ln>
-              <a:pattFill prst="dkUpDiag">
-                <a:fgClr>
-                  <a:srgbClr val="939597"/>
-                </a:fgClr>
-                <a:bgClr>
-                  <a:schemeClr val="bg2">
-                    <a:lumMod val="90000"/>
-                  </a:schemeClr>
-                </a:bgClr>
-              </a:pattFill>
-              <a:effectLst>
-                <a:outerShdw dist="38100" dir="2640000" algn="bl" rotWithShape="0">
-                  <a:srgbClr val="939597"/>
-                </a:outerShdw>
-              </a:effectLst>
-              <a:latin typeface="HY견고딕" panose="02030600000101010101" pitchFamily="18" charset="-127"/>
-              <a:ea typeface="HY견고딕" panose="02030600000101010101" pitchFamily="18" charset="-127"/>
-            </a:endParaRPr>
           </a:p>
         </p:txBody>
       </p:sp>
@@ -7821,10 +7573,10 @@
                 <a:latin typeface="+mn-ea"/>
                 <a:ea typeface="+mn-ea"/>
               </a:rPr>
-              <a:t>결과 제시 </a:t>
-            </a:r>
-            <a:r>
-              <a:rPr lang="ko-KR" altLang="en-US" sz="1400" b="1" spc="-100" dirty="0" smtClean="0">
+              <a:t>결과 제시 ③</a:t>
+            </a:r>
+            <a:r>
+              <a:rPr lang="en-US" altLang="ko-KR" sz="1400" b="1" spc="-100" dirty="0">
                 <a:solidFill>
                   <a:schemeClr val="bg2">
                     <a:lumMod val="25000"/>
@@ -7833,10 +7585,10 @@
                 <a:latin typeface="+mn-ea"/>
                 <a:ea typeface="+mn-ea"/>
               </a:rPr>
-              <a:t>③</a:t>
-            </a:r>
-            <a:r>
-              <a:rPr lang="en-US" altLang="ko-KR" sz="1400" b="1" spc="-100" dirty="0" smtClean="0">
+              <a:t> </a:t>
+            </a:r>
+            <a:r>
+              <a:rPr lang="ko-KR" altLang="en-US" sz="1400" b="1" spc="-100" dirty="0">
                 <a:solidFill>
                   <a:schemeClr val="bg2">
                     <a:lumMod val="25000"/>
@@ -7845,29 +7597,8 @@
                 <a:latin typeface="+mn-ea"/>
                 <a:ea typeface="+mn-ea"/>
               </a:rPr>
-              <a:t> </a:t>
-            </a:r>
-            <a:r>
-              <a:rPr lang="ko-KR" altLang="en-US" sz="1400" b="1" spc="-100" dirty="0" smtClean="0">
-                <a:solidFill>
-                  <a:schemeClr val="bg2">
-                    <a:lumMod val="25000"/>
-                  </a:schemeClr>
-                </a:solidFill>
-                <a:latin typeface="+mn-ea"/>
-                <a:ea typeface="+mn-ea"/>
-              </a:rPr>
               <a:t>모델 선정 및 분석</a:t>
             </a:r>
-            <a:endParaRPr lang="ko-KR" altLang="en-US" sz="1400" b="1" spc="-100" dirty="0">
-              <a:solidFill>
-                <a:schemeClr val="bg2">
-                  <a:lumMod val="25000"/>
-                </a:schemeClr>
-              </a:solidFill>
-              <a:latin typeface="+mn-ea"/>
-              <a:ea typeface="+mn-ea"/>
-            </a:endParaRPr>
           </a:p>
         </p:txBody>
       </p:sp>
@@ -8047,7 +7778,7 @@
               <a:t>04</a:t>
             </a:r>
             <a:r>
-              <a:rPr lang="en-US" altLang="ko-KR" sz="4000" b="1" dirty="0" smtClean="0">
+              <a:rPr lang="en-US" altLang="ko-KR" sz="4000" b="1" dirty="0">
                 <a:solidFill>
                   <a:srgbClr val="445569"/>
                 </a:solidFill>
@@ -8278,13 +8009,6 @@
   <p:clrMapOvr>
     <a:masterClrMapping/>
   </p:clrMapOvr>
-  <p:timing>
-    <p:tnLst>
-      <p:par>
-        <p:cTn id="1" dur="indefinite" restart="never" nodeType="tmRoot"/>
-      </p:par>
-    </p:tnLst>
-  </p:timing>
 </p:sld>
 </file>
 
@@ -8424,29 +8148,8 @@
                 <a:latin typeface="+mn-ea"/>
                 <a:ea typeface="+mn-ea"/>
               </a:rPr>
-              <a:t>LSTM(Long short-term memory</a:t>
-            </a:r>
-            <a:r>
-              <a:rPr lang="en-US" altLang="ko-KR" b="1" spc="-100" dirty="0" smtClean="0">
-                <a:solidFill>
-                  <a:schemeClr val="bg2">
-                    <a:lumMod val="25000"/>
-                  </a:schemeClr>
-                </a:solidFill>
-                <a:latin typeface="+mn-ea"/>
-                <a:ea typeface="+mn-ea"/>
-              </a:rPr>
-              <a:t>)</a:t>
-            </a:r>
-            <a:endParaRPr lang="en-US" altLang="ko-KR" b="1" spc="-100" dirty="0">
-              <a:solidFill>
-                <a:schemeClr val="bg2">
-                  <a:lumMod val="25000"/>
-                </a:schemeClr>
-              </a:solidFill>
-              <a:latin typeface="+mn-ea"/>
-              <a:ea typeface="+mn-ea"/>
-            </a:endParaRPr>
+              <a:t>LSTM(Long short-term memory)</a:t>
+            </a:r>
           </a:p>
         </p:txBody>
       </p:sp>
@@ -8593,7 +8296,7 @@
           <a:lstStyle/>
           <a:p>
             <a:r>
-              <a:rPr lang="ko-KR" altLang="en-US" sz="2800" b="1" dirty="0" smtClean="0">
+              <a:rPr lang="ko-KR" altLang="en-US" sz="2800" b="1" dirty="0">
                 <a:ln w="12700">
                   <a:solidFill>
                     <a:srgbClr val="939597"/>
@@ -8620,31 +8323,6 @@
               </a:rPr>
               <a:t>▶</a:t>
             </a:r>
-            <a:endParaRPr lang="ko-KR" altLang="en-US" sz="2800" b="1" dirty="0">
-              <a:ln w="12700">
-                <a:solidFill>
-                  <a:srgbClr val="939597"/>
-                </a:solidFill>
-                <a:prstDash val="solid"/>
-              </a:ln>
-              <a:pattFill prst="dkUpDiag">
-                <a:fgClr>
-                  <a:srgbClr val="939597"/>
-                </a:fgClr>
-                <a:bgClr>
-                  <a:schemeClr val="bg2">
-                    <a:lumMod val="90000"/>
-                  </a:schemeClr>
-                </a:bgClr>
-              </a:pattFill>
-              <a:effectLst>
-                <a:outerShdw dist="38100" dir="2640000" algn="bl" rotWithShape="0">
-                  <a:srgbClr val="939597"/>
-                </a:outerShdw>
-              </a:effectLst>
-              <a:latin typeface="HY견고딕" panose="02030600000101010101" pitchFamily="18" charset="-127"/>
-              <a:ea typeface="HY견고딕" panose="02030600000101010101" pitchFamily="18" charset="-127"/>
-            </a:endParaRPr>
           </a:p>
         </p:txBody>
       </p:sp>
@@ -8734,10 +8412,10 @@
                 <a:latin typeface="+mn-ea"/>
                 <a:ea typeface="+mn-ea"/>
               </a:rPr>
-              <a:t>결과 제시 </a:t>
-            </a:r>
-            <a:r>
-              <a:rPr lang="ko-KR" altLang="en-US" sz="1400" b="1" spc="-100" dirty="0" smtClean="0">
+              <a:t>결과 제시 ④</a:t>
+            </a:r>
+            <a:r>
+              <a:rPr lang="en-US" altLang="ko-KR" sz="1400" b="1" spc="-100" dirty="0">
                 <a:solidFill>
                   <a:schemeClr val="bg2">
                     <a:lumMod val="25000"/>
@@ -8746,10 +8424,10 @@
                 <a:latin typeface="+mn-ea"/>
                 <a:ea typeface="+mn-ea"/>
               </a:rPr>
-              <a:t>④</a:t>
-            </a:r>
-            <a:r>
-              <a:rPr lang="en-US" altLang="ko-KR" sz="1400" b="1" spc="-100" dirty="0" smtClean="0">
+              <a:t> </a:t>
+            </a:r>
+            <a:r>
+              <a:rPr lang="ko-KR" altLang="en-US" sz="1400" b="1" spc="-100" dirty="0">
                 <a:solidFill>
                   <a:schemeClr val="bg2">
                     <a:lumMod val="25000"/>
@@ -8758,29 +8436,8 @@
                 <a:latin typeface="+mn-ea"/>
                 <a:ea typeface="+mn-ea"/>
               </a:rPr>
-              <a:t> </a:t>
-            </a:r>
-            <a:r>
-              <a:rPr lang="ko-KR" altLang="en-US" sz="1400" b="1" spc="-100" dirty="0" smtClean="0">
-                <a:solidFill>
-                  <a:schemeClr val="bg2">
-                    <a:lumMod val="25000"/>
-                  </a:schemeClr>
-                </a:solidFill>
-                <a:latin typeface="+mn-ea"/>
-                <a:ea typeface="+mn-ea"/>
-              </a:rPr>
               <a:t>모델 평가 및 개선</a:t>
             </a:r>
-            <a:endParaRPr lang="ko-KR" altLang="en-US" sz="1400" b="1" spc="-100" dirty="0">
-              <a:solidFill>
-                <a:schemeClr val="bg2">
-                  <a:lumMod val="25000"/>
-                </a:schemeClr>
-              </a:solidFill>
-              <a:latin typeface="+mn-ea"/>
-              <a:ea typeface="+mn-ea"/>
-            </a:endParaRPr>
           </a:p>
         </p:txBody>
       </p:sp>
@@ -8960,7 +8617,7 @@
               <a:t>04</a:t>
             </a:r>
             <a:r>
-              <a:rPr lang="en-US" altLang="ko-KR" sz="4000" b="1" dirty="0" smtClean="0">
+              <a:rPr lang="en-US" altLang="ko-KR" sz="4000" b="1" dirty="0">
                 <a:solidFill>
                   <a:srgbClr val="445569"/>
                 </a:solidFill>
@@ -9065,7 +8722,7 @@
               <a:defRPr/>
             </a:pPr>
             <a:r>
-              <a:rPr lang="en-US" altLang="ko-KR" sz="1600" spc="-150" dirty="0" smtClean="0">
+              <a:rPr lang="en-US" altLang="ko-KR" sz="1600" spc="-150" dirty="0">
                 <a:solidFill>
                   <a:schemeClr val="bg2">
                     <a:lumMod val="25000"/>
@@ -9073,18 +8730,7 @@
                 </a:solidFill>
                 <a:latin typeface="+mn-ea"/>
               </a:rPr>
-              <a:t>3Layer </a:t>
-            </a:r>
-            <a:r>
-              <a:rPr lang="en-US" altLang="ko-KR" sz="1600" spc="-150" dirty="0">
-                <a:solidFill>
-                  <a:schemeClr val="bg2">
-                    <a:lumMod val="25000"/>
-                  </a:schemeClr>
-                </a:solidFill>
-                <a:latin typeface="+mn-ea"/>
-              </a:rPr>
-              <a:t>LSTM </a:t>
+              <a:t>3Layer LSTM </a:t>
             </a:r>
             <a:r>
               <a:rPr lang="ko-KR" altLang="en-US" sz="1600" spc="-150" dirty="0">
@@ -9108,7 +8754,7 @@
               <a:defRPr/>
             </a:pPr>
             <a:r>
-              <a:rPr lang="ko-KR" altLang="en-US" sz="1600" spc="-150" dirty="0" err="1" smtClean="0">
+              <a:rPr lang="ko-KR" altLang="en-US" sz="1600" spc="-150" dirty="0" err="1">
                 <a:solidFill>
                   <a:schemeClr val="bg2">
                     <a:lumMod val="25000"/>
@@ -9119,7 +8765,7 @@
               <a:t>옵티마이저</a:t>
             </a:r>
             <a:r>
-              <a:rPr lang="ko-KR" altLang="en-US" sz="1600" spc="-150" dirty="0" smtClean="0">
+              <a:rPr lang="ko-KR" altLang="en-US" sz="1600" spc="-150" dirty="0">
                 <a:solidFill>
                   <a:schemeClr val="bg2">
                     <a:lumMod val="25000"/>
@@ -9127,18 +8773,7 @@
                 </a:solidFill>
                 <a:latin typeface="+mn-ea"/>
               </a:rPr>
-              <a:t> </a:t>
-            </a:r>
-            <a:r>
-              <a:rPr lang="ko-KR" altLang="en-US" sz="1600" spc="-150" dirty="0">
-                <a:solidFill>
-                  <a:schemeClr val="bg2">
-                    <a:lumMod val="25000"/>
-                  </a:schemeClr>
-                </a:solidFill>
-                <a:latin typeface="+mn-ea"/>
-              </a:rPr>
-              <a:t>조정</a:t>
+              <a:t> 조정</a:t>
             </a:r>
           </a:p>
           <a:p>
@@ -9149,7 +8784,7 @@
               <a:defRPr/>
             </a:pPr>
             <a:r>
-              <a:rPr lang="en-US" altLang="ko-KR" sz="1600" spc="-150" dirty="0" smtClean="0">
+              <a:rPr lang="en-US" altLang="ko-KR" sz="1600" spc="-150" dirty="0">
                 <a:solidFill>
                   <a:schemeClr val="bg2">
                     <a:lumMod val="25000"/>
@@ -9157,10 +8792,10 @@
                 </a:solidFill>
                 <a:latin typeface="+mn-ea"/>
               </a:rPr>
-              <a:t>    : </a:t>
-            </a:r>
-            <a:r>
-              <a:rPr lang="en-US" altLang="ko-KR" sz="1600" spc="-150" dirty="0">
+              <a:t>    : Adam -&gt;‘</a:t>
+            </a:r>
+            <a:r>
+              <a:rPr lang="en-US" altLang="ko-KR" sz="1600" spc="-150" dirty="0" err="1">
                 <a:solidFill>
                   <a:schemeClr val="bg2">
                     <a:lumMod val="25000"/>
@@ -9168,10 +8803,10 @@
                 </a:solidFill>
                 <a:latin typeface="+mn-ea"/>
               </a:rPr>
-              <a:t>Adam -&gt;‘</a:t>
-            </a:r>
-            <a:r>
-              <a:rPr lang="en-US" altLang="ko-KR" sz="1600" spc="-150" dirty="0" err="1">
+              <a:t>rmsprop</a:t>
+            </a:r>
+            <a:r>
+              <a:rPr lang="en-US" altLang="ko-KR" sz="1600" spc="-150" dirty="0">
                 <a:solidFill>
                   <a:schemeClr val="bg2">
                     <a:lumMod val="25000"/>
@@ -9179,10 +8814,10 @@
                 </a:solidFill>
                 <a:latin typeface="+mn-ea"/>
               </a:rPr>
-              <a:t>rmsprop</a:t>
-            </a:r>
-            <a:r>
-              <a:rPr lang="en-US" altLang="ko-KR" sz="1600" spc="-150" dirty="0">
+              <a:t>’</a:t>
+            </a:r>
+            <a:r>
+              <a:rPr lang="ko-KR" altLang="en-US" sz="1600" spc="-150" dirty="0">
                 <a:solidFill>
                   <a:schemeClr val="bg2">
                     <a:lumMod val="25000"/>
@@ -9190,32 +8825,10 @@
                 </a:solidFill>
                 <a:latin typeface="+mn-ea"/>
               </a:rPr>
-              <a:t>’</a:t>
-            </a:r>
-            <a:r>
-              <a:rPr lang="ko-KR" altLang="en-US" sz="1600" spc="-150" dirty="0">
-                <a:solidFill>
-                  <a:schemeClr val="bg2">
-                    <a:lumMod val="25000"/>
-                  </a:schemeClr>
-                </a:solidFill>
-                <a:latin typeface="+mn-ea"/>
-              </a:rPr>
-              <a:t>로 </a:t>
-            </a:r>
-            <a:r>
-              <a:rPr lang="ko-KR" altLang="en-US" sz="1600" spc="-150" dirty="0" smtClean="0">
-                <a:solidFill>
-                  <a:schemeClr val="bg2">
-                    <a:lumMod val="25000"/>
-                  </a:schemeClr>
-                </a:solidFill>
-                <a:latin typeface="+mn-ea"/>
-              </a:rPr>
-              <a:t>변경</a:t>
-            </a:r>
-            <a:r>
-              <a:rPr lang="en-US" altLang="ko-KR" sz="1600" spc="-150" dirty="0" smtClean="0">
+              <a:t>로 변경</a:t>
+            </a:r>
+            <a:r>
+              <a:rPr lang="en-US" altLang="ko-KR" sz="1600" spc="-150" dirty="0">
                 <a:solidFill>
                   <a:schemeClr val="bg2">
                     <a:lumMod val="25000"/>
@@ -9242,18 +8855,7 @@
                 </a:solidFill>
                 <a:latin typeface="+mn-ea"/>
               </a:rPr>
-              <a:t> </a:t>
-            </a:r>
-            <a:r>
-              <a:rPr lang="en-US" altLang="ko-KR" sz="1600" spc="-150" dirty="0" smtClean="0">
-                <a:solidFill>
-                  <a:schemeClr val="bg2">
-                    <a:lumMod val="25000"/>
-                  </a:schemeClr>
-                </a:solidFill>
-                <a:latin typeface="+mn-ea"/>
-              </a:rPr>
-              <a:t>         &gt;&gt; </a:t>
+              <a:t>          &gt;&gt; </a:t>
             </a:r>
             <a:r>
               <a:rPr lang="ko-KR" altLang="en-US" sz="1600" spc="-150" dirty="0">
@@ -9279,13 +8881,6 @@
   <p:clrMapOvr>
     <a:masterClrMapping/>
   </p:clrMapOvr>
-  <p:timing>
-    <p:tnLst>
-      <p:par>
-        <p:cTn id="1" dur="indefinite" restart="never" nodeType="tmRoot"/>
-      </p:par>
-    </p:tnLst>
-  </p:timing>
 </p:sld>
 </file>
 
@@ -9546,10 +9141,10 @@
                 <a:latin typeface="+mn-ea"/>
                 <a:ea typeface="+mn-ea"/>
               </a:rPr>
-              <a:t>결과 제시 </a:t>
-            </a:r>
-            <a:r>
-              <a:rPr lang="ko-KR" altLang="en-US" sz="1400" b="1" spc="-100" dirty="0" smtClean="0">
+              <a:t>결과 제시 ⑤</a:t>
+            </a:r>
+            <a:r>
+              <a:rPr lang="en-US" altLang="ko-KR" sz="1400" b="1" spc="-100" dirty="0">
                 <a:solidFill>
                   <a:schemeClr val="bg2">
                     <a:lumMod val="25000"/>
@@ -9558,10 +9153,10 @@
                 <a:latin typeface="+mn-ea"/>
                 <a:ea typeface="+mn-ea"/>
               </a:rPr>
-              <a:t>⑤</a:t>
-            </a:r>
-            <a:r>
-              <a:rPr lang="en-US" altLang="ko-KR" sz="1400" b="1" spc="-100" dirty="0" smtClean="0">
+              <a:t> </a:t>
+            </a:r>
+            <a:r>
+              <a:rPr lang="ko-KR" altLang="en-US" sz="1400" b="1" spc="-100" dirty="0">
                 <a:solidFill>
                   <a:schemeClr val="bg2">
                     <a:lumMod val="25000"/>
@@ -9570,29 +9165,8 @@
                 <a:latin typeface="+mn-ea"/>
                 <a:ea typeface="+mn-ea"/>
               </a:rPr>
-              <a:t> </a:t>
-            </a:r>
-            <a:r>
-              <a:rPr lang="ko-KR" altLang="en-US" sz="1400" b="1" spc="-100" dirty="0" smtClean="0">
-                <a:solidFill>
-                  <a:schemeClr val="bg2">
-                    <a:lumMod val="25000"/>
-                  </a:schemeClr>
-                </a:solidFill>
-                <a:latin typeface="+mn-ea"/>
-                <a:ea typeface="+mn-ea"/>
-              </a:rPr>
               <a:t>시연 동영상</a:t>
             </a:r>
-            <a:endParaRPr lang="ko-KR" altLang="en-US" sz="1400" b="1" spc="-100" dirty="0">
-              <a:solidFill>
-                <a:schemeClr val="bg2">
-                  <a:lumMod val="25000"/>
-                </a:schemeClr>
-              </a:solidFill>
-              <a:latin typeface="+mn-ea"/>
-              <a:ea typeface="+mn-ea"/>
-            </a:endParaRPr>
           </a:p>
         </p:txBody>
       </p:sp>
@@ -9772,7 +9346,7 @@
               <a:t>04</a:t>
             </a:r>
             <a:r>
-              <a:rPr lang="en-US" altLang="ko-KR" sz="4000" b="1" dirty="0" smtClean="0">
+              <a:rPr lang="en-US" altLang="ko-KR" sz="4000" b="1" dirty="0">
                 <a:solidFill>
                   <a:srgbClr val="445569"/>
                 </a:solidFill>
@@ -9856,13 +9430,6 @@
   <p:clrMapOvr>
     <a:masterClrMapping/>
   </p:clrMapOvr>
-  <p:timing>
-    <p:tnLst>
-      <p:par>
-        <p:cTn id="1" dur="indefinite" restart="never" nodeType="tmRoot"/>
-      </p:par>
-    </p:tnLst>
-  </p:timing>
 </p:sld>
 </file>
 
@@ -9996,7 +9563,7 @@
               <a:defRPr/>
             </a:pPr>
             <a:r>
-              <a:rPr lang="en-US" altLang="ko-KR" b="1" spc="-150" dirty="0" smtClean="0">
+              <a:rPr lang="en-US" altLang="ko-KR" b="1" spc="-150" dirty="0">
                 <a:ln>
                   <a:solidFill>
                     <a:schemeClr val="bg1">
@@ -10014,46 +9581,6 @@
                 <a:ea typeface="+mn-ea"/>
               </a:rPr>
               <a:t>[</a:t>
-            </a:r>
-            <a:r>
-              <a:rPr lang="ko-KR" altLang="en-US" b="1" spc="-150" dirty="0" smtClean="0">
-                <a:ln>
-                  <a:solidFill>
-                    <a:schemeClr val="bg1">
-                      <a:lumMod val="95000"/>
-                      <a:alpha val="20000"/>
-                    </a:schemeClr>
-                  </a:solidFill>
-                </a:ln>
-                <a:solidFill>
-                  <a:schemeClr val="bg2">
-                    <a:lumMod val="25000"/>
-                  </a:schemeClr>
-                </a:solidFill>
-                <a:latin typeface="+mn-ea"/>
-                <a:ea typeface="+mn-ea"/>
-              </a:rPr>
-              <a:t>자체 평가 의견</a:t>
-            </a:r>
-            <a:r>
-              <a:rPr lang="en-US" altLang="ko-KR" b="1" spc="-150" dirty="0" smtClean="0">
-                <a:ln>
-                  <a:solidFill>
-                    <a:schemeClr val="bg1">
-                      <a:lumMod val="95000"/>
-                      <a:alpha val="20000"/>
-                    </a:schemeClr>
-                  </a:solidFill>
-                </a:ln>
-                <a:solidFill>
-                  <a:schemeClr val="bg2">
-                    <a:lumMod val="25000"/>
-                  </a:schemeClr>
-                </a:solidFill>
-                <a:latin typeface="+mn-ea"/>
-                <a:ea typeface="+mn-ea"/>
-              </a:rPr>
-              <a:t>]</a:t>
             </a:r>
             <a:r>
               <a:rPr lang="ko-KR" altLang="en-US" b="1" spc="-150" dirty="0">
@@ -10073,10 +9600,10 @@
                 <a:latin typeface="+mn-ea"/>
                 <a:ea typeface="+mn-ea"/>
               </a:rPr>
-              <a:t>은</a:t>
-            </a:r>
-            <a:r>
-              <a:rPr lang="ko-KR" altLang="en-US" b="1" spc="-150" dirty="0" smtClean="0">
+              <a:t>자체 평가 의견</a:t>
+            </a:r>
+            <a:r>
+              <a:rPr lang="en-US" altLang="ko-KR" b="1" spc="-150" dirty="0">
                 <a:ln>
                   <a:solidFill>
                     <a:schemeClr val="bg1">
@@ -10093,10 +9620,10 @@
                 <a:latin typeface="+mn-ea"/>
                 <a:ea typeface="+mn-ea"/>
               </a:rPr>
-              <a:t> 프로젝트 결과물에 대한 프로젝트 기획 의도와의 부합 정도 및 실무 활용 가능 정도</a:t>
-            </a:r>
-            <a:r>
-              <a:rPr lang="en-US" altLang="ko-KR" b="1" spc="-150" dirty="0" smtClean="0">
+              <a:t>]</a:t>
+            </a:r>
+            <a:r>
+              <a:rPr lang="ko-KR" altLang="en-US" b="1" spc="-150" dirty="0">
                 <a:ln>
                   <a:solidFill>
                     <a:schemeClr val="bg1">
@@ -10113,10 +9640,10 @@
                 <a:latin typeface="+mn-ea"/>
                 <a:ea typeface="+mn-ea"/>
               </a:rPr>
-              <a:t>, </a:t>
-            </a:r>
-            <a:r>
-              <a:rPr lang="ko-KR" altLang="en-US" b="1" spc="-150" dirty="0" smtClean="0">
+              <a:t>은 프로젝트 결과물에 대한 프로젝트 기획 의도와의 부합 정도 및 실무 활용 가능 정도</a:t>
+            </a:r>
+            <a:r>
+              <a:rPr lang="en-US" altLang="ko-KR" b="1" spc="-150" dirty="0">
                 <a:ln>
                   <a:solidFill>
                     <a:schemeClr val="bg1">
@@ -10133,10 +9660,10 @@
                 <a:latin typeface="+mn-ea"/>
                 <a:ea typeface="+mn-ea"/>
               </a:rPr>
-              <a:t>달성도</a:t>
-            </a:r>
-            <a:r>
-              <a:rPr lang="en-US" altLang="ko-KR" b="1" spc="-150" dirty="0" smtClean="0">
+              <a:t>, </a:t>
+            </a:r>
+            <a:r>
+              <a:rPr lang="ko-KR" altLang="en-US" b="1" spc="-150" dirty="0">
                 <a:ln>
                   <a:solidFill>
                     <a:schemeClr val="bg1">
@@ -10153,10 +9680,10 @@
                 <a:latin typeface="+mn-ea"/>
                 <a:ea typeface="+mn-ea"/>
               </a:rPr>
-              <a:t>, </a:t>
-            </a:r>
-            <a:r>
-              <a:rPr lang="ko-KR" altLang="en-US" b="1" spc="-150" dirty="0" smtClean="0">
+              <a:t>달성도</a:t>
+            </a:r>
+            <a:r>
+              <a:rPr lang="en-US" altLang="ko-KR" b="1" spc="-150" dirty="0">
                 <a:ln>
                   <a:solidFill>
                     <a:schemeClr val="bg1">
@@ -10173,10 +9700,10 @@
                 <a:latin typeface="+mn-ea"/>
                 <a:ea typeface="+mn-ea"/>
               </a:rPr>
-              <a:t>완성도 등 훈련기관 또는 훈련생의 자체적인 평가 의견과 느낀 점을 작성한다</a:t>
-            </a:r>
-            <a:r>
-              <a:rPr lang="en-US" altLang="ko-KR" b="1" spc="-150" dirty="0" smtClean="0">
+              <a:t>, </a:t>
+            </a:r>
+            <a:r>
+              <a:rPr lang="ko-KR" altLang="en-US" b="1" spc="-150" dirty="0">
                 <a:ln>
                   <a:solidFill>
                     <a:schemeClr val="bg1">
@@ -10193,25 +9720,28 @@
                 <a:latin typeface="+mn-ea"/>
                 <a:ea typeface="+mn-ea"/>
               </a:rPr>
+              <a:t>완성도 등 훈련기관 또는 훈련생의 자체적인 평가 의견과 느낀 점을 작성한다</a:t>
+            </a:r>
+            <a:r>
+              <a:rPr lang="en-US" altLang="ko-KR" b="1" spc="-150" dirty="0">
+                <a:ln>
+                  <a:solidFill>
+                    <a:schemeClr val="bg1">
+                      <a:lumMod val="95000"/>
+                      <a:alpha val="20000"/>
+                    </a:schemeClr>
+                  </a:solidFill>
+                </a:ln>
+                <a:solidFill>
+                  <a:schemeClr val="bg2">
+                    <a:lumMod val="25000"/>
+                  </a:schemeClr>
+                </a:solidFill>
+                <a:latin typeface="+mn-ea"/>
+                <a:ea typeface="+mn-ea"/>
+              </a:rPr>
               <a:t>.</a:t>
             </a:r>
-            <a:endParaRPr lang="en-US" altLang="ko-KR" b="1" spc="-150" dirty="0">
-              <a:ln>
-                <a:solidFill>
-                  <a:schemeClr val="bg1">
-                    <a:lumMod val="95000"/>
-                    <a:alpha val="20000"/>
-                  </a:schemeClr>
-                </a:solidFill>
-              </a:ln>
-              <a:solidFill>
-                <a:schemeClr val="bg2">
-                  <a:lumMod val="25000"/>
-                </a:schemeClr>
-              </a:solidFill>
-              <a:latin typeface="+mn-ea"/>
-              <a:ea typeface="+mn-ea"/>
-            </a:endParaRPr>
           </a:p>
         </p:txBody>
       </p:sp>
@@ -10252,7 +9782,7 @@
               <a:defRPr/>
             </a:pPr>
             <a:r>
-              <a:rPr lang="ko-KR" altLang="en-US" sz="1600" spc="-150" dirty="0" smtClean="0">
+              <a:rPr lang="ko-KR" altLang="en-US" sz="1600" spc="-150" dirty="0">
                 <a:ln>
                   <a:solidFill>
                     <a:schemeClr val="bg1">
@@ -10271,7 +9801,7 @@
               <a:t>개인 또는 우리 팀이 잘한 부분과 아쉬운 점을 작성한다</a:t>
             </a:r>
             <a:r>
-              <a:rPr lang="en-US" altLang="ko-KR" sz="1600" spc="-150" dirty="0" smtClean="0">
+              <a:rPr lang="en-US" altLang="ko-KR" sz="1600" spc="-150" dirty="0">
                 <a:ln>
                   <a:solidFill>
                     <a:schemeClr val="bg1">
@@ -10298,7 +9828,7 @@
               <a:defRPr/>
             </a:pPr>
             <a:r>
-              <a:rPr lang="en-US" altLang="ko-KR" sz="1600" spc="-150" dirty="0" smtClean="0">
+              <a:rPr lang="en-US" altLang="ko-KR" sz="1600" spc="-150" dirty="0">
                 <a:ln>
                   <a:solidFill>
                     <a:schemeClr val="bg1">
@@ -10317,7 +9847,7 @@
               <a:t>   *  </a:t>
             </a:r>
             <a:r>
-              <a:rPr lang="ko-KR" altLang="en-US" sz="1600" spc="-150" dirty="0" smtClean="0">
+              <a:rPr lang="ko-KR" altLang="en-US" sz="1600" spc="-150" dirty="0">
                 <a:ln>
                   <a:solidFill>
                     <a:schemeClr val="bg1">
@@ -10336,7 +9866,7 @@
               <a:t>예</a:t>
             </a:r>
             <a:r>
-              <a:rPr lang="en-US" altLang="ko-KR" sz="1600" spc="-150" dirty="0" smtClean="0">
+              <a:rPr lang="en-US" altLang="ko-KR" sz="1600" spc="-150" dirty="0">
                 <a:ln>
                   <a:solidFill>
                     <a:schemeClr val="bg1">
@@ -10355,7 +9885,7 @@
               <a:t>. </a:t>
             </a:r>
             <a:r>
-              <a:rPr lang="ko-KR" altLang="en-US" sz="1600" spc="-150" dirty="0" smtClean="0">
+              <a:rPr lang="ko-KR" altLang="en-US" sz="1600" spc="-150" dirty="0">
                 <a:ln>
                   <a:solidFill>
                     <a:schemeClr val="bg1">
@@ -10374,7 +9904,7 @@
               <a:t>모델 평가 결과</a:t>
             </a:r>
             <a:r>
-              <a:rPr lang="en-US" altLang="ko-KR" sz="1600" spc="-150" dirty="0" smtClean="0">
+              <a:rPr lang="en-US" altLang="ko-KR" sz="1600" spc="-150" dirty="0">
                 <a:ln>
                   <a:solidFill>
                     <a:schemeClr val="bg1">
@@ -10393,7 +9923,7 @@
               <a:t>, </a:t>
             </a:r>
             <a:r>
-              <a:rPr lang="ko-KR" altLang="en-US" sz="1600" spc="-150" dirty="0" smtClean="0">
+              <a:rPr lang="ko-KR" altLang="en-US" sz="1600" spc="-150" dirty="0">
                 <a:ln>
                   <a:solidFill>
                     <a:schemeClr val="bg1">
@@ -10412,7 +9942,7 @@
               <a:t>정확도가 </a:t>
             </a:r>
             <a:r>
-              <a:rPr lang="en-US" altLang="ko-KR" sz="1600" spc="-150" dirty="0" smtClean="0">
+              <a:rPr lang="en-US" altLang="ko-KR" sz="1600" spc="-150" dirty="0">
                 <a:ln>
                   <a:solidFill>
                     <a:schemeClr val="bg1">
@@ -10431,7 +9961,7 @@
               <a:t>00.00%</a:t>
             </a:r>
             <a:r>
-              <a:rPr lang="ko-KR" altLang="en-US" sz="1600" spc="-150" dirty="0" smtClean="0">
+              <a:rPr lang="ko-KR" altLang="en-US" sz="1600" spc="-150" dirty="0">
                 <a:ln>
                   <a:solidFill>
                     <a:schemeClr val="bg1">
@@ -10449,7 +9979,7 @@
               </a:rPr>
               <a:t>로 정확도 향상을 위해 모델 추후 개선 필요</a:t>
             </a:r>
-            <a:endParaRPr lang="en-US" altLang="ko-KR" sz="1600" spc="-150" dirty="0" smtClean="0">
+            <a:endParaRPr lang="en-US" altLang="ko-KR" sz="1600" spc="-150" dirty="0">
               <a:ln>
                 <a:solidFill>
                   <a:schemeClr val="bg1">
@@ -10491,7 +10021,7 @@
           <a:lstStyle/>
           <a:p>
             <a:r>
-              <a:rPr lang="ko-KR" altLang="en-US" sz="2800" b="1" dirty="0" smtClean="0">
+              <a:rPr lang="ko-KR" altLang="en-US" sz="2800" b="1" dirty="0">
                 <a:ln w="12700">
                   <a:solidFill>
                     <a:srgbClr val="939597"/>
@@ -10518,31 +10048,6 @@
               </a:rPr>
               <a:t>▶</a:t>
             </a:r>
-            <a:endParaRPr lang="ko-KR" altLang="en-US" sz="2800" b="1" dirty="0">
-              <a:ln w="12700">
-                <a:solidFill>
-                  <a:srgbClr val="939597"/>
-                </a:solidFill>
-                <a:prstDash val="solid"/>
-              </a:ln>
-              <a:pattFill prst="dkUpDiag">
-                <a:fgClr>
-                  <a:srgbClr val="939597"/>
-                </a:fgClr>
-                <a:bgClr>
-                  <a:schemeClr val="bg2">
-                    <a:lumMod val="90000"/>
-                  </a:schemeClr>
-                </a:bgClr>
-              </a:pattFill>
-              <a:effectLst>
-                <a:outerShdw dist="38100" dir="2640000" algn="bl" rotWithShape="0">
-                  <a:srgbClr val="939597"/>
-                </a:outerShdw>
-              </a:effectLst>
-              <a:latin typeface="HY견고딕" panose="02030600000101010101" pitchFamily="18" charset="-127"/>
-              <a:ea typeface="HY견고딕" panose="02030600000101010101" pitchFamily="18" charset="-127"/>
-            </a:endParaRPr>
           </a:p>
         </p:txBody>
       </p:sp>
@@ -10745,7 +10250,7 @@
           </a:lstStyle>
           <a:p>
             <a:r>
-              <a:rPr lang="en-US" altLang="ko-KR" sz="4000" b="1" dirty="0" smtClean="0">
+              <a:rPr lang="en-US" altLang="ko-KR" sz="4000" b="1" dirty="0">
                 <a:ln w="15875">
                   <a:solidFill>
                     <a:schemeClr val="tx1"/>
@@ -10767,7 +10272,7 @@
               <a:t>05</a:t>
             </a:r>
             <a:r>
-              <a:rPr lang="en-US" altLang="ko-KR" sz="4000" b="1" dirty="0" smtClean="0">
+              <a:rPr lang="en-US" altLang="ko-KR" sz="4000" b="1" dirty="0">
                 <a:solidFill>
                   <a:srgbClr val="445569"/>
                 </a:solidFill>
@@ -10819,7 +10324,7 @@
               <a:defRPr/>
             </a:pPr>
             <a:r>
-              <a:rPr lang="ko-KR" altLang="en-US" sz="2400" dirty="0" smtClean="0">
+              <a:rPr lang="ko-KR" altLang="en-US" sz="2400" dirty="0">
                 <a:ln>
                   <a:solidFill>
                     <a:schemeClr val="accent1">
@@ -10838,23 +10343,6 @@
               </a:rPr>
               <a:t>자체 평가 의견</a:t>
             </a:r>
-            <a:endParaRPr lang="ko-KR" altLang="en-US" sz="2400" dirty="0">
-              <a:ln>
-                <a:solidFill>
-                  <a:schemeClr val="accent1">
-                    <a:alpha val="0"/>
-                  </a:schemeClr>
-                </a:solidFill>
-              </a:ln>
-              <a:solidFill>
-                <a:schemeClr val="tx1">
-                  <a:lumMod val="75000"/>
-                  <a:lumOff val="25000"/>
-                </a:schemeClr>
-              </a:solidFill>
-              <a:latin typeface="휴먼둥근헤드라인" panose="02030504000101010101" pitchFamily="18" charset="-127"/>
-              <a:ea typeface="휴먼둥근헤드라인" panose="02030504000101010101" pitchFamily="18" charset="-127"/>
-            </a:endParaRPr>
           </a:p>
         </p:txBody>
       </p:sp>
@@ -10895,7 +10383,7 @@
               <a:defRPr/>
             </a:pPr>
             <a:r>
-              <a:rPr lang="ko-KR" altLang="en-US" sz="1600" spc="-150" dirty="0" smtClean="0">
+              <a:rPr lang="ko-KR" altLang="en-US" sz="1600" spc="-150" dirty="0">
                 <a:ln>
                   <a:solidFill>
                     <a:schemeClr val="bg1">
@@ -10914,7 +10402,7 @@
               <a:t>프로젝트를 수행하면서 느낀 점이나 경험한 성과에 대하여 기재할 수 있으며</a:t>
             </a:r>
             <a:r>
-              <a:rPr lang="en-US" altLang="ko-KR" sz="1600" spc="-150" dirty="0" smtClean="0">
+              <a:rPr lang="en-US" altLang="ko-KR" sz="1600" spc="-150" dirty="0">
                 <a:ln>
                   <a:solidFill>
                     <a:schemeClr val="bg1">
@@ -10933,7 +10421,7 @@
               <a:t>, </a:t>
             </a:r>
             <a:r>
-              <a:rPr lang="ko-KR" altLang="en-US" sz="1600" spc="-150" dirty="0" smtClean="0">
+              <a:rPr lang="ko-KR" altLang="en-US" sz="1600" spc="-150" dirty="0">
                 <a:ln>
                   <a:solidFill>
                     <a:schemeClr val="bg1">
@@ -10952,7 +10440,7 @@
               <a:t>경력 계획 등과 연관시켜 </a:t>
             </a:r>
             <a:r>
-              <a:rPr lang="ko-KR" altLang="en-US" sz="1600" spc="-150" dirty="0" err="1" smtClean="0">
+              <a:rPr lang="ko-KR" altLang="en-US" sz="1600" spc="-150" dirty="0" err="1">
                 <a:ln>
                   <a:solidFill>
                     <a:schemeClr val="bg1">
@@ -10971,7 +10459,7 @@
               <a:t>팀별</a:t>
             </a:r>
             <a:r>
-              <a:rPr lang="ko-KR" altLang="en-US" sz="1600" spc="-150" dirty="0" smtClean="0">
+              <a:rPr lang="ko-KR" altLang="en-US" sz="1600" spc="-150" dirty="0">
                 <a:ln>
                   <a:solidFill>
                     <a:schemeClr val="bg1">
@@ -10990,7 +10478,7 @@
               <a:t> 공통 의견 또는 개인 의견을 자유롭게 작성한다</a:t>
             </a:r>
             <a:r>
-              <a:rPr lang="en-US" altLang="ko-KR" sz="1600" spc="-150" dirty="0" smtClean="0">
+              <a:rPr lang="en-US" altLang="ko-KR" sz="1600" spc="-150" dirty="0">
                 <a:ln>
                   <a:solidFill>
                     <a:schemeClr val="bg1">
@@ -11016,13 +10504,6 @@
   <p:clrMapOvr>
     <a:masterClrMapping/>
   </p:clrMapOvr>
-  <p:timing>
-    <p:tnLst>
-      <p:par>
-        <p:cTn id="1" dur="indefinite" restart="never" nodeType="tmRoot"/>
-      </p:par>
-    </p:tnLst>
-  </p:timing>
 </p:sld>
 </file>
 
@@ -11279,7 +10760,7 @@
           </a:lstStyle>
           <a:p>
             <a:r>
-              <a:rPr lang="en-US" altLang="ko-KR" sz="4000" b="1" dirty="0" smtClean="0">
+              <a:rPr lang="en-US" altLang="ko-KR" sz="4000" b="1" dirty="0">
                 <a:ln w="15875">
                   <a:solidFill>
                     <a:schemeClr val="tx1"/>
@@ -11301,7 +10782,7 @@
               <a:t>00</a:t>
             </a:r>
             <a:r>
-              <a:rPr lang="en-US" altLang="ko-KR" sz="4000" b="1" dirty="0" smtClean="0">
+              <a:rPr lang="en-US" altLang="ko-KR" sz="4000" b="1" dirty="0">
                 <a:solidFill>
                   <a:srgbClr val="445569"/>
                 </a:solidFill>
@@ -11464,31 +10945,7 @@
                 <a:latin typeface="+mn-ea"/>
                 <a:ea typeface="+mn-ea"/>
               </a:rPr>
-              <a:t>본 훈련생 포트폴리오 양식은 </a:t>
-            </a:r>
-            <a:r>
-              <a:rPr lang="ko-KR" altLang="en-US" sz="1700" b="1" spc="-100" dirty="0" smtClean="0">
-                <a:solidFill>
-                  <a:schemeClr val="bg2">
-                    <a:lumMod val="25000"/>
-                  </a:schemeClr>
-                </a:solidFill>
-                <a:latin typeface="+mn-ea"/>
-                <a:ea typeface="+mn-ea"/>
-              </a:rPr>
-              <a:t>대표 프로젝트의 팀 별로 </a:t>
-            </a:r>
-            <a:r>
-              <a:rPr lang="ko-KR" altLang="en-US" sz="1700" b="1" spc="-100" dirty="0">
-                <a:solidFill>
-                  <a:schemeClr val="bg2">
-                    <a:lumMod val="25000"/>
-                  </a:schemeClr>
-                </a:solidFill>
-                <a:latin typeface="+mn-ea"/>
-                <a:ea typeface="+mn-ea"/>
-              </a:rPr>
-              <a:t>각각 작성하여 제출</a:t>
+              <a:t>본 훈련생 포트폴리오 양식은 대표 프로젝트의 팀 별로 각각 작성하여 제출</a:t>
             </a:r>
           </a:p>
         </p:txBody>
@@ -11607,31 +11064,7 @@
                 <a:latin typeface="+mn-ea"/>
                 <a:ea typeface="+mn-ea"/>
               </a:rPr>
-              <a:t>훈련생 포트폴리오에 작성한 내용은 관련 </a:t>
-            </a:r>
-            <a:r>
-              <a:rPr lang="ko-KR" altLang="en-US" sz="1700" b="1" spc="-100" dirty="0" smtClean="0">
-                <a:solidFill>
-                  <a:schemeClr val="bg2">
-                    <a:lumMod val="25000"/>
-                  </a:schemeClr>
-                </a:solidFill>
-                <a:latin typeface="+mn-ea"/>
-                <a:ea typeface="+mn-ea"/>
-              </a:rPr>
-              <a:t>증빙자료를 </a:t>
-            </a:r>
-            <a:r>
-              <a:rPr lang="ko-KR" altLang="en-US" sz="1700" b="1" spc="-100" dirty="0">
-                <a:solidFill>
-                  <a:schemeClr val="bg2">
-                    <a:lumMod val="25000"/>
-                  </a:schemeClr>
-                </a:solidFill>
-                <a:latin typeface="+mn-ea"/>
-                <a:ea typeface="+mn-ea"/>
-              </a:rPr>
-              <a:t>제출해야 함</a:t>
+              <a:t>훈련생 포트폴리오에 작성한 내용은 관련 증빙자료를 제출해야 함</a:t>
             </a:r>
           </a:p>
         </p:txBody>
@@ -11677,31 +11110,7 @@
                 <a:latin typeface="+mn-ea"/>
                 <a:ea typeface="+mn-ea"/>
               </a:rPr>
-              <a:t>작성 </a:t>
-            </a:r>
-            <a:r>
-              <a:rPr lang="ko-KR" altLang="en-US" sz="1700" b="1" spc="-100" dirty="0" smtClean="0">
-                <a:solidFill>
-                  <a:schemeClr val="bg2">
-                    <a:lumMod val="25000"/>
-                  </a:schemeClr>
-                </a:solidFill>
-                <a:latin typeface="+mn-ea"/>
-                <a:ea typeface="+mn-ea"/>
-              </a:rPr>
-              <a:t>예시 및 작성요령 등은 </a:t>
-            </a:r>
-            <a:r>
-              <a:rPr lang="ko-KR" altLang="en-US" sz="1700" b="1" spc="-100" dirty="0">
-                <a:solidFill>
-                  <a:schemeClr val="bg2">
-                    <a:lumMod val="25000"/>
-                  </a:schemeClr>
-                </a:solidFill>
-                <a:latin typeface="+mn-ea"/>
-                <a:ea typeface="+mn-ea"/>
-              </a:rPr>
-              <a:t>모두 삭제 후 제출</a:t>
+              <a:t>작성 예시 및 작성요령 등은 모두 삭제 후 제출</a:t>
             </a:r>
           </a:p>
         </p:txBody>
@@ -11729,7 +11138,7 @@
           <a:lstStyle/>
           <a:p>
             <a:r>
-              <a:rPr lang="ko-KR" altLang="en-US" sz="2800" b="1" dirty="0" smtClean="0">
+              <a:rPr lang="ko-KR" altLang="en-US" sz="2800" b="1" dirty="0">
                 <a:ln w="12700">
                   <a:solidFill>
                     <a:srgbClr val="939597"/>
@@ -11756,31 +11165,6 @@
               </a:rPr>
               <a:t>▶</a:t>
             </a:r>
-            <a:endParaRPr lang="ko-KR" altLang="en-US" sz="2800" b="1" dirty="0">
-              <a:ln w="12700">
-                <a:solidFill>
-                  <a:srgbClr val="939597"/>
-                </a:solidFill>
-                <a:prstDash val="solid"/>
-              </a:ln>
-              <a:pattFill prst="dkUpDiag">
-                <a:fgClr>
-                  <a:srgbClr val="939597"/>
-                </a:fgClr>
-                <a:bgClr>
-                  <a:schemeClr val="bg2">
-                    <a:lumMod val="90000"/>
-                  </a:schemeClr>
-                </a:bgClr>
-              </a:pattFill>
-              <a:effectLst>
-                <a:outerShdw dist="38100" dir="2640000" algn="bl" rotWithShape="0">
-                  <a:srgbClr val="939597"/>
-                </a:outerShdw>
-              </a:effectLst>
-              <a:latin typeface="HY견고딕" panose="02030600000101010101" pitchFamily="18" charset="-127"/>
-              <a:ea typeface="HY견고딕" panose="02030600000101010101" pitchFamily="18" charset="-127"/>
-            </a:endParaRPr>
           </a:p>
         </p:txBody>
       </p:sp>
@@ -11807,7 +11191,7 @@
           <a:lstStyle/>
           <a:p>
             <a:r>
-              <a:rPr lang="ko-KR" altLang="en-US" sz="2800" b="1" dirty="0" smtClean="0">
+              <a:rPr lang="ko-KR" altLang="en-US" sz="2800" b="1" dirty="0">
                 <a:ln w="12700">
                   <a:solidFill>
                     <a:srgbClr val="939597"/>
@@ -11834,31 +11218,6 @@
               </a:rPr>
               <a:t>▶</a:t>
             </a:r>
-            <a:endParaRPr lang="ko-KR" altLang="en-US" sz="2800" b="1" dirty="0">
-              <a:ln w="12700">
-                <a:solidFill>
-                  <a:srgbClr val="939597"/>
-                </a:solidFill>
-                <a:prstDash val="solid"/>
-              </a:ln>
-              <a:pattFill prst="dkUpDiag">
-                <a:fgClr>
-                  <a:srgbClr val="939597"/>
-                </a:fgClr>
-                <a:bgClr>
-                  <a:schemeClr val="bg2">
-                    <a:lumMod val="90000"/>
-                  </a:schemeClr>
-                </a:bgClr>
-              </a:pattFill>
-              <a:effectLst>
-                <a:outerShdw dist="38100" dir="2640000" algn="bl" rotWithShape="0">
-                  <a:srgbClr val="939597"/>
-                </a:outerShdw>
-              </a:effectLst>
-              <a:latin typeface="HY견고딕" panose="02030600000101010101" pitchFamily="18" charset="-127"/>
-              <a:ea typeface="HY견고딕" panose="02030600000101010101" pitchFamily="18" charset="-127"/>
-            </a:endParaRPr>
           </a:p>
         </p:txBody>
       </p:sp>
@@ -11885,7 +11244,7 @@
           <a:lstStyle/>
           <a:p>
             <a:r>
-              <a:rPr lang="ko-KR" altLang="en-US" sz="2800" b="1" dirty="0" smtClean="0">
+              <a:rPr lang="ko-KR" altLang="en-US" sz="2800" b="1" dirty="0">
                 <a:ln w="12700">
                   <a:solidFill>
                     <a:srgbClr val="939597"/>
@@ -11912,31 +11271,6 @@
               </a:rPr>
               <a:t>▶</a:t>
             </a:r>
-            <a:endParaRPr lang="ko-KR" altLang="en-US" sz="2800" b="1" dirty="0">
-              <a:ln w="12700">
-                <a:solidFill>
-                  <a:srgbClr val="939597"/>
-                </a:solidFill>
-                <a:prstDash val="solid"/>
-              </a:ln>
-              <a:pattFill prst="dkUpDiag">
-                <a:fgClr>
-                  <a:srgbClr val="939597"/>
-                </a:fgClr>
-                <a:bgClr>
-                  <a:schemeClr val="bg2">
-                    <a:lumMod val="90000"/>
-                  </a:schemeClr>
-                </a:bgClr>
-              </a:pattFill>
-              <a:effectLst>
-                <a:outerShdw dist="38100" dir="2640000" algn="bl" rotWithShape="0">
-                  <a:srgbClr val="939597"/>
-                </a:outerShdw>
-              </a:effectLst>
-              <a:latin typeface="HY견고딕" panose="02030600000101010101" pitchFamily="18" charset="-127"/>
-              <a:ea typeface="HY견고딕" panose="02030600000101010101" pitchFamily="18" charset="-127"/>
-            </a:endParaRPr>
           </a:p>
         </p:txBody>
       </p:sp>
@@ -11963,7 +11297,7 @@
           <a:lstStyle/>
           <a:p>
             <a:r>
-              <a:rPr lang="ko-KR" altLang="en-US" sz="2800" b="1" dirty="0" smtClean="0">
+              <a:rPr lang="ko-KR" altLang="en-US" sz="2800" b="1" dirty="0">
                 <a:ln w="12700">
                   <a:solidFill>
                     <a:srgbClr val="939597"/>
@@ -11990,31 +11324,6 @@
               </a:rPr>
               <a:t>▶</a:t>
             </a:r>
-            <a:endParaRPr lang="ko-KR" altLang="en-US" sz="2800" b="1" dirty="0">
-              <a:ln w="12700">
-                <a:solidFill>
-                  <a:srgbClr val="939597"/>
-                </a:solidFill>
-                <a:prstDash val="solid"/>
-              </a:ln>
-              <a:pattFill prst="dkUpDiag">
-                <a:fgClr>
-                  <a:srgbClr val="939597"/>
-                </a:fgClr>
-                <a:bgClr>
-                  <a:schemeClr val="bg2">
-                    <a:lumMod val="90000"/>
-                  </a:schemeClr>
-                </a:bgClr>
-              </a:pattFill>
-              <a:effectLst>
-                <a:outerShdw dist="38100" dir="2640000" algn="bl" rotWithShape="0">
-                  <a:srgbClr val="939597"/>
-                </a:outerShdw>
-              </a:effectLst>
-              <a:latin typeface="HY견고딕" panose="02030600000101010101" pitchFamily="18" charset="-127"/>
-              <a:ea typeface="HY견고딕" panose="02030600000101010101" pitchFamily="18" charset="-127"/>
-            </a:endParaRPr>
           </a:p>
         </p:txBody>
       </p:sp>
@@ -12028,13 +11337,6 @@
   <p:clrMapOvr>
     <a:masterClrMapping/>
   </p:clrMapOvr>
-  <p:timing>
-    <p:tnLst>
-      <p:par>
-        <p:cTn id="1" dur="indefinite" restart="never" nodeType="tmRoot"/>
-      </p:par>
-    </p:tnLst>
-  </p:timing>
 </p:sld>
 </file>
 
@@ -12194,45 +11496,8 @@
                 <a:latin typeface="+mj-ea"/>
                 <a:ea typeface="+mj-ea"/>
               </a:rPr>
-              <a:t>프로젝트 </a:t>
-            </a:r>
-            <a:r>
-              <a:rPr lang="ko-KR" altLang="en-US" sz="2800" b="1" dirty="0" smtClean="0">
-                <a:ln>
-                  <a:solidFill>
-                    <a:schemeClr val="accent1">
-                      <a:alpha val="0"/>
-                    </a:schemeClr>
-                  </a:solidFill>
-                </a:ln>
-                <a:solidFill>
-                  <a:schemeClr val="tx1">
-                    <a:lumMod val="75000"/>
-                    <a:lumOff val="25000"/>
-                  </a:schemeClr>
-                </a:solidFill>
-                <a:latin typeface="+mj-ea"/>
-                <a:ea typeface="+mj-ea"/>
-              </a:rPr>
-              <a:t>개요</a:t>
-            </a:r>
-            <a:endParaRPr lang="ko-KR" altLang="en-US" sz="2800" b="1" dirty="0">
-              <a:ln>
-                <a:solidFill>
-                  <a:schemeClr val="accent1">
-                    <a:alpha val="0"/>
-                  </a:schemeClr>
-                </a:solidFill>
-              </a:ln>
-              <a:solidFill>
-                <a:schemeClr val="tx1">
-                  <a:lumMod val="75000"/>
-                  <a:lumOff val="25000"/>
-                </a:schemeClr>
-              </a:solidFill>
-              <a:latin typeface="+mj-ea"/>
-              <a:ea typeface="+mj-ea"/>
-            </a:endParaRPr>
+              <a:t>프로젝트 개요</a:t>
+            </a:r>
           </a:p>
         </p:txBody>
       </p:sp>
@@ -12636,13 +11901,6 @@
   <p:clrMapOvr>
     <a:masterClrMapping/>
   </p:clrMapOvr>
-  <p:timing>
-    <p:tnLst>
-      <p:par>
-        <p:cTn id="1" dur="indefinite" restart="never" nodeType="tmRoot"/>
-      </p:par>
-    </p:tnLst>
-  </p:timing>
 </p:sld>
 </file>
 
@@ -12785,7 +12043,7 @@
               <a:t>[</a:t>
             </a:r>
             <a:r>
-              <a:rPr lang="ko-KR" altLang="en-US" b="1" spc="-150" dirty="0" smtClean="0">
+              <a:rPr lang="ko-KR" altLang="en-US" b="1" spc="-150" dirty="0">
                 <a:solidFill>
                   <a:schemeClr val="bg2">
                     <a:lumMod val="25000"/>
@@ -12797,7 +12055,7 @@
               <a:t>프로젝트 개요</a:t>
             </a:r>
             <a:r>
-              <a:rPr lang="en-US" altLang="ko-KR" b="1" spc="-150" dirty="0" smtClean="0">
+              <a:rPr lang="en-US" altLang="ko-KR" b="1" spc="-150" dirty="0">
                 <a:solidFill>
                   <a:schemeClr val="bg2">
                     <a:lumMod val="25000"/>
@@ -12809,7 +12067,7 @@
               <a:t>]</a:t>
             </a:r>
             <a:r>
-              <a:rPr lang="ko-KR" altLang="en-US" b="1" spc="-150" dirty="0" smtClean="0">
+              <a:rPr lang="ko-KR" altLang="en-US" b="1" spc="-150" dirty="0">
                 <a:solidFill>
                   <a:schemeClr val="bg2">
                     <a:lumMod val="25000"/>
@@ -12818,19 +12076,7 @@
                 <a:latin typeface="+mn-ea"/>
                 <a:ea typeface="+mn-ea"/>
               </a:rPr>
-              <a:t>는 </a:t>
-            </a:r>
-            <a:r>
-              <a:rPr lang="ko-KR" altLang="en-US" b="1" spc="-150" dirty="0">
-                <a:solidFill>
-                  <a:schemeClr val="bg2">
-                    <a:lumMod val="25000"/>
-                  </a:schemeClr>
-                </a:solidFill>
-                <a:latin typeface="+mn-ea"/>
-                <a:ea typeface="+mn-ea"/>
-              </a:rPr>
-              <a:t>아래와 같은 내용 등으로 구성하여 작성한다</a:t>
+              <a:t>는 아래와 같은 내용 등으로 구성하여 작성한다</a:t>
             </a:r>
             <a:r>
               <a:rPr lang="en-US" altLang="ko-KR" b="1" spc="-150" dirty="0">
@@ -12881,7 +12127,7 @@
               <a:defRPr/>
             </a:pPr>
             <a:r>
-              <a:rPr lang="ko-KR" altLang="en-US" sz="1600" spc="-150" dirty="0" smtClean="0">
+              <a:rPr lang="ko-KR" altLang="en-US" sz="1600" spc="-150" dirty="0">
                 <a:solidFill>
                   <a:schemeClr val="bg2">
                     <a:lumMod val="25000"/>
@@ -12892,7 +12138,7 @@
               </a:rPr>
               <a:t>기대 효과</a:t>
             </a:r>
-            <a:endParaRPr lang="en-US" altLang="ko-KR" sz="1600" spc="-150" dirty="0" smtClean="0">
+            <a:endParaRPr lang="en-US" altLang="ko-KR" sz="1600" spc="-150" dirty="0">
               <a:solidFill>
                 <a:schemeClr val="bg2">
                   <a:lumMod val="25000"/>
@@ -13074,7 +12320,7 @@
           </a:lstStyle>
           <a:p>
             <a:r>
-              <a:rPr lang="en-US" altLang="ko-KR" sz="4000" b="1" dirty="0" smtClean="0">
+              <a:rPr lang="en-US" altLang="ko-KR" sz="4000" b="1" dirty="0">
                 <a:ln w="15875">
                   <a:solidFill>
                     <a:schemeClr val="tx1"/>
@@ -13096,7 +12342,7 @@
               <a:t>01</a:t>
             </a:r>
             <a:r>
-              <a:rPr lang="en-US" altLang="ko-KR" sz="4000" b="1" dirty="0" smtClean="0">
+              <a:rPr lang="en-US" altLang="ko-KR" sz="4000" b="1" dirty="0">
                 <a:solidFill>
                   <a:srgbClr val="445569"/>
                 </a:solidFill>
@@ -13238,7 +12484,7 @@
           <a:lstStyle/>
           <a:p>
             <a:r>
-              <a:rPr lang="ko-KR" altLang="en-US" sz="2800" b="1" dirty="0" smtClean="0">
+              <a:rPr lang="ko-KR" altLang="en-US" sz="2800" b="1" dirty="0">
                 <a:ln w="12700">
                   <a:solidFill>
                     <a:srgbClr val="939597"/>
@@ -13265,31 +12511,6 @@
               </a:rPr>
               <a:t>▶</a:t>
             </a:r>
-            <a:endParaRPr lang="ko-KR" altLang="en-US" sz="2800" b="1" dirty="0">
-              <a:ln w="12700">
-                <a:solidFill>
-                  <a:srgbClr val="939597"/>
-                </a:solidFill>
-                <a:prstDash val="solid"/>
-              </a:ln>
-              <a:pattFill prst="dkUpDiag">
-                <a:fgClr>
-                  <a:srgbClr val="939597"/>
-                </a:fgClr>
-                <a:bgClr>
-                  <a:schemeClr val="bg2">
-                    <a:lumMod val="90000"/>
-                  </a:schemeClr>
-                </a:bgClr>
-              </a:pattFill>
-              <a:effectLst>
-                <a:outerShdw dist="38100" dir="2640000" algn="bl" rotWithShape="0">
-                  <a:srgbClr val="939597"/>
-                </a:outerShdw>
-              </a:effectLst>
-              <a:latin typeface="HY견고딕" panose="02030600000101010101" pitchFamily="18" charset="-127"/>
-              <a:ea typeface="HY견고딕" panose="02030600000101010101" pitchFamily="18" charset="-127"/>
-            </a:endParaRPr>
           </a:p>
         </p:txBody>
       </p:sp>
@@ -13320,7 +12541,7 @@
               <a:defRPr/>
             </a:pPr>
             <a:r>
-              <a:rPr lang="ko-KR" altLang="en-US" sz="1600" spc="-150" dirty="0" smtClean="0">
+              <a:rPr lang="ko-KR" altLang="en-US" sz="1600" spc="-150" dirty="0">
                 <a:solidFill>
                   <a:schemeClr val="bg2">
                     <a:lumMod val="25000"/>
@@ -13329,10 +12550,10 @@
                 <a:latin typeface="+mn-ea"/>
                 <a:ea typeface="+mn-ea"/>
               </a:rPr>
-              <a:t>프로젝트 </a:t>
-            </a:r>
-            <a:r>
-              <a:rPr lang="ko-KR" altLang="en-US" sz="1600" spc="-150" dirty="0">
+              <a:t>프로젝트 주제 및 선정 배경</a:t>
+            </a:r>
+            <a:r>
+              <a:rPr lang="en-US" altLang="ko-KR" sz="1600" spc="-150" dirty="0">
                 <a:solidFill>
                   <a:schemeClr val="bg2">
                     <a:lumMod val="25000"/>
@@ -13341,10 +12562,10 @@
                 <a:latin typeface="+mn-ea"/>
                 <a:ea typeface="+mn-ea"/>
               </a:rPr>
-              <a:t>주제 및 선정 배경</a:t>
-            </a:r>
-            <a:r>
-              <a:rPr lang="en-US" altLang="ko-KR" sz="1600" spc="-150" dirty="0">
+              <a:t>(</a:t>
+            </a:r>
+            <a:r>
+              <a:rPr lang="ko-KR" altLang="en-US" sz="1600" spc="-150" dirty="0">
                 <a:solidFill>
                   <a:schemeClr val="bg2">
                     <a:lumMod val="25000"/>
@@ -13353,10 +12574,10 @@
                 <a:latin typeface="+mn-ea"/>
                 <a:ea typeface="+mn-ea"/>
               </a:rPr>
-              <a:t>(</a:t>
-            </a:r>
-            <a:r>
-              <a:rPr lang="ko-KR" altLang="en-US" sz="1600" spc="-150" dirty="0">
+              <a:t>기획의도</a:t>
+            </a:r>
+            <a:r>
+              <a:rPr lang="en-US" altLang="ko-KR" sz="1600" spc="-150" dirty="0">
                 <a:solidFill>
                   <a:schemeClr val="bg2">
                     <a:lumMod val="25000"/>
@@ -13365,10 +12586,10 @@
                 <a:latin typeface="+mn-ea"/>
                 <a:ea typeface="+mn-ea"/>
               </a:rPr>
-              <a:t>기획의도</a:t>
-            </a:r>
-            <a:r>
-              <a:rPr lang="en-US" altLang="ko-KR" sz="1600" spc="-150" dirty="0">
+              <a:t> </a:t>
+            </a:r>
+            <a:r>
+              <a:rPr lang="ko-KR" altLang="en-US" sz="1600" spc="-150" dirty="0">
                 <a:solidFill>
                   <a:schemeClr val="bg2">
                     <a:lumMod val="25000"/>
@@ -13377,22 +12598,10 @@
                 <a:latin typeface="+mn-ea"/>
                 <a:ea typeface="+mn-ea"/>
               </a:rPr>
-              <a:t> </a:t>
-            </a:r>
-            <a:r>
-              <a:rPr lang="ko-KR" altLang="en-US" sz="1600" spc="-150" dirty="0">
-                <a:solidFill>
-                  <a:schemeClr val="bg2">
-                    <a:lumMod val="25000"/>
-                  </a:schemeClr>
-                </a:solidFill>
-                <a:latin typeface="+mn-ea"/>
-                <a:ea typeface="+mn-ea"/>
-              </a:rPr>
               <a:t>등</a:t>
             </a:r>
             <a:r>
-              <a:rPr lang="en-US" altLang="ko-KR" sz="1600" spc="-150" dirty="0" smtClean="0">
+              <a:rPr lang="en-US" altLang="ko-KR" sz="1600" spc="-150" dirty="0">
                 <a:solidFill>
                   <a:schemeClr val="bg2">
                     <a:lumMod val="25000"/>
@@ -13449,7 +12658,7 @@
               <a:defRPr/>
             </a:pPr>
             <a:r>
-              <a:rPr lang="ko-KR" altLang="en-US" sz="1600" spc="-150" dirty="0" smtClean="0">
+              <a:rPr lang="ko-KR" altLang="en-US" sz="1600" spc="-150" dirty="0">
                 <a:solidFill>
                   <a:schemeClr val="bg2">
                     <a:lumMod val="25000"/>
@@ -13458,10 +12667,10 @@
                 <a:latin typeface="+mn-ea"/>
                 <a:ea typeface="+mn-ea"/>
               </a:rPr>
-              <a:t>프로젝트 </a:t>
-            </a:r>
-            <a:r>
-              <a:rPr lang="ko-KR" altLang="en-US" sz="1600" spc="-150" dirty="0">
+              <a:t>프로젝트 개요</a:t>
+            </a:r>
+            <a:r>
+              <a:rPr lang="en-US" altLang="ko-KR" sz="1600" spc="-150" dirty="0">
                 <a:solidFill>
                   <a:schemeClr val="bg2">
                     <a:lumMod val="25000"/>
@@ -13470,10 +12679,10 @@
                 <a:latin typeface="+mn-ea"/>
                 <a:ea typeface="+mn-ea"/>
               </a:rPr>
-              <a:t>개요</a:t>
-            </a:r>
-            <a:r>
-              <a:rPr lang="en-US" altLang="ko-KR" sz="1600" spc="-150" dirty="0">
+              <a:t>(</a:t>
+            </a:r>
+            <a:r>
+              <a:rPr lang="ko-KR" altLang="en-US" sz="1600" spc="-150" dirty="0">
                 <a:solidFill>
                   <a:schemeClr val="bg2">
                     <a:lumMod val="25000"/>
@@ -13482,10 +12691,10 @@
                 <a:latin typeface="+mn-ea"/>
                 <a:ea typeface="+mn-ea"/>
               </a:rPr>
-              <a:t>(</a:t>
-            </a:r>
-            <a:r>
-              <a:rPr lang="ko-KR" altLang="en-US" sz="1600" spc="-150" dirty="0">
+              <a:t>프로젝트 구현 내용</a:t>
+            </a:r>
+            <a:r>
+              <a:rPr lang="en-US" altLang="ko-KR" sz="1600" spc="-150" dirty="0">
                 <a:solidFill>
                   <a:schemeClr val="bg2">
                     <a:lumMod val="25000"/>
@@ -13494,10 +12703,10 @@
                 <a:latin typeface="+mn-ea"/>
                 <a:ea typeface="+mn-ea"/>
               </a:rPr>
-              <a:t>프로젝트 구현 내용</a:t>
-            </a:r>
-            <a:r>
-              <a:rPr lang="en-US" altLang="ko-KR" sz="1600" spc="-150" dirty="0">
+              <a:t>, </a:t>
+            </a:r>
+            <a:r>
+              <a:rPr lang="ko-KR" altLang="en-US" sz="1600" spc="-150" dirty="0">
                 <a:solidFill>
                   <a:schemeClr val="bg2">
                     <a:lumMod val="25000"/>
@@ -13506,10 +12715,10 @@
                 <a:latin typeface="+mn-ea"/>
                 <a:ea typeface="+mn-ea"/>
               </a:rPr>
-              <a:t>, </a:t>
-            </a:r>
-            <a:r>
-              <a:rPr lang="ko-KR" altLang="en-US" sz="1600" spc="-150" dirty="0" smtClean="0">
+              <a:t>컨셉</a:t>
+            </a:r>
+            <a:r>
+              <a:rPr lang="en-US" altLang="ko-KR" sz="1600" spc="-150" dirty="0">
                 <a:solidFill>
                   <a:schemeClr val="bg2">
                     <a:lumMod val="25000"/>
@@ -13518,10 +12727,10 @@
                 <a:latin typeface="+mn-ea"/>
                 <a:ea typeface="+mn-ea"/>
               </a:rPr>
-              <a:t>컨셉</a:t>
-            </a:r>
-            <a:r>
-              <a:rPr lang="en-US" altLang="ko-KR" sz="1600" spc="-150" dirty="0" smtClean="0">
+              <a:t>, </a:t>
+            </a:r>
+            <a:r>
+              <a:rPr lang="ko-KR" altLang="en-US" sz="1600" spc="-150" dirty="0">
                 <a:solidFill>
                   <a:schemeClr val="bg2">
                     <a:lumMod val="25000"/>
@@ -13530,10 +12739,10 @@
                 <a:latin typeface="+mn-ea"/>
                 <a:ea typeface="+mn-ea"/>
               </a:rPr>
-              <a:t>, </a:t>
-            </a:r>
-            <a:r>
-              <a:rPr lang="ko-KR" altLang="en-US" sz="1600" spc="-150" dirty="0" smtClean="0">
+              <a:t>훈련내용과의 관련성</a:t>
+            </a:r>
+            <a:r>
+              <a:rPr lang="en-US" altLang="ko-KR" sz="1600" spc="-150" dirty="0">
                 <a:solidFill>
                   <a:schemeClr val="bg2">
                     <a:lumMod val="25000"/>
@@ -13542,10 +12751,10 @@
                 <a:latin typeface="+mn-ea"/>
                 <a:ea typeface="+mn-ea"/>
               </a:rPr>
-              <a:t>훈련내용과의 관련성</a:t>
-            </a:r>
-            <a:r>
-              <a:rPr lang="en-US" altLang="ko-KR" sz="1600" spc="-150" dirty="0" smtClean="0">
+              <a:t> </a:t>
+            </a:r>
+            <a:r>
+              <a:rPr lang="ko-KR" altLang="en-US" sz="1600" spc="-150" dirty="0">
                 <a:solidFill>
                   <a:schemeClr val="bg2">
                     <a:lumMod val="25000"/>
@@ -13554,22 +12763,10 @@
                 <a:latin typeface="+mn-ea"/>
                 <a:ea typeface="+mn-ea"/>
               </a:rPr>
-              <a:t> </a:t>
-            </a:r>
-            <a:r>
-              <a:rPr lang="ko-KR" altLang="en-US" sz="1600" spc="-150" dirty="0">
-                <a:solidFill>
-                  <a:schemeClr val="bg2">
-                    <a:lumMod val="25000"/>
-                  </a:schemeClr>
-                </a:solidFill>
-                <a:latin typeface="+mn-ea"/>
-                <a:ea typeface="+mn-ea"/>
-              </a:rPr>
               <a:t>등</a:t>
             </a:r>
             <a:r>
-              <a:rPr lang="en-US" altLang="ko-KR" sz="1600" spc="-150" dirty="0" smtClean="0">
+              <a:rPr lang="en-US" altLang="ko-KR" sz="1600" spc="-150" dirty="0">
                 <a:solidFill>
                   <a:schemeClr val="bg2">
                     <a:lumMod val="25000"/>
@@ -13626,7 +12823,7 @@
               <a:defRPr/>
             </a:pPr>
             <a:r>
-              <a:rPr lang="ko-KR" altLang="en-US" sz="1600" spc="-150" dirty="0" smtClean="0">
+              <a:rPr lang="ko-KR" altLang="en-US" sz="1600" spc="-150" dirty="0">
                 <a:solidFill>
                   <a:schemeClr val="bg2">
                     <a:lumMod val="25000"/>
@@ -13635,10 +12832,10 @@
                 <a:latin typeface="+mn-ea"/>
                 <a:ea typeface="+mn-ea"/>
               </a:rPr>
-              <a:t>활용 </a:t>
-            </a:r>
-            <a:r>
-              <a:rPr lang="ko-KR" altLang="en-US" sz="1600" spc="-150" dirty="0">
+              <a:t>활용 장비 및 재료</a:t>
+            </a:r>
+            <a:r>
+              <a:rPr lang="en-US" altLang="ko-KR" sz="1600" spc="-150" dirty="0">
                 <a:solidFill>
                   <a:schemeClr val="bg2">
                     <a:lumMod val="25000"/>
@@ -13647,10 +12844,10 @@
                 <a:latin typeface="+mn-ea"/>
                 <a:ea typeface="+mn-ea"/>
               </a:rPr>
-              <a:t>장비 및 재료</a:t>
-            </a:r>
-            <a:r>
-              <a:rPr lang="en-US" altLang="ko-KR" sz="1600" spc="-150" dirty="0">
+              <a:t>(</a:t>
+            </a:r>
+            <a:r>
+              <a:rPr lang="ko-KR" altLang="en-US" sz="1600" spc="-150" dirty="0">
                 <a:solidFill>
                   <a:schemeClr val="bg2">
                     <a:lumMod val="25000"/>
@@ -13659,22 +12856,10 @@
                 <a:latin typeface="+mn-ea"/>
                 <a:ea typeface="+mn-ea"/>
               </a:rPr>
-              <a:t>(</a:t>
-            </a:r>
-            <a:r>
-              <a:rPr lang="ko-KR" altLang="en-US" sz="1600" spc="-150" dirty="0">
-                <a:solidFill>
-                  <a:schemeClr val="bg2">
-                    <a:lumMod val="25000"/>
-                  </a:schemeClr>
-                </a:solidFill>
-                <a:latin typeface="+mn-ea"/>
-                <a:ea typeface="+mn-ea"/>
-              </a:rPr>
               <a:t>개발 환경 등</a:t>
             </a:r>
             <a:r>
-              <a:rPr lang="en-US" altLang="ko-KR" sz="1600" spc="-150" dirty="0" smtClean="0">
+              <a:rPr lang="en-US" altLang="ko-KR" sz="1600" spc="-150" dirty="0">
                 <a:solidFill>
                   <a:schemeClr val="bg2">
                     <a:lumMod val="25000"/>
@@ -13731,7 +12916,7 @@
               <a:defRPr/>
             </a:pPr>
             <a:r>
-              <a:rPr lang="ko-KR" altLang="en-US" sz="1600" spc="-150" dirty="0" smtClean="0">
+              <a:rPr lang="ko-KR" altLang="en-US" sz="1600" spc="-150" dirty="0">
                 <a:solidFill>
                   <a:schemeClr val="bg2">
                     <a:lumMod val="25000"/>
@@ -13742,7 +12927,7 @@
               </a:rPr>
               <a:t>프로젝트 구조</a:t>
             </a:r>
-            <a:endParaRPr lang="en-US" altLang="ko-KR" sz="1600" spc="-150" dirty="0" smtClean="0">
+            <a:endParaRPr lang="en-US" altLang="ko-KR" sz="1600" spc="-150" dirty="0">
               <a:solidFill>
                 <a:schemeClr val="bg2">
                   <a:lumMod val="25000"/>
@@ -13780,13 +12965,6 @@
   <p:clrMapOvr>
     <a:masterClrMapping/>
   </p:clrMapOvr>
-  <p:timing>
-    <p:tnLst>
-      <p:par>
-        <p:cTn id="1" dur="indefinite" restart="never" nodeType="tmRoot"/>
-      </p:par>
-    </p:tnLst>
-  </p:timing>
 </p:sld>
 </file>
 
@@ -14061,7 +13239,7 @@
               <a:t>02</a:t>
             </a:r>
             <a:r>
-              <a:rPr lang="en-US" altLang="ko-KR" sz="4000" b="1" dirty="0" smtClean="0">
+              <a:rPr lang="en-US" altLang="ko-KR" sz="4000" b="1" dirty="0">
                 <a:solidFill>
                   <a:srgbClr val="445569"/>
                 </a:solidFill>
@@ -14203,7 +13381,7 @@
           <a:lstStyle/>
           <a:p>
             <a:r>
-              <a:rPr lang="ko-KR" altLang="en-US" sz="2800" b="1" dirty="0" smtClean="0">
+              <a:rPr lang="ko-KR" altLang="en-US" sz="2800" b="1" dirty="0">
                 <a:ln w="12700">
                   <a:solidFill>
                     <a:srgbClr val="939597"/>
@@ -14230,31 +13408,6 @@
               </a:rPr>
               <a:t>▶</a:t>
             </a:r>
-            <a:endParaRPr lang="ko-KR" altLang="en-US" sz="2800" b="1" dirty="0">
-              <a:ln w="12700">
-                <a:solidFill>
-                  <a:srgbClr val="939597"/>
-                </a:solidFill>
-                <a:prstDash val="solid"/>
-              </a:ln>
-              <a:pattFill prst="dkUpDiag">
-                <a:fgClr>
-                  <a:srgbClr val="939597"/>
-                </a:fgClr>
-                <a:bgClr>
-                  <a:schemeClr val="bg2">
-                    <a:lumMod val="90000"/>
-                  </a:schemeClr>
-                </a:bgClr>
-              </a:pattFill>
-              <a:effectLst>
-                <a:outerShdw dist="38100" dir="2640000" algn="bl" rotWithShape="0">
-                  <a:srgbClr val="939597"/>
-                </a:outerShdw>
-              </a:effectLst>
-              <a:latin typeface="HY견고딕" panose="02030600000101010101" pitchFamily="18" charset="-127"/>
-              <a:ea typeface="HY견고딕" panose="02030600000101010101" pitchFamily="18" charset="-127"/>
-            </a:endParaRPr>
           </a:p>
         </p:txBody>
       </p:sp>
@@ -14338,10 +13491,10 @@
                 <a:latin typeface="+mn-ea"/>
                 <a:ea typeface="+mn-ea"/>
               </a:rPr>
-              <a:t>은 프로젝트를 기본 단위로 작성하며 팀원의 수에 따라 칸을 </a:t>
-            </a:r>
-            <a:r>
-              <a:rPr lang="ko-KR" altLang="en-US" b="1" spc="-150" dirty="0" smtClean="0">
+              <a:t>은 프로젝트를 기본 단위로 작성하며 팀원의 수에 따라 칸을 추가</a:t>
+            </a:r>
+            <a:r>
+              <a:rPr lang="en-US" altLang="ko-KR" b="1" spc="-150" dirty="0">
                 <a:solidFill>
                   <a:schemeClr val="bg2">
                     <a:lumMod val="25000"/>
@@ -14350,10 +13503,10 @@
                 <a:latin typeface="+mn-ea"/>
                 <a:ea typeface="+mn-ea"/>
               </a:rPr>
-              <a:t>추가</a:t>
-            </a:r>
-            <a:r>
-              <a:rPr lang="en-US" altLang="ko-KR" b="1" spc="-150" dirty="0" smtClean="0">
+              <a:t>/</a:t>
+            </a:r>
+            <a:r>
+              <a:rPr lang="ko-KR" altLang="en-US" b="1" spc="-150" dirty="0">
                 <a:solidFill>
                   <a:schemeClr val="bg2">
                     <a:lumMod val="25000"/>
@@ -14362,31 +13515,7 @@
                 <a:latin typeface="+mn-ea"/>
                 <a:ea typeface="+mn-ea"/>
               </a:rPr>
-              <a:t>/</a:t>
-            </a:r>
-            <a:r>
-              <a:rPr lang="ko-KR" altLang="en-US" b="1" spc="-150" dirty="0" smtClean="0">
-                <a:solidFill>
-                  <a:schemeClr val="bg2">
-                    <a:lumMod val="25000"/>
-                  </a:schemeClr>
-                </a:solidFill>
-                <a:latin typeface="+mn-ea"/>
-                <a:ea typeface="+mn-ea"/>
-              </a:rPr>
-              <a:t>삭제할 </a:t>
-            </a:r>
-            <a:r>
-              <a:rPr lang="ko-KR" altLang="en-US" b="1" spc="-150" dirty="0">
-                <a:solidFill>
-                  <a:schemeClr val="bg2">
-                    <a:lumMod val="25000"/>
-                  </a:schemeClr>
-                </a:solidFill>
-                <a:latin typeface="+mn-ea"/>
-                <a:ea typeface="+mn-ea"/>
-              </a:rPr>
-              <a:t>수 있다</a:t>
+              <a:t>삭제할 수 있다</a:t>
             </a:r>
             <a:r>
               <a:rPr lang="en-US" altLang="ko-KR" b="1" spc="-150" dirty="0">
@@ -14437,7 +13566,7 @@
               <a:defRPr/>
             </a:pPr>
             <a:r>
-              <a:rPr lang="ko-KR" altLang="en-US" sz="1600" spc="-150" dirty="0" smtClean="0">
+              <a:rPr lang="ko-KR" altLang="en-US" sz="1600" spc="-150" dirty="0">
                 <a:solidFill>
                   <a:schemeClr val="bg2">
                     <a:lumMod val="25000"/>
@@ -14470,21 +13599,9 @@
                 <a:latin typeface="+mn-ea"/>
                 <a:ea typeface="+mn-ea"/>
               </a:rPr>
-              <a:t>훈련생 별로 해당 프로젝트를 진행하면서 주도적으로 참여한 부분을 중심으로 </a:t>
-            </a:r>
-            <a:r>
-              <a:rPr lang="ko-KR" altLang="en-US" sz="1600" spc="-150" dirty="0" smtClean="0">
-                <a:solidFill>
-                  <a:schemeClr val="bg2">
-                    <a:lumMod val="25000"/>
-                  </a:schemeClr>
-                </a:solidFill>
-                <a:latin typeface="+mn-ea"/>
-                <a:ea typeface="+mn-ea"/>
-              </a:rPr>
-              <a:t>작성</a:t>
-            </a:r>
-            <a:endParaRPr lang="en-US" altLang="ko-KR" sz="1600" spc="-150" dirty="0" smtClean="0">
+              <a:t>훈련생 별로 해당 프로젝트를 진행하면서 주도적으로 참여한 부분을 중심으로 작성</a:t>
+            </a:r>
+            <a:endParaRPr lang="en-US" altLang="ko-KR" sz="1600" spc="-150" dirty="0">
               <a:solidFill>
                 <a:schemeClr val="bg2">
                   <a:lumMod val="25000"/>
@@ -14512,7 +13629,7 @@
         </p:nvGraphicFramePr>
         <p:xfrm>
           <a:off x="1271464" y="2676732"/>
-          <a:ext cx="9649072" cy="3417387"/>
+          <a:ext cx="9649072" cy="3292230"/>
         </p:xfrm>
         <a:graphic>
           <a:graphicData uri="http://schemas.openxmlformats.org/drawingml/2006/table">
@@ -14552,7 +13669,7 @@
                     <a:p>
                       <a:pPr algn="ctr" latinLnBrk="1"/>
                       <a:r>
-                        <a:rPr lang="ko-KR" altLang="en-US" sz="1800" dirty="0" smtClean="0">
+                        <a:rPr lang="ko-KR" altLang="en-US" sz="1800" dirty="0">
                           <a:solidFill>
                             <a:schemeClr val="bg2">
                               <a:lumMod val="25000"/>
@@ -14561,13 +13678,6 @@
                         </a:rPr>
                         <a:t>훈련생</a:t>
                       </a:r>
-                      <a:endParaRPr lang="ko-KR" altLang="en-US" sz="1800" dirty="0">
-                        <a:solidFill>
-                          <a:schemeClr val="bg2">
-                            <a:lumMod val="25000"/>
-                          </a:schemeClr>
-                        </a:solidFill>
-                      </a:endParaRPr>
                     </a:p>
                   </a:txBody>
                   <a:tcPr marT="45741" marB="45741" anchor="ctr">
@@ -14624,7 +13734,7 @@
                     <a:p>
                       <a:pPr algn="ctr" latinLnBrk="1"/>
                       <a:r>
-                        <a:rPr lang="ko-KR" altLang="en-US" sz="1800" dirty="0" smtClean="0">
+                        <a:rPr lang="ko-KR" altLang="en-US" sz="1800" dirty="0">
                           <a:solidFill>
                             <a:schemeClr val="bg2">
                               <a:lumMod val="25000"/>
@@ -14633,13 +13743,6 @@
                         </a:rPr>
                         <a:t>역할</a:t>
                       </a:r>
-                      <a:endParaRPr lang="ko-KR" altLang="en-US" sz="1800" dirty="0">
-                        <a:solidFill>
-                          <a:schemeClr val="bg2">
-                            <a:lumMod val="25000"/>
-                          </a:schemeClr>
-                        </a:solidFill>
-                      </a:endParaRPr>
                     </a:p>
                   </a:txBody>
                   <a:tcPr marT="45741" marB="45741" anchor="ctr">
@@ -14696,7 +13799,7 @@
                     <a:p>
                       <a:pPr algn="ctr" latinLnBrk="1"/>
                       <a:r>
-                        <a:rPr lang="ko-KR" altLang="en-US" sz="1800" dirty="0" smtClean="0">
+                        <a:rPr lang="ko-KR" altLang="en-US" sz="1800" dirty="0">
                           <a:solidFill>
                             <a:schemeClr val="bg2">
                               <a:lumMod val="25000"/>
@@ -14705,13 +13808,6 @@
                         </a:rPr>
                         <a:t>담당 업무</a:t>
                       </a:r>
-                      <a:endParaRPr lang="ko-KR" altLang="en-US" sz="1800" dirty="0">
-                        <a:solidFill>
-                          <a:schemeClr val="bg2">
-                            <a:lumMod val="25000"/>
-                          </a:schemeClr>
-                        </a:solidFill>
-                      </a:endParaRPr>
                     </a:p>
                   </a:txBody>
                   <a:tcPr marT="45741" marB="45741" anchor="ctr">
@@ -14775,7 +13871,7 @@
                     <a:p>
                       <a:pPr algn="ctr" latinLnBrk="1"/>
                       <a:r>
-                        <a:rPr kumimoji="0" lang="ko-KR" altLang="en-US" sz="1600" i="1" u="none" strike="noStrike" kern="1200" cap="none" spc="0" normalizeH="0" baseline="0" noProof="0" dirty="0" smtClean="0">
+                        <a:rPr kumimoji="0" lang="ko-KR" altLang="en-US" sz="1600" i="1" u="none" strike="noStrike" kern="1200" cap="none" spc="0" normalizeH="0" baseline="0" noProof="0" dirty="0">
                           <a:ln>
                             <a:noFill/>
                           </a:ln>
@@ -14864,7 +13960,7 @@
                         <a:defRPr/>
                       </a:pPr>
                       <a:r>
-                        <a:rPr kumimoji="0" lang="ko-KR" altLang="en-US" sz="1600" i="1" u="none" strike="noStrike" kern="1200" cap="none" spc="0" normalizeH="0" baseline="0" dirty="0" smtClean="0">
+                        <a:rPr kumimoji="0" lang="ko-KR" altLang="en-US" sz="1600" i="1" u="none" strike="noStrike" kern="1200" cap="none" spc="0" normalizeH="0" baseline="0" dirty="0">
                           <a:ln>
                             <a:noFill/>
                           </a:ln>
@@ -14882,22 +13978,6 @@
                         </a:rPr>
                         <a:t>팀장</a:t>
                       </a:r>
-                      <a:endParaRPr kumimoji="0" lang="ko-KR" altLang="en-US" sz="1600" i="1" u="none" strike="noStrike" kern="1200" cap="none" spc="0" normalizeH="0" baseline="0" dirty="0">
-                        <a:ln>
-                          <a:noFill/>
-                        </a:ln>
-                        <a:solidFill>
-                          <a:schemeClr val="bg2">
-                            <a:lumMod val="25000"/>
-                          </a:schemeClr>
-                        </a:solidFill>
-                        <a:effectLst/>
-                        <a:uLnTx/>
-                        <a:uFillTx/>
-                        <a:latin typeface="+mn-lt"/>
-                        <a:ea typeface="+mn-ea"/>
-                        <a:cs typeface="+mn-cs"/>
-                      </a:endParaRPr>
                     </a:p>
                   </a:txBody>
                   <a:tcPr marT="45741" marB="45741" anchor="ctr">
@@ -14965,7 +14045,7 @@
                         <a:defRPr/>
                       </a:pPr>
                       <a:r>
-                        <a:rPr lang="ko-KR" altLang="en-US" sz="1600" b="1" dirty="0" smtClean="0">
+                        <a:rPr lang="ko-KR" altLang="en-US" sz="1600" b="1" dirty="0">
                           <a:ln w="12700">
                             <a:solidFill>
                               <a:srgbClr val="939597"/>
@@ -14988,7 +14068,7 @@
                         <a:t>▶</a:t>
                       </a:r>
                       <a:r>
-                        <a:rPr lang="ko-KR" altLang="en-US" sz="1600" b="1" baseline="0" dirty="0" smtClean="0">
+                        <a:rPr lang="ko-KR" altLang="en-US" sz="1600" b="1" baseline="0" dirty="0">
                           <a:ln w="12700">
                             <a:solidFill>
                               <a:srgbClr val="939597"/>
@@ -15011,7 +14091,7 @@
                         <a:t> </a:t>
                       </a:r>
                       <a:r>
-                        <a:rPr kumimoji="0" lang="ko-KR" altLang="en-US" sz="1600" i="1" u="none" strike="noStrike" kern="1200" cap="none" spc="0" normalizeH="0" baseline="0" noProof="0" dirty="0" smtClean="0">
+                        <a:rPr kumimoji="0" lang="ko-KR" altLang="en-US" sz="1600" i="1" u="none" strike="noStrike" kern="1200" cap="none" spc="0" normalizeH="0" baseline="0" noProof="0" dirty="0">
                           <a:ln>
                             <a:noFill/>
                           </a:ln>
@@ -15027,7 +14107,7 @@
                         <a:t>데이터 정제 및 정규화</a:t>
                       </a:r>
                       <a:r>
-                        <a:rPr kumimoji="0" lang="en-US" altLang="ko-KR" sz="1600" i="1" u="none" strike="noStrike" kern="1200" cap="none" spc="0" normalizeH="0" baseline="0" noProof="0" dirty="0" smtClean="0">
+                        <a:rPr kumimoji="0" lang="en-US" altLang="ko-KR" sz="1600" i="1" u="none" strike="noStrike" kern="1200" cap="none" spc="0" normalizeH="0" baseline="0" noProof="0" dirty="0">
                           <a:ln>
                             <a:noFill/>
                           </a:ln>
@@ -15062,7 +14142,7 @@
                         <a:defRPr/>
                       </a:pPr>
                       <a:r>
-                        <a:rPr lang="ko-KR" altLang="en-US" sz="1600" b="1" dirty="0" smtClean="0">
+                        <a:rPr lang="ko-KR" altLang="en-US" sz="1600" b="1" dirty="0">
                           <a:ln w="12700">
                             <a:solidFill>
                               <a:srgbClr val="939597"/>
@@ -15085,7 +14165,7 @@
                         <a:t>▶ </a:t>
                       </a:r>
                       <a:r>
-                        <a:rPr kumimoji="0" lang="ko-KR" altLang="en-US" sz="1600" i="1" u="none" strike="noStrike" kern="1200" cap="none" spc="0" normalizeH="0" baseline="0" dirty="0" smtClean="0">
+                        <a:rPr kumimoji="0" lang="ko-KR" altLang="en-US" sz="1600" i="1" u="none" strike="noStrike" kern="1200" cap="none" spc="0" normalizeH="0" baseline="0" dirty="0">
                           <a:ln>
                             <a:noFill/>
                           </a:ln>
@@ -15104,7 +14184,7 @@
                         <a:t>모바일 서비스 </a:t>
                       </a:r>
                       <a:r>
-                        <a:rPr kumimoji="0" lang="ko-KR" altLang="en-US" sz="1600" i="1" u="none" strike="noStrike" kern="1200" cap="none" spc="0" normalizeH="0" baseline="0" dirty="0" err="1" smtClean="0">
+                        <a:rPr kumimoji="0" lang="ko-KR" altLang="en-US" sz="1600" i="1" u="none" strike="noStrike" kern="1200" cap="none" spc="0" normalizeH="0" baseline="0" dirty="0" err="1">
                           <a:ln>
                             <a:noFill/>
                           </a:ln>
@@ -15212,7 +14292,7 @@
                         <a:defRPr/>
                       </a:pPr>
                       <a:r>
-                        <a:rPr kumimoji="0" lang="ko-KR" altLang="en-US" sz="1600" i="1" u="none" strike="noStrike" kern="1200" cap="none" spc="0" normalizeH="0" baseline="0" noProof="0" dirty="0" smtClean="0">
+                        <a:rPr kumimoji="0" lang="ko-KR" altLang="en-US" sz="1600" i="1" u="none" strike="noStrike" kern="1200" cap="none" spc="0" normalizeH="0" baseline="0" noProof="0" dirty="0">
                           <a:ln>
                             <a:noFill/>
                           </a:ln>
@@ -15298,7 +14378,7 @@
                         <a:defRPr/>
                       </a:pPr>
                       <a:r>
-                        <a:rPr kumimoji="0" lang="ko-KR" altLang="en-US" sz="1600" i="1" u="none" strike="noStrike" kern="1200" cap="none" spc="0" normalizeH="0" baseline="0" noProof="0" dirty="0" smtClean="0">
+                        <a:rPr kumimoji="0" lang="ko-KR" altLang="en-US" sz="1600" i="1" u="none" strike="noStrike" kern="1200" cap="none" spc="0" normalizeH="0" baseline="0" noProof="0" dirty="0">
                           <a:ln>
                             <a:noFill/>
                           </a:ln>
@@ -15313,7 +14393,7 @@
                         </a:rPr>
                         <a:t>팀원</a:t>
                       </a:r>
-                      <a:endParaRPr kumimoji="0" lang="en-US" altLang="ko-KR" sz="1600" i="1" u="none" strike="noStrike" kern="1200" cap="none" spc="0" normalizeH="0" baseline="0" noProof="0" dirty="0" smtClean="0">
+                      <a:endParaRPr kumimoji="0" lang="en-US" altLang="ko-KR" sz="1600" i="1" u="none" strike="noStrike" kern="1200" cap="none" spc="0" normalizeH="0" baseline="0" noProof="0" dirty="0">
                         <a:ln>
                           <a:noFill/>
                         </a:ln>
@@ -15390,7 +14470,7 @@
                         <a:defRPr/>
                       </a:pPr>
                       <a:r>
-                        <a:rPr lang="ko-KR" altLang="en-US" sz="1600" b="1" dirty="0" smtClean="0">
+                        <a:rPr lang="ko-KR" altLang="en-US" sz="1600" b="1" dirty="0">
                           <a:ln w="12700">
                             <a:solidFill>
                               <a:srgbClr val="939597"/>
@@ -15413,7 +14493,7 @@
                         <a:t>▶</a:t>
                       </a:r>
                       <a:r>
-                        <a:rPr lang="ko-KR" altLang="en-US" sz="1600" b="1" baseline="0" dirty="0" smtClean="0">
+                        <a:rPr lang="ko-KR" altLang="en-US" sz="1600" b="1" baseline="0" dirty="0">
                           <a:ln w="12700">
                             <a:solidFill>
                               <a:srgbClr val="939597"/>
@@ -15436,7 +14516,7 @@
                         <a:t> </a:t>
                       </a:r>
                       <a:r>
-                        <a:rPr kumimoji="0" lang="ko-KR" altLang="en-US" sz="1600" i="1" u="none" strike="noStrike" kern="1200" cap="none" spc="0" normalizeH="0" baseline="0" noProof="0" dirty="0" smtClean="0">
+                        <a:rPr kumimoji="0" lang="ko-KR" altLang="en-US" sz="1600" i="1" u="none" strike="noStrike" kern="1200" cap="none" spc="0" normalizeH="0" baseline="0" noProof="0" dirty="0">
                           <a:ln>
                             <a:noFill/>
                           </a:ln>
@@ -15451,7 +14531,7 @@
                         </a:rPr>
                         <a:t>모바일 플랫폼 구현</a:t>
                       </a:r>
-                      <a:endParaRPr kumimoji="0" lang="en-US" altLang="ko-KR" sz="1600" i="1" u="none" strike="noStrike" kern="1200" cap="none" spc="0" normalizeH="0" baseline="0" noProof="0" dirty="0" smtClean="0">
+                      <a:endParaRPr kumimoji="0" lang="en-US" altLang="ko-KR" sz="1600" i="1" u="none" strike="noStrike" kern="1200" cap="none" spc="0" normalizeH="0" baseline="0" noProof="0" dirty="0">
                         <a:ln>
                           <a:noFill/>
                         </a:ln>
@@ -15484,7 +14564,7 @@
                         <a:defRPr/>
                       </a:pPr>
                       <a:r>
-                        <a:rPr lang="ko-KR" altLang="en-US" sz="1600" b="1" dirty="0" smtClean="0">
+                        <a:rPr lang="ko-KR" altLang="en-US" sz="1600" b="1" dirty="0">
                           <a:ln w="12700">
                             <a:solidFill>
                               <a:srgbClr val="939597"/>
@@ -15507,7 +14587,7 @@
                         <a:t>▶</a:t>
                       </a:r>
                       <a:r>
-                        <a:rPr lang="ko-KR" altLang="en-US" sz="1600" b="1" baseline="0" dirty="0" smtClean="0">
+                        <a:rPr lang="ko-KR" altLang="en-US" sz="1600" b="1" baseline="0" dirty="0">
                           <a:ln w="12700">
                             <a:solidFill>
                               <a:srgbClr val="939597"/>
@@ -15530,7 +14610,7 @@
                         <a:t> </a:t>
                       </a:r>
                       <a:r>
-                        <a:rPr kumimoji="0" lang="ko-KR" altLang="en-US" sz="1600" i="1" u="none" strike="noStrike" kern="1200" cap="none" spc="0" normalizeH="0" baseline="0" noProof="0" dirty="0" smtClean="0">
+                        <a:rPr kumimoji="0" lang="ko-KR" altLang="en-US" sz="1600" i="1" u="none" strike="noStrike" kern="1200" cap="none" spc="0" normalizeH="0" baseline="0" noProof="0" dirty="0">
                           <a:ln>
                             <a:noFill/>
                           </a:ln>
@@ -15545,7 +14625,7 @@
                         </a:rPr>
                         <a:t>외부 데이터 수집</a:t>
                       </a:r>
-                      <a:endParaRPr kumimoji="0" lang="en-US" altLang="ko-KR" sz="1600" i="1" u="none" strike="noStrike" kern="1200" cap="none" spc="0" normalizeH="0" baseline="0" noProof="0" dirty="0" smtClean="0">
+                      <a:endParaRPr kumimoji="0" lang="en-US" altLang="ko-KR" sz="1600" i="1" u="none" strike="noStrike" kern="1200" cap="none" spc="0" normalizeH="0" baseline="0" noProof="0" dirty="0">
                         <a:ln>
                           <a:noFill/>
                         </a:ln>
@@ -15629,7 +14709,7 @@
                         <a:defRPr/>
                       </a:pPr>
                       <a:r>
-                        <a:rPr kumimoji="0" lang="ko-KR" altLang="en-US" sz="1600" i="1" u="none" strike="noStrike" kern="1200" cap="none" spc="0" normalizeH="0" baseline="0" noProof="0" dirty="0" smtClean="0">
+                        <a:rPr kumimoji="0" lang="ko-KR" altLang="en-US" sz="1600" i="1" u="none" strike="noStrike" kern="1200" cap="none" spc="0" normalizeH="0" baseline="0" noProof="0" dirty="0">
                           <a:ln>
                             <a:noFill/>
                           </a:ln>
@@ -15644,7 +14724,7 @@
                         </a:rPr>
                         <a:t>정○○</a:t>
                       </a:r>
-                      <a:endParaRPr kumimoji="0" lang="ko-KR" altLang="en-US" sz="1800" b="0" i="1" u="none" strike="noStrike" kern="1200" cap="none" spc="0" normalizeH="0" baseline="0" noProof="0" dirty="0" smtClean="0">
+                      <a:endParaRPr kumimoji="0" lang="ko-KR" altLang="en-US" sz="1800" b="0" i="1" u="none" strike="noStrike" kern="1200" cap="none" spc="0" normalizeH="0" baseline="0" noProof="0" dirty="0">
                         <a:ln>
                           <a:noFill/>
                         </a:ln>
@@ -15727,7 +14807,7 @@
                         <a:defRPr/>
                       </a:pPr>
                       <a:r>
-                        <a:rPr kumimoji="0" lang="ko-KR" altLang="en-US" sz="1600" b="0" i="1" u="none" strike="noStrike" kern="1200" cap="none" spc="0" normalizeH="0" baseline="0" noProof="0" dirty="0" smtClean="0">
+                        <a:rPr kumimoji="0" lang="ko-KR" altLang="en-US" sz="1600" b="0" i="1" u="none" strike="noStrike" kern="1200" cap="none" spc="0" normalizeH="0" baseline="0" noProof="0" dirty="0">
                           <a:ln>
                             <a:noFill/>
                           </a:ln>
@@ -15812,7 +14892,7 @@
                         <a:defRPr/>
                       </a:pPr>
                       <a:r>
-                        <a:rPr lang="ko-KR" altLang="en-US" sz="1600" b="1" dirty="0" smtClean="0">
+                        <a:rPr lang="ko-KR" altLang="en-US" sz="1600" b="1" dirty="0">
                           <a:ln w="12700">
                             <a:solidFill>
                               <a:srgbClr val="939597"/>
@@ -15835,7 +14915,7 @@
                         <a:t>▶</a:t>
                       </a:r>
                       <a:r>
-                        <a:rPr lang="ko-KR" altLang="en-US" sz="1600" b="1" baseline="0" dirty="0" smtClean="0">
+                        <a:rPr lang="ko-KR" altLang="en-US" sz="1600" b="1" baseline="0" dirty="0">
                           <a:ln w="12700">
                             <a:solidFill>
                               <a:srgbClr val="939597"/>
@@ -15858,7 +14938,7 @@
                         <a:t> </a:t>
                       </a:r>
                       <a:r>
-                        <a:rPr kumimoji="0" lang="ko-KR" altLang="en-US" sz="1600" i="1" u="none" strike="noStrike" kern="1200" cap="none" spc="0" normalizeH="0" baseline="0" noProof="0" dirty="0" smtClean="0">
+                        <a:rPr kumimoji="0" lang="ko-KR" altLang="en-US" sz="1600" i="1" u="none" strike="noStrike" kern="1200" cap="none" spc="0" normalizeH="0" baseline="0" noProof="0" dirty="0">
                           <a:ln>
                             <a:noFill/>
                           </a:ln>
@@ -15893,7 +14973,7 @@
                         <a:defRPr/>
                       </a:pPr>
                       <a:r>
-                        <a:rPr lang="ko-KR" altLang="en-US" sz="1600" b="1" dirty="0" smtClean="0">
+                        <a:rPr lang="ko-KR" altLang="en-US" sz="1600" b="1" dirty="0">
                           <a:ln w="12700">
                             <a:solidFill>
                               <a:srgbClr val="939597"/>
@@ -15916,7 +14996,7 @@
                         <a:t>▶</a:t>
                       </a:r>
                       <a:r>
-                        <a:rPr lang="ko-KR" altLang="en-US" sz="1600" b="1" baseline="0" dirty="0" smtClean="0">
+                        <a:rPr lang="ko-KR" altLang="en-US" sz="1600" b="1" baseline="0" dirty="0">
                           <a:ln w="12700">
                             <a:solidFill>
                               <a:srgbClr val="939597"/>
@@ -15939,7 +15019,7 @@
                         <a:t> </a:t>
                       </a:r>
                       <a:r>
-                        <a:rPr kumimoji="0" lang="ko-KR" altLang="en-US" sz="1600" b="0" i="1" u="none" strike="noStrike" kern="1200" cap="none" spc="0" normalizeH="0" baseline="0" noProof="0" dirty="0" smtClean="0">
+                        <a:rPr kumimoji="0" lang="ko-KR" altLang="en-US" sz="1600" b="0" i="1" u="none" strike="noStrike" kern="1200" cap="none" spc="0" normalizeH="0" baseline="0" noProof="0" dirty="0">
                           <a:ln>
                             <a:noFill/>
                           </a:ln>
@@ -15958,7 +15038,7 @@
                         <a:t>텍스트 </a:t>
                       </a:r>
                       <a:r>
-                        <a:rPr kumimoji="0" lang="ko-KR" altLang="en-US" sz="1600" b="0" i="1" u="none" strike="noStrike" kern="1200" cap="none" spc="0" normalizeH="0" baseline="0" noProof="0" dirty="0" err="1" smtClean="0">
+                        <a:rPr kumimoji="0" lang="ko-KR" altLang="en-US" sz="1600" b="0" i="1" u="none" strike="noStrike" kern="1200" cap="none" spc="0" normalizeH="0" baseline="0" noProof="0" dirty="0" err="1">
                           <a:ln>
                             <a:noFill/>
                           </a:ln>
@@ -15976,7 +15056,7 @@
                         </a:rPr>
                         <a:t>마이닝</a:t>
                       </a:r>
-                      <a:endParaRPr kumimoji="0" lang="ko-KR" altLang="en-US" sz="1600" b="0" i="1" u="none" strike="noStrike" kern="1200" cap="none" spc="0" normalizeH="0" baseline="0" noProof="0" dirty="0" smtClean="0">
+                      <a:endParaRPr kumimoji="0" lang="ko-KR" altLang="en-US" sz="1600" b="0" i="1" u="none" strike="noStrike" kern="1200" cap="none" spc="0" normalizeH="0" baseline="0" noProof="0" dirty="0">
                         <a:ln>
                           <a:noFill/>
                         </a:ln>
@@ -16065,7 +15145,7 @@
                         <a:tabLst/>
                         <a:defRPr/>
                       </a:pPr>
-                      <a:endParaRPr kumimoji="0" lang="ko-KR" altLang="en-US" sz="1800" b="0" i="1" u="none" strike="noStrike" kern="1200" cap="none" spc="0" normalizeH="0" baseline="0" noProof="0" dirty="0" smtClean="0">
+                      <a:endParaRPr kumimoji="0" lang="ko-KR" altLang="en-US" sz="1800" b="0" i="1" u="none" strike="noStrike" kern="1200" cap="none" spc="0" normalizeH="0" baseline="0" noProof="0" dirty="0">
                         <a:ln>
                           <a:noFill/>
                         </a:ln>
@@ -16146,7 +15226,7 @@
                         <a:tabLst/>
                         <a:defRPr/>
                       </a:pPr>
-                      <a:endParaRPr kumimoji="0" lang="ko-KR" altLang="en-US" sz="1600" b="0" i="1" u="none" strike="noStrike" kern="1200" cap="none" spc="0" normalizeH="0" baseline="0" noProof="0" dirty="0" smtClean="0">
+                      <a:endParaRPr kumimoji="0" lang="ko-KR" altLang="en-US" sz="1600" b="0" i="1" u="none" strike="noStrike" kern="1200" cap="none" spc="0" normalizeH="0" baseline="0" noProof="0" dirty="0">
                         <a:ln>
                           <a:noFill/>
                         </a:ln>
@@ -16227,7 +15307,7 @@
                         <a:tabLst/>
                         <a:defRPr/>
                       </a:pPr>
-                      <a:endParaRPr kumimoji="0" lang="ko-KR" altLang="en-US" sz="1600" b="0" i="1" u="none" strike="noStrike" kern="1200" cap="none" spc="0" normalizeH="0" baseline="0" noProof="0" dirty="0" smtClean="0">
+                      <a:endParaRPr kumimoji="0" lang="ko-KR" altLang="en-US" sz="1600" b="0" i="1" u="none" strike="noStrike" kern="1200" cap="none" spc="0" normalizeH="0" baseline="0" noProof="0" dirty="0">
                         <a:ln>
                           <a:noFill/>
                         </a:ln>
@@ -16306,13 +15386,6 @@
   <p:clrMapOvr>
     <a:masterClrMapping/>
   </p:clrMapOvr>
-  <p:timing>
-    <p:tnLst>
-      <p:par>
-        <p:cTn id="1" dur="indefinite" restart="never" nodeType="tmRoot"/>
-      </p:par>
-    </p:tnLst>
-  </p:timing>
 </p:sld>
 </file>
 
@@ -16543,7 +15616,7 @@
               <a:defRPr/>
             </a:pPr>
             <a:r>
-              <a:rPr lang="ko-KR" altLang="en-US" sz="1600" spc="-150" dirty="0" smtClean="0">
+              <a:rPr lang="ko-KR" altLang="en-US" sz="1600" spc="-150" dirty="0">
                 <a:solidFill>
                   <a:schemeClr val="bg2">
                     <a:lumMod val="25000"/>
@@ -16551,31 +15624,9 @@
                 </a:solidFill>
                 <a:latin typeface="+mn-ea"/>
               </a:rPr>
-              <a:t>기획 </a:t>
-            </a:r>
-            <a:r>
-              <a:rPr lang="ko-KR" altLang="en-US" sz="1600" spc="-150" dirty="0">
-                <a:solidFill>
-                  <a:schemeClr val="bg2">
-                    <a:lumMod val="25000"/>
-                  </a:schemeClr>
-                </a:solidFill>
-                <a:latin typeface="+mn-ea"/>
-              </a:rPr>
-              <a:t>단계에서 도출된 주제와 아이디어를 기반으로 실제 프로젝트를 수행한 세부적인 기간과 </a:t>
-            </a:r>
-            <a:r>
-              <a:rPr lang="ko-KR" altLang="en-US" sz="1600" spc="-150" dirty="0" smtClean="0">
-                <a:solidFill>
-                  <a:schemeClr val="bg2">
-                    <a:lumMod val="25000"/>
-                  </a:schemeClr>
-                </a:solidFill>
-                <a:latin typeface="+mn-ea"/>
-              </a:rPr>
-              <a:t>활동 내용 작성</a:t>
-            </a:r>
-            <a:endParaRPr lang="en-US" altLang="ko-KR" sz="1600" spc="-150" dirty="0" smtClean="0">
+              <a:t>기획 단계에서 도출된 주제와 아이디어를 기반으로 실제 프로젝트를 수행한 세부적인 기간과 활동 내용 작성</a:t>
+            </a:r>
+            <a:endParaRPr lang="en-US" altLang="ko-KR" sz="1600" spc="-150" dirty="0">
               <a:solidFill>
                 <a:schemeClr val="bg2">
                   <a:lumMod val="25000"/>
@@ -16652,7 +15703,7 @@
                         </a:lnSpc>
                       </a:pPr>
                       <a:r>
-                        <a:rPr lang="ko-KR" altLang="en-US" sz="1500" spc="-100" dirty="0" smtClean="0">
+                        <a:rPr lang="ko-KR" altLang="en-US" sz="1500" spc="-100" dirty="0">
                           <a:solidFill>
                             <a:schemeClr val="bg2">
                               <a:lumMod val="25000"/>
@@ -16730,7 +15781,7 @@
                         </a:lnSpc>
                       </a:pPr>
                       <a:r>
-                        <a:rPr lang="ko-KR" altLang="en-US" sz="1500" spc="-100" dirty="0" smtClean="0">
+                        <a:rPr lang="ko-KR" altLang="en-US" sz="1500" spc="-100" dirty="0">
                           <a:solidFill>
                             <a:schemeClr val="bg2">
                               <a:lumMod val="25000"/>
@@ -16808,7 +15859,7 @@
                         </a:lnSpc>
                       </a:pPr>
                       <a:r>
-                        <a:rPr lang="ko-KR" altLang="en-US" sz="1500" spc="-100" dirty="0" smtClean="0">
+                        <a:rPr lang="ko-KR" altLang="en-US" sz="1500" spc="-100" dirty="0">
                           <a:solidFill>
                             <a:schemeClr val="bg2">
                               <a:lumMod val="25000"/>
@@ -16886,7 +15937,7 @@
                         </a:lnSpc>
                       </a:pPr>
                       <a:r>
-                        <a:rPr lang="ko-KR" altLang="en-US" sz="1500" spc="-100" dirty="0" smtClean="0">
+                        <a:rPr lang="ko-KR" altLang="en-US" sz="1500" spc="-100" dirty="0">
                           <a:solidFill>
                             <a:schemeClr val="bg2">
                               <a:lumMod val="25000"/>
@@ -16974,7 +16025,7 @@
                         </a:spcBef>
                       </a:pPr>
                       <a:r>
-                        <a:rPr kumimoji="0" lang="ko-KR" altLang="en-US" sz="1500" i="1" u="none" strike="noStrike" kern="1200" cap="none" spc="-100" normalizeH="0" baseline="0" noProof="0" dirty="0" smtClean="0">
+                        <a:rPr kumimoji="0" lang="ko-KR" altLang="en-US" sz="1500" i="1" u="none" strike="noStrike" kern="1200" cap="none" spc="-100" normalizeH="0" baseline="0" noProof="0" dirty="0">
                           <a:ln>
                             <a:noFill/>
                           </a:ln>
@@ -17065,7 +16116,7 @@
                         <a:defRPr/>
                       </a:pPr>
                       <a:r>
-                        <a:rPr lang="ko-KR" altLang="en-US" sz="1500" b="1" spc="-100" dirty="0" smtClean="0">
+                        <a:rPr lang="ko-KR" altLang="en-US" sz="1500" b="1" spc="-100" dirty="0">
                           <a:ln w="12700">
                             <a:solidFill>
                               <a:srgbClr val="939597"/>
@@ -17088,7 +16139,7 @@
                         <a:t>▶</a:t>
                       </a:r>
                       <a:r>
-                        <a:rPr lang="en-US" altLang="ko-KR" sz="1500" i="1" u="none" spc="-100" dirty="0" smtClean="0">
+                        <a:rPr lang="en-US" altLang="ko-KR" sz="1500" i="1" u="none" spc="-100" dirty="0">
                           <a:solidFill>
                             <a:schemeClr val="bg2">
                               <a:lumMod val="25000"/>
@@ -17098,7 +16149,7 @@
                         <a:t> O/O(</a:t>
                       </a:r>
                       <a:r>
-                        <a:rPr lang="ko-KR" altLang="en-US" sz="1500" i="1" u="none" spc="-100" dirty="0" smtClean="0">
+                        <a:rPr lang="ko-KR" altLang="en-US" sz="1500" i="1" u="none" spc="-100" dirty="0">
                           <a:solidFill>
                             <a:schemeClr val="bg2">
                               <a:lumMod val="25000"/>
@@ -17108,7 +16159,7 @@
                         <a:t>월</a:t>
                       </a:r>
                       <a:r>
-                        <a:rPr lang="en-US" altLang="ko-KR" sz="1500" i="1" u="none" spc="-100" dirty="0" smtClean="0">
+                        <a:rPr lang="en-US" altLang="ko-KR" sz="1500" i="1" u="none" spc="-100" dirty="0">
                           <a:solidFill>
                             <a:schemeClr val="bg2">
                               <a:lumMod val="25000"/>
@@ -17118,7 +16169,7 @@
                         <a:t>) ~ O/O(</a:t>
                       </a:r>
                       <a:r>
-                        <a:rPr lang="ko-KR" altLang="en-US" sz="1500" i="1" u="none" spc="-100" dirty="0" smtClean="0">
+                        <a:rPr lang="ko-KR" altLang="en-US" sz="1500" i="1" u="none" spc="-100" dirty="0">
                           <a:solidFill>
                             <a:schemeClr val="bg2">
                               <a:lumMod val="25000"/>
@@ -17128,7 +16179,7 @@
                         <a:t>금</a:t>
                       </a:r>
                       <a:r>
-                        <a:rPr lang="en-US" altLang="ko-KR" sz="1500" i="1" u="none" spc="-100" dirty="0" smtClean="0">
+                        <a:rPr lang="en-US" altLang="ko-KR" sz="1500" i="1" u="none" spc="-100" dirty="0">
                           <a:solidFill>
                             <a:schemeClr val="bg2">
                               <a:lumMod val="25000"/>
@@ -17137,7 +16188,7 @@
                         </a:rPr>
                         <a:t>)</a:t>
                       </a:r>
-                      <a:endParaRPr lang="en-US" altLang="ko-KR" sz="1500" b="0" i="1" u="none" spc="-100" dirty="0" smtClean="0">
+                      <a:endParaRPr lang="en-US" altLang="ko-KR" sz="1500" b="0" i="1" u="none" spc="-100" dirty="0">
                         <a:solidFill>
                           <a:schemeClr val="bg2">
                             <a:lumMod val="25000"/>
@@ -17213,7 +16264,7 @@
                         <a:defRPr/>
                       </a:pPr>
                       <a:r>
-                        <a:rPr lang="ko-KR" altLang="en-US" sz="1500" b="1" spc="-100" dirty="0" smtClean="0">
+                        <a:rPr lang="ko-KR" altLang="en-US" sz="1500" b="1" spc="-100" dirty="0">
                           <a:ln w="12700">
                             <a:solidFill>
                               <a:srgbClr val="939597"/>
@@ -17236,16 +16287,6 @@
                         <a:t>▶ </a:t>
                       </a:r>
                       <a:r>
-                        <a:rPr lang="ko-KR" altLang="en-US" sz="1500" i="1" u="none" spc="-100" dirty="0" smtClean="0">
-                          <a:solidFill>
-                            <a:schemeClr val="bg2">
-                              <a:lumMod val="25000"/>
-                            </a:schemeClr>
-                          </a:solidFill>
-                        </a:rPr>
-                        <a:t>프로젝트 </a:t>
-                      </a:r>
-                      <a:r>
                         <a:rPr lang="ko-KR" altLang="en-US" sz="1500" i="1" u="none" spc="-100" dirty="0">
                           <a:solidFill>
                             <a:schemeClr val="bg2">
@@ -17253,19 +16294,9 @@
                             </a:schemeClr>
                           </a:solidFill>
                         </a:rPr>
-                        <a:t>기획 및 </a:t>
+                        <a:t>프로젝트 기획 및 주제 선정</a:t>
                       </a:r>
-                      <a:r>
-                        <a:rPr lang="ko-KR" altLang="en-US" sz="1500" i="1" u="none" spc="-100" dirty="0" smtClean="0">
-                          <a:solidFill>
-                            <a:schemeClr val="bg2">
-                              <a:lumMod val="25000"/>
-                            </a:schemeClr>
-                          </a:solidFill>
-                        </a:rPr>
-                        <a:t>주제 선정</a:t>
-                      </a:r>
-                      <a:endParaRPr lang="en-US" altLang="ko-KR" sz="1500" i="1" u="none" spc="-100" dirty="0" smtClean="0">
+                      <a:endParaRPr lang="en-US" altLang="ko-KR" sz="1500" i="1" u="none" spc="-100" dirty="0">
                         <a:solidFill>
                           <a:schemeClr val="bg2">
                             <a:lumMod val="25000"/>
@@ -17292,7 +16323,7 @@
                         <a:defRPr/>
                       </a:pPr>
                       <a:r>
-                        <a:rPr lang="ko-KR" altLang="en-US" sz="1500" b="1" spc="-100" dirty="0" smtClean="0">
+                        <a:rPr lang="ko-KR" altLang="en-US" sz="1500" b="1" spc="-100" dirty="0">
                           <a:ln w="12700">
                             <a:solidFill>
                               <a:srgbClr val="939597"/>
@@ -17315,7 +16346,7 @@
                         <a:t>▶ </a:t>
                       </a:r>
                       <a:r>
-                        <a:rPr lang="ko-KR" altLang="en-US" sz="1500" i="1" u="none" spc="-100" dirty="0" err="1" smtClean="0">
+                        <a:rPr lang="ko-KR" altLang="en-US" sz="1500" i="1" u="none" spc="-100" dirty="0" err="1">
                           <a:solidFill>
                             <a:schemeClr val="bg2">
                               <a:lumMod val="25000"/>
@@ -17325,7 +16356,7 @@
                         <a:t>기획안</a:t>
                       </a:r>
                       <a:r>
-                        <a:rPr lang="ko-KR" altLang="en-US" sz="1500" i="1" u="none" spc="-100" dirty="0" smtClean="0">
+                        <a:rPr lang="ko-KR" altLang="en-US" sz="1500" i="1" u="none" spc="-100" dirty="0">
                           <a:solidFill>
                             <a:schemeClr val="bg2">
                               <a:lumMod val="25000"/>
@@ -17410,7 +16441,7 @@
                         <a:defRPr/>
                       </a:pPr>
                       <a:r>
-                        <a:rPr lang="ko-KR" altLang="en-US" sz="1500" b="1" spc="-100" dirty="0" smtClean="0">
+                        <a:rPr lang="ko-KR" altLang="en-US" sz="1500" b="1" spc="-100" dirty="0">
                           <a:ln w="12700">
                             <a:solidFill>
                               <a:srgbClr val="939597"/>
@@ -17433,16 +16464,6 @@
                         <a:t>▶ </a:t>
                       </a:r>
                       <a:r>
-                        <a:rPr lang="ko-KR" altLang="en-US" sz="1500" i="1" u="none" spc="-100" dirty="0" smtClean="0">
-                          <a:solidFill>
-                            <a:schemeClr val="bg2">
-                              <a:lumMod val="25000"/>
-                            </a:schemeClr>
-                          </a:solidFill>
-                        </a:rPr>
-                        <a:t>아이디어 </a:t>
-                      </a:r>
-                      <a:r>
                         <a:rPr lang="ko-KR" altLang="en-US" sz="1500" i="1" u="none" spc="-100" dirty="0">
                           <a:solidFill>
                             <a:schemeClr val="bg2">
@@ -17450,7 +16471,7 @@
                             </a:schemeClr>
                           </a:solidFill>
                         </a:rPr>
-                        <a:t>선정</a:t>
+                        <a:t>아이디어 선정</a:t>
                       </a:r>
                       <a:endParaRPr lang="en-US" altLang="ko-KR" sz="1500" b="0" i="1" u="none" spc="-100" dirty="0">
                         <a:solidFill>
@@ -17526,7 +16547,7 @@
                         </a:spcBef>
                       </a:pPr>
                       <a:r>
-                        <a:rPr kumimoji="0" lang="ko-KR" altLang="en-US" sz="1500" i="1" u="none" strike="noStrike" kern="1200" cap="none" spc="-100" normalizeH="0" baseline="0" dirty="0" smtClean="0">
+                        <a:rPr kumimoji="0" lang="ko-KR" altLang="en-US" sz="1500" i="1" u="none" strike="noStrike" kern="1200" cap="none" spc="-100" normalizeH="0" baseline="0" dirty="0">
                           <a:ln>
                             <a:noFill/>
                           </a:ln>
@@ -17544,22 +16565,6 @@
                         </a:rPr>
                         <a:t>데이터 수집</a:t>
                       </a:r>
-                      <a:endParaRPr kumimoji="0" lang="ko-KR" altLang="en-US" sz="1500" i="1" u="none" strike="noStrike" kern="1200" cap="none" spc="-100" normalizeH="0" baseline="0" dirty="0">
-                        <a:ln>
-                          <a:noFill/>
-                        </a:ln>
-                        <a:solidFill>
-                          <a:schemeClr val="bg2">
-                            <a:lumMod val="25000"/>
-                          </a:schemeClr>
-                        </a:solidFill>
-                        <a:effectLst/>
-                        <a:uLnTx/>
-                        <a:uFillTx/>
-                        <a:latin typeface="+mn-lt"/>
-                        <a:ea typeface="+mn-ea"/>
-                        <a:cs typeface="+mn-cs"/>
-                      </a:endParaRPr>
                     </a:p>
                   </a:txBody>
                   <a:tcPr marL="84930" marR="84930" marT="42485" marB="42485" anchor="ctr">
@@ -17627,7 +16632,7 @@
                         <a:defRPr/>
                       </a:pPr>
                       <a:r>
-                        <a:rPr lang="ko-KR" altLang="en-US" sz="1500" b="1" spc="-100" dirty="0" smtClean="0">
+                        <a:rPr lang="ko-KR" altLang="en-US" sz="1500" b="1" spc="-100" dirty="0">
                           <a:ln w="12700">
                             <a:solidFill>
                               <a:srgbClr val="939597"/>
@@ -17650,7 +16655,7 @@
                         <a:t>▶ </a:t>
                       </a:r>
                       <a:r>
-                        <a:rPr lang="en-US" altLang="ko-KR" sz="1500" i="1" u="none" spc="-100" dirty="0" smtClean="0">
+                        <a:rPr lang="en-US" altLang="ko-KR" sz="1500" i="1" u="none" spc="-100" dirty="0">
                           <a:solidFill>
                             <a:schemeClr val="bg2">
                               <a:lumMod val="25000"/>
@@ -17660,7 +16665,7 @@
                         <a:t>O/O(</a:t>
                       </a:r>
                       <a:r>
-                        <a:rPr lang="ko-KR" altLang="en-US" sz="1500" i="1" u="none" spc="-100" dirty="0" smtClean="0">
+                        <a:rPr lang="ko-KR" altLang="en-US" sz="1500" i="1" u="none" spc="-100" dirty="0">
                           <a:solidFill>
                             <a:schemeClr val="bg2">
                               <a:lumMod val="25000"/>
@@ -17670,7 +16675,7 @@
                         <a:t>월</a:t>
                       </a:r>
                       <a:r>
-                        <a:rPr lang="en-US" altLang="ko-KR" sz="1500" i="1" u="none" spc="-100" dirty="0" smtClean="0">
+                        <a:rPr lang="en-US" altLang="ko-KR" sz="1500" i="1" u="none" spc="-100" dirty="0">
                           <a:solidFill>
                             <a:schemeClr val="bg2">
                               <a:lumMod val="25000"/>
@@ -17680,7 +16685,7 @@
                         <a:t>) ~ O/O(</a:t>
                       </a:r>
                       <a:r>
-                        <a:rPr lang="ko-KR" altLang="en-US" sz="1500" i="1" u="none" spc="-100" dirty="0" smtClean="0">
+                        <a:rPr lang="ko-KR" altLang="en-US" sz="1500" i="1" u="none" spc="-100" dirty="0">
                           <a:solidFill>
                             <a:schemeClr val="bg2">
                               <a:lumMod val="25000"/>
@@ -17690,7 +16695,7 @@
                         <a:t>금</a:t>
                       </a:r>
                       <a:r>
-                        <a:rPr lang="en-US" altLang="ko-KR" sz="1500" i="1" u="none" spc="-100" dirty="0" smtClean="0">
+                        <a:rPr lang="en-US" altLang="ko-KR" sz="1500" i="1" u="none" spc="-100" dirty="0">
                           <a:solidFill>
                             <a:schemeClr val="bg2">
                               <a:lumMod val="25000"/>
@@ -17699,7 +16704,7 @@
                         </a:rPr>
                         <a:t>)</a:t>
                       </a:r>
-                      <a:endParaRPr lang="en-US" altLang="ko-KR" sz="1500" b="0" i="1" u="none" spc="-100" dirty="0" smtClean="0">
+                      <a:endParaRPr lang="en-US" altLang="ko-KR" sz="1500" b="0" i="1" u="none" spc="-100" dirty="0">
                         <a:solidFill>
                           <a:schemeClr val="bg2">
                             <a:lumMod val="25000"/>
@@ -17775,7 +16780,7 @@
                         <a:defRPr/>
                       </a:pPr>
                       <a:r>
-                        <a:rPr lang="ko-KR" altLang="en-US" sz="1500" b="1" spc="-100" dirty="0" smtClean="0">
+                        <a:rPr lang="ko-KR" altLang="en-US" sz="1500" b="1" spc="-100" dirty="0">
                           <a:ln w="12700">
                             <a:solidFill>
                               <a:srgbClr val="939597"/>
@@ -17798,7 +16803,7 @@
                         <a:t>▶ </a:t>
                       </a:r>
                       <a:r>
-                        <a:rPr lang="ko-KR" altLang="en-US" sz="1500" b="0" i="1" u="none" spc="-100" dirty="0" smtClean="0">
+                        <a:rPr lang="ko-KR" altLang="en-US" sz="1500" b="0" i="1" u="none" spc="-100" dirty="0">
                           <a:solidFill>
                             <a:schemeClr val="bg2">
                               <a:lumMod val="25000"/>
@@ -17809,7 +16814,7 @@
                         </a:rPr>
                         <a:t>필요 데이터  및 수집 절차 정의</a:t>
                       </a:r>
-                      <a:endParaRPr lang="en-US" altLang="ko-KR" sz="1500" b="0" i="1" u="none" spc="-100" dirty="0" smtClean="0">
+                      <a:endParaRPr lang="en-US" altLang="ko-KR" sz="1500" b="0" i="1" u="none" spc="-100" dirty="0">
                         <a:solidFill>
                           <a:schemeClr val="bg2">
                             <a:lumMod val="25000"/>
@@ -17838,7 +16843,7 @@
                         <a:defRPr/>
                       </a:pPr>
                       <a:r>
-                        <a:rPr lang="ko-KR" altLang="en-US" sz="1500" b="1" spc="-100" dirty="0" smtClean="0">
+                        <a:rPr lang="ko-KR" altLang="en-US" sz="1500" b="1" spc="-100" dirty="0">
                           <a:ln w="12700">
                             <a:solidFill>
                               <a:srgbClr val="939597"/>
@@ -17861,7 +16866,7 @@
                         <a:t>▶ </a:t>
                       </a:r>
                       <a:r>
-                        <a:rPr lang="ko-KR" altLang="en-US" sz="1500" b="0" i="1" u="none" spc="-100" dirty="0" smtClean="0">
+                        <a:rPr lang="ko-KR" altLang="en-US" sz="1500" b="0" i="1" u="none" spc="-100" dirty="0">
                           <a:solidFill>
                             <a:schemeClr val="bg2">
                               <a:lumMod val="25000"/>
@@ -18021,7 +17026,7 @@
                         </a:spcBef>
                       </a:pPr>
                       <a:r>
-                        <a:rPr kumimoji="0" lang="ko-KR" altLang="en-US" sz="1500" i="1" u="none" strike="noStrike" kern="1200" cap="none" spc="-100" normalizeH="0" baseline="0" dirty="0" smtClean="0">
+                        <a:rPr kumimoji="0" lang="ko-KR" altLang="en-US" sz="1500" i="1" u="none" strike="noStrike" kern="1200" cap="none" spc="-100" normalizeH="0" baseline="0" dirty="0">
                           <a:ln>
                             <a:noFill/>
                           </a:ln>
@@ -18039,22 +17044,6 @@
                         </a:rPr>
                         <a:t>데이터 전처리</a:t>
                       </a:r>
-                      <a:endParaRPr kumimoji="0" lang="ko-KR" altLang="en-US" sz="1500" i="1" u="none" strike="noStrike" kern="1200" cap="none" spc="-100" normalizeH="0" baseline="0" dirty="0">
-                        <a:ln>
-                          <a:noFill/>
-                        </a:ln>
-                        <a:solidFill>
-                          <a:schemeClr val="bg2">
-                            <a:lumMod val="25000"/>
-                          </a:schemeClr>
-                        </a:solidFill>
-                        <a:effectLst/>
-                        <a:uLnTx/>
-                        <a:uFillTx/>
-                        <a:latin typeface="+mn-lt"/>
-                        <a:ea typeface="+mn-ea"/>
-                        <a:cs typeface="+mn-cs"/>
-                      </a:endParaRPr>
                     </a:p>
                   </a:txBody>
                   <a:tcPr marL="84930" marR="84930" marT="42485" marB="42485" anchor="ctr">
@@ -18122,7 +17111,7 @@
                         <a:defRPr/>
                       </a:pPr>
                       <a:r>
-                        <a:rPr lang="ko-KR" altLang="en-US" sz="1500" b="1" spc="-100" dirty="0" smtClean="0">
+                        <a:rPr lang="ko-KR" altLang="en-US" sz="1500" b="1" spc="-100" dirty="0">
                           <a:ln w="12700">
                             <a:solidFill>
                               <a:srgbClr val="939597"/>
@@ -18145,7 +17134,7 @@
                         <a:t>▶ </a:t>
                       </a:r>
                       <a:r>
-                        <a:rPr lang="en-US" altLang="ko-KR" sz="1500" i="1" u="none" spc="-100" dirty="0" smtClean="0">
+                        <a:rPr lang="en-US" altLang="ko-KR" sz="1500" i="1" u="none" spc="-100" dirty="0">
                           <a:solidFill>
                             <a:schemeClr val="bg2">
                               <a:lumMod val="25000"/>
@@ -18155,7 +17144,7 @@
                         <a:t>O/O(</a:t>
                       </a:r>
                       <a:r>
-                        <a:rPr lang="ko-KR" altLang="en-US" sz="1500" i="1" u="none" spc="-100" dirty="0" smtClean="0">
+                        <a:rPr lang="ko-KR" altLang="en-US" sz="1500" i="1" u="none" spc="-100" dirty="0">
                           <a:solidFill>
                             <a:schemeClr val="bg2">
                               <a:lumMod val="25000"/>
@@ -18165,7 +17154,7 @@
                         <a:t>월</a:t>
                       </a:r>
                       <a:r>
-                        <a:rPr lang="en-US" altLang="ko-KR" sz="1500" i="1" u="none" spc="-100" dirty="0" smtClean="0">
+                        <a:rPr lang="en-US" altLang="ko-KR" sz="1500" i="1" u="none" spc="-100" dirty="0">
                           <a:solidFill>
                             <a:schemeClr val="bg2">
                               <a:lumMod val="25000"/>
@@ -18175,7 +17164,7 @@
                         <a:t>) ~ O/O(</a:t>
                       </a:r>
                       <a:r>
-                        <a:rPr lang="ko-KR" altLang="en-US" sz="1500" i="1" u="none" spc="-100" dirty="0" smtClean="0">
+                        <a:rPr lang="ko-KR" altLang="en-US" sz="1500" i="1" u="none" spc="-100" dirty="0">
                           <a:solidFill>
                             <a:schemeClr val="bg2">
                               <a:lumMod val="25000"/>
@@ -18185,7 +17174,7 @@
                         <a:t>금</a:t>
                       </a:r>
                       <a:r>
-                        <a:rPr lang="en-US" altLang="ko-KR" sz="1500" i="1" u="none" spc="-100" dirty="0" smtClean="0">
+                        <a:rPr lang="en-US" altLang="ko-KR" sz="1500" i="1" u="none" spc="-100" dirty="0">
                           <a:solidFill>
                             <a:schemeClr val="bg2">
                               <a:lumMod val="25000"/>
@@ -18194,7 +17183,7 @@
                         </a:rPr>
                         <a:t>)</a:t>
                       </a:r>
-                      <a:endParaRPr lang="en-US" altLang="ko-KR" sz="1500" b="0" i="1" u="none" spc="-100" dirty="0" smtClean="0">
+                      <a:endParaRPr lang="en-US" altLang="ko-KR" sz="1500" b="0" i="1" u="none" spc="-100" dirty="0">
                         <a:solidFill>
                           <a:schemeClr val="bg2">
                             <a:lumMod val="25000"/>
@@ -18270,7 +17259,7 @@
                         <a:defRPr/>
                       </a:pPr>
                       <a:r>
-                        <a:rPr lang="ko-KR" altLang="en-US" sz="1500" b="1" spc="-100" dirty="0" smtClean="0">
+                        <a:rPr lang="ko-KR" altLang="en-US" sz="1500" b="1" spc="-100" dirty="0">
                           <a:ln w="12700">
                             <a:solidFill>
                               <a:srgbClr val="939597"/>
@@ -18293,7 +17282,7 @@
                         <a:t>▶ </a:t>
                       </a:r>
                       <a:r>
-                        <a:rPr lang="ko-KR" altLang="en-US" sz="1500" b="0" i="1" u="none" spc="-100" dirty="0" smtClean="0">
+                        <a:rPr lang="ko-KR" altLang="en-US" sz="1500" b="0" i="1" u="none" spc="-100" dirty="0">
                           <a:solidFill>
                             <a:schemeClr val="bg2">
                               <a:lumMod val="25000"/>
@@ -18462,7 +17451,7 @@
                         <a:defRPr/>
                       </a:pPr>
                       <a:r>
-                        <a:rPr kumimoji="0" lang="ko-KR" altLang="en-US" sz="1500" b="0" i="1" u="none" strike="noStrike" kern="1200" cap="none" spc="-100" normalizeH="0" baseline="0" noProof="0" dirty="0" smtClean="0">
+                        <a:rPr kumimoji="0" lang="ko-KR" altLang="en-US" sz="1500" b="0" i="1" u="none" strike="noStrike" kern="1200" cap="none" spc="-100" normalizeH="0" baseline="0" noProof="0" dirty="0">
                           <a:ln>
                             <a:noFill/>
                           </a:ln>
@@ -18555,7 +17544,7 @@
                         <a:defRPr/>
                       </a:pPr>
                       <a:r>
-                        <a:rPr lang="ko-KR" altLang="en-US" sz="1500" b="1" spc="-100" dirty="0" smtClean="0">
+                        <a:rPr lang="ko-KR" altLang="en-US" sz="1500" b="1" spc="-100" dirty="0">
                           <a:ln w="12700">
                             <a:solidFill>
                               <a:srgbClr val="939597"/>
@@ -18578,7 +17567,7 @@
                         <a:t>▶ </a:t>
                       </a:r>
                       <a:r>
-                        <a:rPr lang="en-US" altLang="ko-KR" sz="1500" i="1" u="none" spc="-100" dirty="0" smtClean="0">
+                        <a:rPr lang="en-US" altLang="ko-KR" sz="1500" i="1" u="none" spc="-100" dirty="0">
                           <a:solidFill>
                             <a:schemeClr val="bg2">
                               <a:lumMod val="25000"/>
@@ -18588,7 +17577,7 @@
                         <a:t>O/O(</a:t>
                       </a:r>
                       <a:r>
-                        <a:rPr lang="ko-KR" altLang="en-US" sz="1500" i="1" u="none" spc="-100" dirty="0" smtClean="0">
+                        <a:rPr lang="ko-KR" altLang="en-US" sz="1500" i="1" u="none" spc="-100" dirty="0">
                           <a:solidFill>
                             <a:schemeClr val="bg2">
                               <a:lumMod val="25000"/>
@@ -18598,7 +17587,7 @@
                         <a:t>월</a:t>
                       </a:r>
                       <a:r>
-                        <a:rPr lang="en-US" altLang="ko-KR" sz="1500" i="1" u="none" spc="-100" dirty="0" smtClean="0">
+                        <a:rPr lang="en-US" altLang="ko-KR" sz="1500" i="1" u="none" spc="-100" dirty="0">
                           <a:solidFill>
                             <a:schemeClr val="bg2">
                               <a:lumMod val="25000"/>
@@ -18608,7 +17597,7 @@
                         <a:t>) ~ O/O(</a:t>
                       </a:r>
                       <a:r>
-                        <a:rPr lang="ko-KR" altLang="en-US" sz="1500" i="1" u="none" spc="-100" dirty="0" smtClean="0">
+                        <a:rPr lang="ko-KR" altLang="en-US" sz="1500" i="1" u="none" spc="-100" dirty="0">
                           <a:solidFill>
                             <a:schemeClr val="bg2">
                               <a:lumMod val="25000"/>
@@ -18618,7 +17607,7 @@
                         <a:t>금</a:t>
                       </a:r>
                       <a:r>
-                        <a:rPr lang="en-US" altLang="ko-KR" sz="1500" i="1" u="none" spc="-100" dirty="0" smtClean="0">
+                        <a:rPr lang="en-US" altLang="ko-KR" sz="1500" i="1" u="none" spc="-100" dirty="0">
                           <a:solidFill>
                             <a:schemeClr val="bg2">
                               <a:lumMod val="25000"/>
@@ -18627,7 +17616,7 @@
                         </a:rPr>
                         <a:t>)</a:t>
                       </a:r>
-                      <a:endParaRPr lang="en-US" altLang="ko-KR" sz="1500" b="0" i="1" u="none" spc="-100" dirty="0" smtClean="0">
+                      <a:endParaRPr lang="en-US" altLang="ko-KR" sz="1500" b="0" i="1" u="none" spc="-100" dirty="0">
                         <a:solidFill>
                           <a:schemeClr val="bg2">
                             <a:lumMod val="25000"/>
@@ -18696,7 +17685,7 @@
                         <a:buNone/>
                       </a:pPr>
                       <a:r>
-                        <a:rPr lang="ko-KR" altLang="en-US" sz="1500" b="1" spc="-100" dirty="0" smtClean="0">
+                        <a:rPr lang="ko-KR" altLang="en-US" sz="1500" b="1" spc="-100" dirty="0">
                           <a:ln w="12700">
                             <a:solidFill>
                               <a:srgbClr val="939597"/>
@@ -18719,7 +17708,7 @@
                         <a:t>▶ </a:t>
                       </a:r>
                       <a:r>
-                        <a:rPr lang="ko-KR" altLang="en-US" sz="1500" i="1" u="none" strike="noStrike" spc="-100" dirty="0" smtClean="0">
+                        <a:rPr lang="ko-KR" altLang="en-US" sz="1500" i="1" u="none" strike="noStrike" spc="-100" dirty="0">
                           <a:solidFill>
                             <a:schemeClr val="bg2">
                               <a:lumMod val="25000"/>
@@ -18799,7 +17788,7 @@
                         <a:buNone/>
                       </a:pPr>
                       <a:r>
-                        <a:rPr lang="ko-KR" altLang="en-US" sz="1500" b="1" spc="-100" dirty="0" smtClean="0">
+                        <a:rPr lang="ko-KR" altLang="en-US" sz="1500" b="1" spc="-100" dirty="0">
                           <a:ln w="12700">
                             <a:solidFill>
                               <a:srgbClr val="939597"/>
@@ -18822,7 +17811,7 @@
                         <a:t>▶ </a:t>
                       </a:r>
                       <a:r>
-                        <a:rPr lang="ko-KR" altLang="en-US" sz="1500" b="0" i="1" u="none" strike="noStrike" spc="-100" dirty="0" err="1" smtClean="0">
+                        <a:rPr lang="ko-KR" altLang="en-US" sz="1500" b="0" i="1" u="none" strike="noStrike" spc="-100" dirty="0" err="1">
                           <a:solidFill>
                             <a:schemeClr val="bg2">
                               <a:lumMod val="25000"/>
@@ -18835,7 +17824,7 @@
                         <a:t>팀별</a:t>
                       </a:r>
                       <a:r>
-                        <a:rPr lang="ko-KR" altLang="en-US" sz="1500" b="0" i="1" u="none" strike="noStrike" spc="-100" dirty="0" smtClean="0">
+                        <a:rPr lang="ko-KR" altLang="en-US" sz="1500" b="0" i="1" u="none" strike="noStrike" spc="-100" dirty="0">
                           <a:solidFill>
                             <a:schemeClr val="bg2">
                               <a:lumMod val="25000"/>
@@ -18847,16 +17836,6 @@
                         </a:rPr>
                         <a:t> 중간보고 실시</a:t>
                       </a:r>
-                      <a:endParaRPr lang="ko-KR" altLang="en-US" sz="1500" b="0" i="1" u="none" strike="noStrike" spc="-100" dirty="0">
-                        <a:solidFill>
-                          <a:schemeClr val="bg2">
-                            <a:lumMod val="25000"/>
-                          </a:schemeClr>
-                        </a:solidFill>
-                        <a:effectLst/>
-                        <a:latin typeface="+mn-ea"/>
-                        <a:ea typeface="+mn-ea"/>
-                      </a:endParaRPr>
                     </a:p>
                   </a:txBody>
                   <a:tcPr marL="33437" marR="3915" marT="3915" marB="0" anchor="ctr">
@@ -18931,7 +17910,7 @@
                         <a:defRPr/>
                       </a:pPr>
                       <a:r>
-                        <a:rPr kumimoji="0" lang="ko-KR" altLang="en-US" sz="1500" b="0" i="1" u="none" strike="noStrike" kern="1200" cap="none" spc="-100" normalizeH="0" baseline="0" noProof="0" dirty="0" smtClean="0">
+                        <a:rPr kumimoji="0" lang="ko-KR" altLang="en-US" sz="1500" b="0" i="1" u="none" strike="noStrike" kern="1200" cap="none" spc="-100" normalizeH="0" baseline="0" noProof="0" dirty="0">
                           <a:ln>
                             <a:noFill/>
                           </a:ln>
@@ -18949,7 +17928,7 @@
                         </a:rPr>
                         <a:t>서비스 구축</a:t>
                       </a:r>
-                      <a:endParaRPr kumimoji="0" lang="ko-KR" altLang="en-US" sz="1500" b="1" i="1" u="none" strike="noStrike" kern="1200" cap="none" spc="-100" normalizeH="0" baseline="0" noProof="0" dirty="0" smtClean="0">
+                      <a:endParaRPr kumimoji="0" lang="ko-KR" altLang="en-US" sz="1500" b="1" i="1" u="none" strike="noStrike" kern="1200" cap="none" spc="-100" normalizeH="0" baseline="0" noProof="0" dirty="0">
                         <a:ln>
                           <a:noFill/>
                         </a:ln>
@@ -19032,7 +18011,7 @@
                         <a:defRPr/>
                       </a:pPr>
                       <a:r>
-                        <a:rPr lang="ko-KR" altLang="en-US" sz="1500" b="1" spc="-100" dirty="0" smtClean="0">
+                        <a:rPr lang="ko-KR" altLang="en-US" sz="1500" b="1" spc="-100" dirty="0">
                           <a:ln w="12700">
                             <a:solidFill>
                               <a:srgbClr val="939597"/>
@@ -19055,7 +18034,7 @@
                         <a:t>▶ </a:t>
                       </a:r>
                       <a:r>
-                        <a:rPr lang="en-US" altLang="ko-KR" sz="1500" i="1" u="none" spc="-100" dirty="0" smtClean="0">
+                        <a:rPr lang="en-US" altLang="ko-KR" sz="1500" i="1" u="none" spc="-100" dirty="0">
                           <a:solidFill>
                             <a:schemeClr val="bg2">
                               <a:lumMod val="25000"/>
@@ -19065,7 +18044,7 @@
                         <a:t>O/O(</a:t>
                       </a:r>
                       <a:r>
-                        <a:rPr lang="ko-KR" altLang="en-US" sz="1500" i="1" u="none" spc="-100" dirty="0" smtClean="0">
+                        <a:rPr lang="ko-KR" altLang="en-US" sz="1500" i="1" u="none" spc="-100" dirty="0">
                           <a:solidFill>
                             <a:schemeClr val="bg2">
                               <a:lumMod val="25000"/>
@@ -19075,7 +18054,7 @@
                         <a:t>월</a:t>
                       </a:r>
                       <a:r>
-                        <a:rPr lang="en-US" altLang="ko-KR" sz="1500" i="1" u="none" spc="-100" dirty="0" smtClean="0">
+                        <a:rPr lang="en-US" altLang="ko-KR" sz="1500" i="1" u="none" spc="-100" dirty="0">
                           <a:solidFill>
                             <a:schemeClr val="bg2">
                               <a:lumMod val="25000"/>
@@ -19085,7 +18064,7 @@
                         <a:t>) ~ O/O(</a:t>
                       </a:r>
                       <a:r>
-                        <a:rPr lang="ko-KR" altLang="en-US" sz="1500" i="1" u="none" spc="-100" dirty="0" smtClean="0">
+                        <a:rPr lang="ko-KR" altLang="en-US" sz="1500" i="1" u="none" spc="-100" dirty="0">
                           <a:solidFill>
                             <a:schemeClr val="bg2">
                               <a:lumMod val="25000"/>
@@ -19095,7 +18074,7 @@
                         <a:t>금</a:t>
                       </a:r>
                       <a:r>
-                        <a:rPr lang="en-US" altLang="ko-KR" sz="1500" i="1" u="none" spc="-100" dirty="0" smtClean="0">
+                        <a:rPr lang="en-US" altLang="ko-KR" sz="1500" i="1" u="none" spc="-100" dirty="0">
                           <a:solidFill>
                             <a:schemeClr val="bg2">
                               <a:lumMod val="25000"/>
@@ -19104,7 +18083,7 @@
                         </a:rPr>
                         <a:t>)</a:t>
                       </a:r>
-                      <a:endParaRPr lang="en-US" altLang="ko-KR" sz="1500" b="0" i="1" u="none" spc="-100" dirty="0" smtClean="0">
+                      <a:endParaRPr lang="en-US" altLang="ko-KR" sz="1500" b="0" i="1" u="none" spc="-100" dirty="0">
                         <a:solidFill>
                           <a:schemeClr val="bg2">
                             <a:lumMod val="25000"/>
@@ -19173,7 +18152,7 @@
                         <a:buNone/>
                       </a:pPr>
                       <a:r>
-                        <a:rPr lang="ko-KR" altLang="en-US" sz="1500" b="1" spc="-100" dirty="0" smtClean="0">
+                        <a:rPr lang="ko-KR" altLang="en-US" sz="1500" b="1" spc="-100" dirty="0">
                           <a:ln w="12700">
                             <a:solidFill>
                               <a:srgbClr val="939597"/>
@@ -19196,7 +18175,7 @@
                         <a:t>▶ </a:t>
                       </a:r>
                       <a:r>
-                        <a:rPr lang="ko-KR" altLang="en-US" sz="1500" b="0" i="1" u="none" strike="noStrike" spc="-100" dirty="0" smtClean="0">
+                        <a:rPr lang="ko-KR" altLang="en-US" sz="1500" b="0" i="1" u="none" strike="noStrike" spc="-100" dirty="0">
                           <a:solidFill>
                             <a:schemeClr val="bg2">
                               <a:lumMod val="25000"/>
@@ -19208,7 +18187,7 @@
                         </a:rPr>
                         <a:t>모바일 서비스 시스템 설계</a:t>
                       </a:r>
-                      <a:endParaRPr lang="en-US" altLang="ko-KR" sz="1500" b="0" i="1" u="none" strike="noStrike" spc="-100" dirty="0" smtClean="0">
+                      <a:endParaRPr lang="en-US" altLang="ko-KR" sz="1500" b="0" i="1" u="none" strike="noStrike" spc="-100" dirty="0">
                         <a:solidFill>
                           <a:schemeClr val="bg2">
                             <a:lumMod val="25000"/>
@@ -19231,7 +18210,7 @@
                         <a:buNone/>
                       </a:pPr>
                       <a:r>
-                        <a:rPr lang="ko-KR" altLang="en-US" sz="1500" b="1" spc="-100" dirty="0" smtClean="0">
+                        <a:rPr lang="ko-KR" altLang="en-US" sz="1500" b="1" spc="-100" dirty="0">
                           <a:ln w="12700">
                             <a:solidFill>
                               <a:srgbClr val="939597"/>
@@ -19254,7 +18233,7 @@
                         <a:t>▶ </a:t>
                       </a:r>
                       <a:r>
-                        <a:rPr lang="ko-KR" altLang="en-US" sz="1500" b="0" i="1" u="none" strike="noStrike" spc="-100" dirty="0" smtClean="0">
+                        <a:rPr lang="ko-KR" altLang="en-US" sz="1500" b="0" i="1" u="none" strike="noStrike" spc="-100" dirty="0">
                           <a:solidFill>
                             <a:schemeClr val="bg2">
                               <a:lumMod val="25000"/>
@@ -19266,16 +18245,6 @@
                         </a:rPr>
                         <a:t>모바일 플랫폼 구현</a:t>
                       </a:r>
-                      <a:endParaRPr lang="ko-KR" altLang="en-US" sz="1500" b="0" i="1" u="none" strike="noStrike" spc="-100" dirty="0">
-                        <a:solidFill>
-                          <a:schemeClr val="bg2">
-                            <a:lumMod val="25000"/>
-                          </a:schemeClr>
-                        </a:solidFill>
-                        <a:effectLst/>
-                        <a:latin typeface="+mn-ea"/>
-                        <a:ea typeface="+mn-ea"/>
-                      </a:endParaRPr>
                     </a:p>
                   </a:txBody>
                   <a:tcPr marL="33437" marR="3915" marT="3915" marB="0" anchor="ctr">
@@ -19336,7 +18305,7 @@
                         <a:buNone/>
                       </a:pPr>
                       <a:r>
-                        <a:rPr lang="ko-KR" altLang="en-US" sz="1500" b="1" spc="-100" dirty="0" smtClean="0">
+                        <a:rPr lang="ko-KR" altLang="en-US" sz="1500" b="1" spc="-100" dirty="0">
                           <a:ln w="12700">
                             <a:solidFill>
                               <a:srgbClr val="939597"/>
@@ -19359,7 +18328,7 @@
                         <a:t>▶ </a:t>
                       </a:r>
                       <a:r>
-                        <a:rPr lang="ko-KR" altLang="en-US" sz="1500" i="1" u="none" strike="noStrike" spc="-100" dirty="0" smtClean="0">
+                        <a:rPr lang="ko-KR" altLang="en-US" sz="1500" i="1" u="none" strike="noStrike" spc="-100" dirty="0">
                           <a:solidFill>
                             <a:schemeClr val="bg2">
                               <a:lumMod val="25000"/>
@@ -19370,7 +18339,7 @@
                         <a:t>최적화</a:t>
                       </a:r>
                       <a:r>
-                        <a:rPr lang="en-US" altLang="ko-KR" sz="1500" i="1" u="none" strike="noStrike" spc="-100" dirty="0" smtClean="0">
+                        <a:rPr lang="en-US" altLang="ko-KR" sz="1500" i="1" u="none" strike="noStrike" spc="-100" dirty="0">
                           <a:solidFill>
                             <a:schemeClr val="bg2">
                               <a:lumMod val="25000"/>
@@ -19381,7 +18350,7 @@
                         <a:t>,</a:t>
                       </a:r>
                       <a:r>
-                        <a:rPr lang="en-US" altLang="ko-KR" sz="1500" i="1" u="none" strike="noStrike" spc="-100" baseline="0" dirty="0" smtClean="0">
+                        <a:rPr lang="en-US" altLang="ko-KR" sz="1500" i="1" u="none" strike="noStrike" spc="-100" baseline="0" dirty="0">
                           <a:solidFill>
                             <a:schemeClr val="bg2">
                               <a:lumMod val="25000"/>
@@ -19392,7 +18361,7 @@
                         <a:t> </a:t>
                       </a:r>
                       <a:r>
-                        <a:rPr lang="ko-KR" altLang="en-US" sz="1500" i="1" u="none" strike="noStrike" spc="-100" baseline="0" dirty="0" smtClean="0">
+                        <a:rPr lang="ko-KR" altLang="en-US" sz="1500" i="1" u="none" strike="noStrike" spc="-100" baseline="0" dirty="0">
                           <a:solidFill>
                             <a:schemeClr val="bg2">
                               <a:lumMod val="25000"/>
@@ -19486,7 +18455,7 @@
                         <a:defRPr/>
                       </a:pPr>
                       <a:r>
-                        <a:rPr kumimoji="0" lang="ko-KR" altLang="en-US" sz="1500" i="1" u="none" strike="noStrike" kern="1200" cap="none" spc="-100" normalizeH="0" baseline="0" noProof="0" dirty="0" smtClean="0">
+                        <a:rPr kumimoji="0" lang="ko-KR" altLang="en-US" sz="1500" i="1" u="none" strike="noStrike" kern="1200" cap="none" spc="-100" normalizeH="0" baseline="0" noProof="0" dirty="0">
                           <a:ln>
                             <a:noFill/>
                           </a:ln>
@@ -19501,7 +18470,7 @@
                         </a:rPr>
                         <a:t>총 개발기간</a:t>
                       </a:r>
-                      <a:endParaRPr kumimoji="0" lang="ko-KR" altLang="en-US" sz="1500" b="1" i="1" u="none" strike="noStrike" kern="1200" cap="none" spc="-100" normalizeH="0" baseline="0" noProof="0" dirty="0" smtClean="0">
+                      <a:endParaRPr kumimoji="0" lang="ko-KR" altLang="en-US" sz="1500" b="1" i="1" u="none" strike="noStrike" kern="1200" cap="none" spc="-100" normalizeH="0" baseline="0" noProof="0" dirty="0">
                         <a:ln>
                           <a:noFill/>
                         </a:ln>
@@ -19586,7 +18555,7 @@
                         <a:defRPr/>
                       </a:pPr>
                       <a:r>
-                        <a:rPr lang="ko-KR" altLang="en-US" sz="1500" b="1" spc="-100" dirty="0" smtClean="0">
+                        <a:rPr lang="ko-KR" altLang="en-US" sz="1500" b="1" spc="-100" dirty="0">
                           <a:ln w="12700">
                             <a:solidFill>
                               <a:srgbClr val="939597"/>
@@ -19609,7 +18578,7 @@
                         <a:t>▶ </a:t>
                       </a:r>
                       <a:r>
-                        <a:rPr lang="en-US" altLang="ko-KR" sz="1500" i="1" u="none" spc="-100" dirty="0" smtClean="0">
+                        <a:rPr lang="en-US" altLang="ko-KR" sz="1500" i="1" u="none" spc="-100" dirty="0">
                           <a:solidFill>
                             <a:schemeClr val="bg2">
                               <a:lumMod val="25000"/>
@@ -19619,7 +18588,7 @@
                         <a:t>O/O(</a:t>
                       </a:r>
                       <a:r>
-                        <a:rPr lang="ko-KR" altLang="en-US" sz="1500" i="1" u="none" spc="-100" dirty="0" smtClean="0">
+                        <a:rPr lang="ko-KR" altLang="en-US" sz="1500" i="1" u="none" spc="-100" dirty="0">
                           <a:solidFill>
                             <a:schemeClr val="bg2">
                               <a:lumMod val="25000"/>
@@ -19629,7 +18598,7 @@
                         <a:t>월</a:t>
                       </a:r>
                       <a:r>
-                        <a:rPr lang="en-US" altLang="ko-KR" sz="1500" i="1" u="none" spc="-100" dirty="0" smtClean="0">
+                        <a:rPr lang="en-US" altLang="ko-KR" sz="1500" i="1" u="none" spc="-100" dirty="0">
                           <a:solidFill>
                             <a:schemeClr val="bg2">
                               <a:lumMod val="25000"/>
@@ -19639,7 +18608,7 @@
                         <a:t>) ~ O/O(</a:t>
                       </a:r>
                       <a:r>
-                        <a:rPr lang="ko-KR" altLang="en-US" sz="1500" i="1" u="none" spc="-100" dirty="0" smtClean="0">
+                        <a:rPr lang="ko-KR" altLang="en-US" sz="1500" i="1" u="none" spc="-100" dirty="0">
                           <a:solidFill>
                             <a:schemeClr val="bg2">
                               <a:lumMod val="25000"/>
@@ -19649,7 +18618,7 @@
                         <a:t>금</a:t>
                       </a:r>
                       <a:r>
-                        <a:rPr lang="en-US" altLang="ko-KR" sz="1500" i="1" u="none" spc="-100" dirty="0" smtClean="0">
+                        <a:rPr lang="en-US" altLang="ko-KR" sz="1500" i="1" u="none" spc="-100" dirty="0">
                           <a:solidFill>
                             <a:schemeClr val="bg2">
                               <a:lumMod val="25000"/>
@@ -19659,7 +18628,7 @@
                         <a:t>)(</a:t>
                       </a:r>
                       <a:r>
-                        <a:rPr lang="ko-KR" altLang="en-US" sz="1500" i="1" u="none" spc="-100" dirty="0" smtClean="0">
+                        <a:rPr lang="ko-KR" altLang="en-US" sz="1500" i="1" u="none" spc="-100" dirty="0">
                           <a:solidFill>
                             <a:schemeClr val="bg2">
                               <a:lumMod val="25000"/>
@@ -19669,7 +18638,7 @@
                         <a:t>총 </a:t>
                       </a:r>
                       <a:r>
-                        <a:rPr lang="en-US" altLang="ko-KR" sz="1500" i="1" u="none" spc="-100" dirty="0" smtClean="0">
+                        <a:rPr lang="en-US" altLang="ko-KR" sz="1500" i="1" u="none" spc="-100" dirty="0">
                           <a:solidFill>
                             <a:schemeClr val="bg2">
                               <a:lumMod val="25000"/>
@@ -19679,7 +18648,7 @@
                         <a:t>7</a:t>
                       </a:r>
                       <a:r>
-                        <a:rPr lang="ko-KR" altLang="en-US" sz="1500" i="1" u="none" spc="-100" dirty="0" smtClean="0">
+                        <a:rPr lang="ko-KR" altLang="en-US" sz="1500" i="1" u="none" spc="-100" dirty="0">
                           <a:solidFill>
                             <a:schemeClr val="bg2">
                               <a:lumMod val="25000"/>
@@ -19689,7 +18658,7 @@
                         <a:t>주</a:t>
                       </a:r>
                       <a:r>
-                        <a:rPr lang="en-US" altLang="ko-KR" sz="1500" i="1" u="none" spc="-100" dirty="0" smtClean="0">
+                        <a:rPr lang="en-US" altLang="ko-KR" sz="1500" i="1" u="none" spc="-100" dirty="0">
                           <a:solidFill>
                             <a:schemeClr val="bg2">
                               <a:lumMod val="25000"/>
@@ -19698,7 +18667,7 @@
                         </a:rPr>
                         <a:t>)</a:t>
                       </a:r>
-                      <a:endParaRPr lang="en-US" altLang="ko-KR" sz="1500" b="0" i="1" u="none" spc="-100" dirty="0" smtClean="0">
+                      <a:endParaRPr lang="en-US" altLang="ko-KR" sz="1500" b="0" i="1" u="none" spc="-100" dirty="0">
                         <a:solidFill>
                           <a:schemeClr val="bg2">
                             <a:lumMod val="25000"/>
@@ -19769,7 +18738,7 @@
                         <a:buNone/>
                       </a:pPr>
                       <a:r>
-                        <a:rPr lang="en-US" altLang="ko-KR" sz="1500" i="1" u="none" strike="noStrike" spc="-100" dirty="0" smtClean="0">
+                        <a:rPr lang="en-US" altLang="ko-KR" sz="1500" i="1" u="none" strike="noStrike" spc="-100" dirty="0">
                           <a:solidFill>
                             <a:schemeClr val="bg2">
                               <a:lumMod val="25000"/>
@@ -19851,7 +18820,7 @@
                         <a:buNone/>
                       </a:pPr>
                       <a:r>
-                        <a:rPr lang="en-US" altLang="ko-KR" sz="1500" i="1" u="none" strike="noStrike" spc="-100" dirty="0" smtClean="0">
+                        <a:rPr lang="en-US" altLang="ko-KR" sz="1500" i="1" u="none" strike="noStrike" spc="-100" dirty="0">
                           <a:solidFill>
                             <a:schemeClr val="bg2">
                               <a:lumMod val="25000"/>
@@ -19950,7 +18919,7 @@
           <a:lstStyle/>
           <a:p>
             <a:r>
-              <a:rPr lang="ko-KR" altLang="en-US" sz="2800" b="1" dirty="0" smtClean="0">
+              <a:rPr lang="ko-KR" altLang="en-US" sz="2800" b="1" dirty="0">
                 <a:ln w="12700">
                   <a:solidFill>
                     <a:srgbClr val="939597"/>
@@ -19977,31 +18946,6 @@
               </a:rPr>
               <a:t>▶</a:t>
             </a:r>
-            <a:endParaRPr lang="ko-KR" altLang="en-US" sz="2800" b="1" dirty="0">
-              <a:ln w="12700">
-                <a:solidFill>
-                  <a:srgbClr val="939597"/>
-                </a:solidFill>
-                <a:prstDash val="solid"/>
-              </a:ln>
-              <a:pattFill prst="dkUpDiag">
-                <a:fgClr>
-                  <a:srgbClr val="939597"/>
-                </a:fgClr>
-                <a:bgClr>
-                  <a:schemeClr val="bg2">
-                    <a:lumMod val="90000"/>
-                  </a:schemeClr>
-                </a:bgClr>
-              </a:pattFill>
-              <a:effectLst>
-                <a:outerShdw dist="38100" dir="2640000" algn="bl" rotWithShape="0">
-                  <a:srgbClr val="939597"/>
-                </a:outerShdw>
-              </a:effectLst>
-              <a:latin typeface="HY견고딕" panose="02030600000101010101" pitchFamily="18" charset="-127"/>
-              <a:ea typeface="HY견고딕" panose="02030600000101010101" pitchFamily="18" charset="-127"/>
-            </a:endParaRPr>
           </a:p>
         </p:txBody>
       </p:sp>
@@ -20181,7 +19125,7 @@
               <a:t>03</a:t>
             </a:r>
             <a:r>
-              <a:rPr lang="en-US" altLang="ko-KR" sz="4000" b="1" dirty="0" smtClean="0">
+              <a:rPr lang="en-US" altLang="ko-KR" sz="4000" b="1" dirty="0">
                 <a:solidFill>
                   <a:srgbClr val="445569"/>
                 </a:solidFill>
@@ -20331,7 +19275,7 @@
               <a:defRPr/>
             </a:pPr>
             <a:r>
-              <a:rPr lang="ko-KR" altLang="en-US" sz="1600" spc="-150" dirty="0" smtClean="0">
+              <a:rPr lang="ko-KR" altLang="en-US" sz="1600" spc="-150" dirty="0">
                 <a:solidFill>
                   <a:schemeClr val="bg2">
                     <a:lumMod val="25000"/>
@@ -20339,10 +19283,10 @@
                 </a:solidFill>
                 <a:latin typeface="+mn-ea"/>
               </a:rPr>
-              <a:t>프로젝트 </a:t>
-            </a:r>
-            <a:r>
-              <a:rPr lang="ko-KR" altLang="en-US" sz="1600" spc="-150" dirty="0">
+              <a:t>프로젝트 수행 절차를 도식화하여 제시하거나</a:t>
+            </a:r>
+            <a:r>
+              <a:rPr lang="en-US" altLang="ko-KR" sz="1600" spc="-150" dirty="0">
                 <a:solidFill>
                   <a:schemeClr val="bg2">
                     <a:lumMod val="25000"/>
@@ -20350,10 +19294,10 @@
                 </a:solidFill>
                 <a:latin typeface="+mn-ea"/>
               </a:rPr>
-              <a:t>수행 절차를 도식화하여 제시하거나</a:t>
-            </a:r>
-            <a:r>
-              <a:rPr lang="en-US" altLang="ko-KR" sz="1600" spc="-150" dirty="0">
+              <a:t>, </a:t>
+            </a:r>
+            <a:r>
+              <a:rPr lang="ko-KR" altLang="en-US" sz="1600" spc="-150" dirty="0">
                 <a:solidFill>
                   <a:schemeClr val="bg2">
                     <a:lumMod val="25000"/>
@@ -20361,10 +19305,10 @@
                 </a:solidFill>
                 <a:latin typeface="+mn-ea"/>
               </a:rPr>
-              <a:t>, </a:t>
-            </a:r>
-            <a:r>
-              <a:rPr lang="ko-KR" altLang="en-US" sz="1600" spc="-150" dirty="0">
+              <a:t>더 효과적으로 전달하는 방법 등이 있다면</a:t>
+            </a:r>
+            <a:r>
+              <a:rPr lang="en-US" altLang="ko-KR" sz="1600" spc="-150" dirty="0">
                 <a:solidFill>
                   <a:schemeClr val="bg2">
                     <a:lumMod val="25000"/>
@@ -20372,10 +19316,10 @@
                 </a:solidFill>
                 <a:latin typeface="+mn-ea"/>
               </a:rPr>
-              <a:t>더 효과적으로 전달하는 방법 등이 </a:t>
-            </a:r>
-            <a:r>
-              <a:rPr lang="ko-KR" altLang="en-US" sz="1600" spc="-150" dirty="0" smtClean="0">
+              <a:t> </a:t>
+            </a:r>
+            <a:r>
+              <a:rPr lang="ko-KR" altLang="en-US" sz="1600" spc="-150" dirty="0">
                 <a:solidFill>
                   <a:schemeClr val="bg2">
                     <a:lumMod val="25000"/>
@@ -20383,53 +19327,9 @@
                 </a:solidFill>
                 <a:latin typeface="+mn-ea"/>
               </a:rPr>
-              <a:t>있다면</a:t>
-            </a:r>
-            <a:r>
-              <a:rPr lang="en-US" altLang="ko-KR" sz="1600" spc="-150" dirty="0">
-                <a:solidFill>
-                  <a:schemeClr val="bg2">
-                    <a:lumMod val="25000"/>
-                  </a:schemeClr>
-                </a:solidFill>
-                <a:latin typeface="+mn-ea"/>
-              </a:rPr>
-              <a:t> </a:t>
-            </a:r>
-            <a:r>
-              <a:rPr lang="ko-KR" altLang="en-US" sz="1600" spc="-150" dirty="0" smtClean="0">
-                <a:solidFill>
-                  <a:schemeClr val="bg2">
-                    <a:lumMod val="25000"/>
-                  </a:schemeClr>
-                </a:solidFill>
-                <a:latin typeface="+mn-ea"/>
-              </a:rPr>
-              <a:t>수정하여 </a:t>
-            </a:r>
-            <a:r>
-              <a:rPr lang="ko-KR" altLang="en-US" sz="1600" spc="-150" dirty="0">
-                <a:solidFill>
-                  <a:schemeClr val="bg2">
-                    <a:lumMod val="25000"/>
-                  </a:schemeClr>
-                </a:solidFill>
-                <a:latin typeface="+mn-ea"/>
-              </a:rPr>
-              <a:t>작성 </a:t>
-            </a:r>
-            <a:r>
-              <a:rPr lang="ko-KR" altLang="en-US" sz="1600" spc="-150" dirty="0" smtClean="0">
-                <a:solidFill>
-                  <a:schemeClr val="bg2">
-                    <a:lumMod val="25000"/>
-                  </a:schemeClr>
-                </a:solidFill>
-                <a:latin typeface="+mn-ea"/>
-              </a:rPr>
-              <a:t>가능</a:t>
-            </a:r>
-            <a:endParaRPr lang="en-US" altLang="ko-KR" sz="1600" spc="-150" dirty="0" smtClean="0">
+              <a:t>수정하여 작성 가능</a:t>
+            </a:r>
+            <a:endParaRPr lang="en-US" altLang="ko-KR" sz="1600" spc="-150" dirty="0">
               <a:solidFill>
                 <a:schemeClr val="bg2">
                   <a:lumMod val="25000"/>
@@ -20450,13 +19350,6 @@
   <p:clrMapOvr>
     <a:masterClrMapping/>
   </p:clrMapOvr>
-  <p:timing>
-    <p:tnLst>
-      <p:par>
-        <p:cTn id="1" dur="indefinite" restart="never" nodeType="tmRoot"/>
-      </p:par>
-    </p:tnLst>
-  </p:timing>
 </p:sld>
 </file>
 
@@ -20592,7 +19485,7 @@
               <a:defRPr/>
             </a:pPr>
             <a:r>
-              <a:rPr lang="ko-KR" altLang="en-US" sz="1600" spc="-100" dirty="0" smtClean="0">
+              <a:rPr lang="ko-KR" altLang="en-US" sz="1600" spc="-100" dirty="0">
                 <a:solidFill>
                   <a:schemeClr val="bg2">
                     <a:lumMod val="25000"/>
@@ -20601,10 +19494,10 @@
                 <a:latin typeface="+mn-ea"/>
                 <a:ea typeface="+mn-ea"/>
               </a:rPr>
-              <a:t>예시는 </a:t>
-            </a:r>
-            <a:r>
-              <a:rPr lang="ko-KR" altLang="en-US" sz="1600" spc="-100" dirty="0">
+              <a:t>예시는 하나의 사례로 간단하게 제시한 것이므로 프로젝트의 성격에 따라 보다 자세하게 기록하며</a:t>
+            </a:r>
+            <a:r>
+              <a:rPr lang="en-US" altLang="ko-KR" sz="1600" spc="-100" dirty="0">
                 <a:solidFill>
                   <a:schemeClr val="bg2">
                     <a:lumMod val="25000"/>
@@ -20613,10 +19506,10 @@
                 <a:latin typeface="+mn-ea"/>
                 <a:ea typeface="+mn-ea"/>
               </a:rPr>
-              <a:t>하나의 사례로 간단하게 제시한 것이므로 프로젝트의 성격에 따라 보다 </a:t>
-            </a:r>
-            <a:r>
-              <a:rPr lang="ko-KR" altLang="en-US" sz="1600" spc="-100" dirty="0" smtClean="0">
+              <a:t>, </a:t>
+            </a:r>
+            <a:r>
+              <a:rPr lang="ko-KR" altLang="en-US" sz="1600" spc="-100" dirty="0">
                 <a:solidFill>
                   <a:schemeClr val="bg2">
                     <a:lumMod val="25000"/>
@@ -20625,10 +19518,10 @@
                 <a:latin typeface="+mn-ea"/>
                 <a:ea typeface="+mn-ea"/>
               </a:rPr>
-              <a:t>자세하게 </a:t>
-            </a:r>
-            <a:r>
-              <a:rPr lang="ko-KR" altLang="en-US" sz="1600" spc="-100" dirty="0">
+              <a:t>결과를 서술하는 과정에서는 활용된 기술</a:t>
+            </a:r>
+            <a:r>
+              <a:rPr lang="en-US" altLang="ko-KR" sz="1600" spc="-100" dirty="0">
                 <a:solidFill>
                   <a:schemeClr val="bg2">
                     <a:lumMod val="25000"/>
@@ -20637,10 +19530,10 @@
                 <a:latin typeface="+mn-ea"/>
                 <a:ea typeface="+mn-ea"/>
               </a:rPr>
-              <a:t>기록하며</a:t>
-            </a:r>
-            <a:r>
-              <a:rPr lang="en-US" altLang="ko-KR" sz="1600" spc="-100" dirty="0">
+              <a:t>(</a:t>
+            </a:r>
+            <a:r>
+              <a:rPr lang="ko-KR" altLang="en-US" sz="1600" spc="-100" dirty="0">
                 <a:solidFill>
                   <a:schemeClr val="bg2">
                     <a:lumMod val="25000"/>
@@ -20649,10 +19542,10 @@
                 <a:latin typeface="+mn-ea"/>
                 <a:ea typeface="+mn-ea"/>
               </a:rPr>
-              <a:t>, </a:t>
-            </a:r>
-            <a:r>
-              <a:rPr lang="ko-KR" altLang="en-US" sz="1600" spc="-100" dirty="0">
+              <a:t>구현 방법</a:t>
+            </a:r>
+            <a:r>
+              <a:rPr lang="en-US" altLang="ko-KR" sz="1600" spc="-100" dirty="0">
                 <a:solidFill>
                   <a:schemeClr val="bg2">
                     <a:lumMod val="25000"/>
@@ -20661,10 +19554,10 @@
                 <a:latin typeface="+mn-ea"/>
                 <a:ea typeface="+mn-ea"/>
               </a:rPr>
-              <a:t>결과를 서술하는 </a:t>
-            </a:r>
-            <a:r>
-              <a:rPr lang="ko-KR" altLang="en-US" sz="1600" spc="-100" dirty="0" smtClean="0">
+              <a:t>), </a:t>
+            </a:r>
+            <a:r>
+              <a:rPr lang="ko-KR" altLang="en-US" sz="1600" spc="-100" dirty="0">
                 <a:solidFill>
                   <a:schemeClr val="bg2">
                     <a:lumMod val="25000"/>
@@ -20673,10 +19566,10 @@
                 <a:latin typeface="+mn-ea"/>
                 <a:ea typeface="+mn-ea"/>
               </a:rPr>
-              <a:t>과정에서는 활용된 기술</a:t>
-            </a:r>
-            <a:r>
-              <a:rPr lang="en-US" altLang="ko-KR" sz="1600" spc="-100" dirty="0" smtClean="0">
+              <a:t>핵심기능</a:t>
+            </a:r>
+            <a:r>
+              <a:rPr lang="en-US" altLang="ko-KR" sz="1600" spc="-100" dirty="0">
                 <a:solidFill>
                   <a:schemeClr val="bg2">
                     <a:lumMod val="25000"/>
@@ -20685,10 +19578,10 @@
                 <a:latin typeface="+mn-ea"/>
                 <a:ea typeface="+mn-ea"/>
               </a:rPr>
-              <a:t>(</a:t>
-            </a:r>
-            <a:r>
-              <a:rPr lang="ko-KR" altLang="en-US" sz="1600" spc="-100" dirty="0" smtClean="0">
+              <a:t>, </a:t>
+            </a:r>
+            <a:r>
+              <a:rPr lang="ko-KR" altLang="en-US" sz="1600" spc="-100" dirty="0">
                 <a:solidFill>
                   <a:schemeClr val="bg2">
                     <a:lumMod val="25000"/>
@@ -20697,10 +19590,10 @@
                 <a:latin typeface="+mn-ea"/>
                 <a:ea typeface="+mn-ea"/>
               </a:rPr>
-              <a:t>구현 방법</a:t>
-            </a:r>
-            <a:r>
-              <a:rPr lang="en-US" altLang="ko-KR" sz="1600" spc="-100" dirty="0" smtClean="0">
+              <a:t>검증 결과</a:t>
+            </a:r>
+            <a:r>
+              <a:rPr lang="en-US" altLang="ko-KR" sz="1600" spc="-100" dirty="0">
                 <a:solidFill>
                   <a:schemeClr val="bg2">
                     <a:lumMod val="25000"/>
@@ -20709,10 +19602,10 @@
                 <a:latin typeface="+mn-ea"/>
                 <a:ea typeface="+mn-ea"/>
               </a:rPr>
-              <a:t>), </a:t>
-            </a:r>
-            <a:r>
-              <a:rPr lang="ko-KR" altLang="en-US" sz="1600" spc="-100" dirty="0" smtClean="0">
+              <a:t>*</a:t>
+            </a:r>
+            <a:r>
+              <a:rPr lang="ko-KR" altLang="en-US" sz="1600" spc="-100" dirty="0">
                 <a:solidFill>
                   <a:schemeClr val="bg2">
                     <a:lumMod val="25000"/>
@@ -20721,10 +19614,10 @@
                 <a:latin typeface="+mn-ea"/>
                 <a:ea typeface="+mn-ea"/>
               </a:rPr>
-              <a:t>핵심기능</a:t>
-            </a:r>
-            <a:r>
-              <a:rPr lang="en-US" altLang="ko-KR" sz="1600" spc="-100" dirty="0" smtClean="0">
+              <a:t> 등을 상세히 기재한다</a:t>
+            </a:r>
+            <a:r>
+              <a:rPr lang="en-US" altLang="ko-KR" sz="1600" spc="-100" dirty="0">
                 <a:solidFill>
                   <a:schemeClr val="bg2">
                     <a:lumMod val="25000"/>
@@ -20733,57 +19626,9 @@
                 <a:latin typeface="+mn-ea"/>
                 <a:ea typeface="+mn-ea"/>
               </a:rPr>
-              <a:t>, </a:t>
-            </a:r>
-            <a:r>
-              <a:rPr lang="ko-KR" altLang="en-US" sz="1600" spc="-100" dirty="0" smtClean="0">
-                <a:solidFill>
-                  <a:schemeClr val="bg2">
-                    <a:lumMod val="25000"/>
-                  </a:schemeClr>
-                </a:solidFill>
-                <a:latin typeface="+mn-ea"/>
-                <a:ea typeface="+mn-ea"/>
-              </a:rPr>
-              <a:t>검증 결과</a:t>
-            </a:r>
-            <a:r>
-              <a:rPr lang="en-US" altLang="ko-KR" sz="1600" spc="-100" dirty="0" smtClean="0">
-                <a:solidFill>
-                  <a:schemeClr val="bg2">
-                    <a:lumMod val="25000"/>
-                  </a:schemeClr>
-                </a:solidFill>
-                <a:latin typeface="+mn-ea"/>
-                <a:ea typeface="+mn-ea"/>
-              </a:rPr>
-              <a:t>*</a:t>
-            </a:r>
-            <a:r>
-              <a:rPr lang="ko-KR" altLang="en-US" sz="1600" spc="-100" dirty="0" smtClean="0">
-                <a:solidFill>
-                  <a:schemeClr val="bg2">
-                    <a:lumMod val="25000"/>
-                  </a:schemeClr>
-                </a:solidFill>
-                <a:latin typeface="+mn-ea"/>
-                <a:ea typeface="+mn-ea"/>
-              </a:rPr>
-              <a:t> 등을 상세히 기재한다</a:t>
-            </a:r>
-            <a:r>
-              <a:rPr lang="en-US" altLang="ko-KR" sz="1600" spc="-100" dirty="0" smtClean="0">
-                <a:solidFill>
-                  <a:schemeClr val="bg2">
-                    <a:lumMod val="25000"/>
-                  </a:schemeClr>
-                </a:solidFill>
-                <a:latin typeface="+mn-ea"/>
-                <a:ea typeface="+mn-ea"/>
-              </a:rPr>
               <a:t>.</a:t>
             </a:r>
-            <a:endParaRPr lang="en-US" altLang="ko-KR" sz="1600" spc="-100" dirty="0" smtClean="0">
+            <a:endParaRPr lang="en-US" altLang="ko-KR" sz="1600" spc="-100" dirty="0">
               <a:solidFill>
                 <a:schemeClr val="bg2">
                   <a:lumMod val="25000"/>
@@ -20970,7 +19815,7 @@
               <a:t>04</a:t>
             </a:r>
             <a:r>
-              <a:rPr lang="en-US" altLang="ko-KR" sz="4000" b="1" dirty="0" smtClean="0">
+              <a:rPr lang="en-US" altLang="ko-KR" sz="4000" b="1" dirty="0">
                 <a:solidFill>
                   <a:srgbClr val="445569"/>
                 </a:solidFill>
@@ -21112,7 +19957,7 @@
           <a:lstStyle/>
           <a:p>
             <a:r>
-              <a:rPr lang="ko-KR" altLang="en-US" sz="2800" b="1" dirty="0" smtClean="0">
+              <a:rPr lang="ko-KR" altLang="en-US" sz="2800" b="1" dirty="0">
                 <a:ln w="12700">
                   <a:solidFill>
                     <a:srgbClr val="939597"/>
@@ -21139,31 +19984,6 @@
               </a:rPr>
               <a:t>▶</a:t>
             </a:r>
-            <a:endParaRPr lang="ko-KR" altLang="en-US" sz="2800" b="1" dirty="0">
-              <a:ln w="12700">
-                <a:solidFill>
-                  <a:srgbClr val="939597"/>
-                </a:solidFill>
-                <a:prstDash val="solid"/>
-              </a:ln>
-              <a:pattFill prst="dkUpDiag">
-                <a:fgClr>
-                  <a:srgbClr val="939597"/>
-                </a:fgClr>
-                <a:bgClr>
-                  <a:schemeClr val="bg2">
-                    <a:lumMod val="90000"/>
-                  </a:schemeClr>
-                </a:bgClr>
-              </a:pattFill>
-              <a:effectLst>
-                <a:outerShdw dist="38100" dir="2640000" algn="bl" rotWithShape="0">
-                  <a:srgbClr val="939597"/>
-                </a:outerShdw>
-              </a:effectLst>
-              <a:latin typeface="HY견고딕" panose="02030600000101010101" pitchFamily="18" charset="-127"/>
-              <a:ea typeface="HY견고딕" panose="02030600000101010101" pitchFamily="18" charset="-127"/>
-            </a:endParaRPr>
           </a:p>
         </p:txBody>
       </p:sp>
@@ -21274,7 +20094,7 @@
               <a:defRPr/>
             </a:pPr>
             <a:r>
-              <a:rPr lang="ko-KR" altLang="en-US" sz="1600" spc="-100" dirty="0" smtClean="0">
+              <a:rPr lang="ko-KR" altLang="en-US" sz="1600" spc="-100" dirty="0">
                 <a:solidFill>
                   <a:schemeClr val="bg2">
                     <a:lumMod val="25000"/>
@@ -21283,33 +20103,9 @@
                 <a:latin typeface="+mn-ea"/>
                 <a:ea typeface="+mn-ea"/>
               </a:rPr>
-              <a:t>프로젝트의 </a:t>
-            </a:r>
-            <a:r>
-              <a:rPr lang="ko-KR" altLang="en-US" sz="1600" spc="-100" dirty="0">
-                <a:solidFill>
-                  <a:schemeClr val="bg2">
-                    <a:lumMod val="25000"/>
-                  </a:schemeClr>
-                </a:solidFill>
-                <a:latin typeface="+mn-ea"/>
-                <a:ea typeface="+mn-ea"/>
-              </a:rPr>
-              <a:t>결과는 그 과정이 잘 드러날 수 있도록 가공 과정부터 활용까지 전체적인 프로세스를 확인할 수 있도록 단계별로 </a:t>
-            </a:r>
-            <a:r>
-              <a:rPr lang="ko-KR" altLang="en-US" sz="1600" spc="-100" dirty="0" smtClean="0">
-                <a:solidFill>
-                  <a:schemeClr val="bg2">
-                    <a:lumMod val="25000"/>
-                  </a:schemeClr>
-                </a:solidFill>
-                <a:latin typeface="+mn-ea"/>
-                <a:ea typeface="+mn-ea"/>
-              </a:rPr>
-              <a:t>작성</a:t>
-            </a:r>
-            <a:endParaRPr lang="en-US" altLang="ko-KR" sz="1600" spc="-100" dirty="0" smtClean="0">
+              <a:t>프로젝트의 결과는 그 과정이 잘 드러날 수 있도록 가공 과정부터 활용까지 전체적인 프로세스를 확인할 수 있도록 단계별로 작성</a:t>
+            </a:r>
+            <a:endParaRPr lang="en-US" altLang="ko-KR" sz="1600" spc="-100" dirty="0">
               <a:solidFill>
                 <a:schemeClr val="bg2">
                   <a:lumMod val="25000"/>
@@ -21327,7 +20123,7 @@
               <a:defRPr/>
             </a:pPr>
             <a:r>
-              <a:rPr lang="en-US" altLang="ko-KR" sz="1600" spc="-100" dirty="0" smtClean="0">
+              <a:rPr lang="en-US" altLang="ko-KR" sz="1600" spc="-100" dirty="0">
                 <a:solidFill>
                   <a:schemeClr val="bg2">
                     <a:lumMod val="25000"/>
@@ -21336,10 +20132,10 @@
                 <a:latin typeface="+mn-ea"/>
                 <a:ea typeface="+mn-ea"/>
               </a:rPr>
-              <a:t>     </a:t>
-            </a:r>
-            <a:r>
-              <a:rPr lang="en-US" altLang="ko-KR" sz="1600" spc="-100" dirty="0">
+              <a:t>     * </a:t>
+            </a:r>
+            <a:r>
+              <a:rPr lang="ko-KR" altLang="en-US" sz="1600" spc="-100" dirty="0">
                 <a:solidFill>
                   <a:schemeClr val="bg2">
                     <a:lumMod val="25000"/>
@@ -21348,10 +20144,10 @@
                 <a:latin typeface="+mn-ea"/>
                 <a:ea typeface="+mn-ea"/>
               </a:rPr>
-              <a:t>* </a:t>
-            </a:r>
-            <a:r>
-              <a:rPr lang="ko-KR" altLang="en-US" sz="1600" spc="-100" dirty="0">
+              <a:t>첨부 자료 예시</a:t>
+            </a:r>
+            <a:r>
+              <a:rPr lang="en-US" altLang="ko-KR" sz="1600" spc="-100" dirty="0">
                 <a:solidFill>
                   <a:schemeClr val="bg2">
                     <a:lumMod val="25000"/>
@@ -21360,10 +20156,10 @@
                 <a:latin typeface="+mn-ea"/>
                 <a:ea typeface="+mn-ea"/>
               </a:rPr>
-              <a:t>첨부 자료 예시</a:t>
-            </a:r>
-            <a:r>
-              <a:rPr lang="en-US" altLang="ko-KR" sz="1600" spc="-100" dirty="0">
+              <a:t>: </a:t>
+            </a:r>
+            <a:r>
+              <a:rPr lang="ko-KR" altLang="en-US" sz="1600" spc="-100" dirty="0">
                 <a:solidFill>
                   <a:schemeClr val="bg2">
                     <a:lumMod val="25000"/>
@@ -21372,10 +20168,10 @@
                 <a:latin typeface="+mn-ea"/>
                 <a:ea typeface="+mn-ea"/>
               </a:rPr>
-              <a:t>: </a:t>
-            </a:r>
-            <a:r>
-              <a:rPr lang="ko-KR" altLang="en-US" sz="1600" spc="-100" dirty="0">
+              <a:t>결과물 사진</a:t>
+            </a:r>
+            <a:r>
+              <a:rPr lang="en-US" altLang="ko-KR" sz="1600" spc="-100" dirty="0">
                 <a:solidFill>
                   <a:schemeClr val="bg2">
                     <a:lumMod val="25000"/>
@@ -21384,10 +20180,10 @@
                 <a:latin typeface="+mn-ea"/>
                 <a:ea typeface="+mn-ea"/>
               </a:rPr>
-              <a:t>결과물 사진</a:t>
-            </a:r>
-            <a:r>
-              <a:rPr lang="en-US" altLang="ko-KR" sz="1600" spc="-100" dirty="0">
+              <a:t>, </a:t>
+            </a:r>
+            <a:r>
+              <a:rPr lang="ko-KR" altLang="en-US" sz="1600" spc="-100" dirty="0">
                 <a:solidFill>
                   <a:schemeClr val="bg2">
                     <a:lumMod val="25000"/>
@@ -21396,43 +20192,7 @@
                 <a:latin typeface="+mn-ea"/>
                 <a:ea typeface="+mn-ea"/>
               </a:rPr>
-              <a:t>, </a:t>
-            </a:r>
-            <a:r>
-              <a:rPr lang="ko-KR" altLang="en-US" sz="1600" spc="-100" dirty="0">
-                <a:solidFill>
-                  <a:schemeClr val="bg2">
-                    <a:lumMod val="25000"/>
-                  </a:schemeClr>
-                </a:solidFill>
-                <a:latin typeface="+mn-ea"/>
-                <a:ea typeface="+mn-ea"/>
-              </a:rPr>
-              <a:t>시연 동영상 등 프로젝트의 우수성이 </a:t>
-            </a:r>
-            <a:r>
-              <a:rPr lang="ko-KR" altLang="en-US" sz="1600" spc="-100" dirty="0" smtClean="0">
-                <a:solidFill>
-                  <a:schemeClr val="bg2">
-                    <a:lumMod val="25000"/>
-                  </a:schemeClr>
-                </a:solidFill>
-                <a:latin typeface="+mn-ea"/>
-                <a:ea typeface="+mn-ea"/>
-              </a:rPr>
-              <a:t>드러날 </a:t>
-            </a:r>
-            <a:r>
-              <a:rPr lang="ko-KR" altLang="en-US" sz="1600" spc="-100" dirty="0">
-                <a:solidFill>
-                  <a:schemeClr val="bg2">
-                    <a:lumMod val="25000"/>
-                  </a:schemeClr>
-                </a:solidFill>
-                <a:latin typeface="+mn-ea"/>
-                <a:ea typeface="+mn-ea"/>
-              </a:rPr>
-              <a:t>수 있는 자료</a:t>
+              <a:t>시연 동영상 등 프로젝트의 우수성이 드러날 수 있는 자료</a:t>
             </a:r>
           </a:p>
         </p:txBody>
@@ -21447,13 +20207,6 @@
   <p:clrMapOvr>
     <a:masterClrMapping/>
   </p:clrMapOvr>
-  <p:timing>
-    <p:tnLst>
-      <p:par>
-        <p:cTn id="1" dur="indefinite" restart="never" nodeType="tmRoot"/>
-      </p:par>
-    </p:tnLst>
-  </p:timing>
 </p:sld>
 </file>
 
@@ -21605,26 +20358,14 @@
                 <a:latin typeface="+mn-ea"/>
                 <a:ea typeface="+mn-ea"/>
               </a:rPr>
-              <a:t>(Train/dev set</a:t>
-            </a:r>
-            <a:r>
-              <a:rPr lang="en-US" altLang="ko-KR" b="1" spc="-100" dirty="0" smtClean="0">
-                <a:solidFill>
-                  <a:schemeClr val="bg2">
-                    <a:lumMod val="25000"/>
-                  </a:schemeClr>
-                </a:solidFill>
-                <a:latin typeface="+mn-ea"/>
-                <a:ea typeface="+mn-ea"/>
-              </a:rPr>
-              <a:t>)</a:t>
+              <a:t>(Train/dev set)</a:t>
             </a:r>
           </a:p>
           <a:p>
             <a:pPr>
               <a:defRPr/>
             </a:pPr>
-            <a:endParaRPr lang="en-US" altLang="ko-KR" sz="1600" b="1" spc="-100" dirty="0" smtClean="0">
+            <a:endParaRPr lang="en-US" altLang="ko-KR" sz="1600" b="1" spc="-100" dirty="0">
               <a:solidFill>
                 <a:schemeClr val="bg2">
                   <a:lumMod val="25000"/>
@@ -21701,7 +20442,7 @@
               <a:defRPr/>
             </a:pPr>
             <a:r>
-              <a:rPr lang="en-US" altLang="ko-KR" sz="1600" spc="-100" dirty="0" smtClean="0">
+              <a:rPr lang="en-US" altLang="ko-KR" sz="1600" spc="-100" dirty="0">
                 <a:solidFill>
                   <a:schemeClr val="bg2">
                     <a:lumMod val="25000"/>
@@ -21709,10 +20450,10 @@
                 </a:solidFill>
                 <a:latin typeface="+mn-ea"/>
               </a:rPr>
-              <a:t>Tokenizing </a:t>
-            </a:r>
-            <a:r>
-              <a:rPr lang="en-US" altLang="ko-KR" sz="1600" spc="-100" dirty="0">
+              <a:t>Tokenizing : </a:t>
+            </a:r>
+            <a:r>
+              <a:rPr lang="en-US" altLang="ko-KR" sz="1600" spc="-100" dirty="0" err="1">
                 <a:solidFill>
                   <a:schemeClr val="bg2">
                     <a:lumMod val="25000"/>
@@ -21720,20 +20461,9 @@
                 </a:solidFill>
                 <a:latin typeface="+mn-ea"/>
               </a:rPr>
-              <a:t>: </a:t>
-            </a:r>
-            <a:r>
-              <a:rPr lang="en-US" altLang="ko-KR" sz="1600" spc="-100" dirty="0" err="1" smtClean="0">
-                <a:solidFill>
-                  <a:schemeClr val="bg2">
-                    <a:lumMod val="25000"/>
-                  </a:schemeClr>
-                </a:solidFill>
-                <a:latin typeface="+mn-ea"/>
-              </a:rPr>
               <a:t>Okt</a:t>
             </a:r>
-            <a:endParaRPr lang="en-US" altLang="ko-KR" sz="1600" spc="-100" dirty="0" smtClean="0">
+            <a:endParaRPr lang="en-US" altLang="ko-KR" sz="1600" spc="-100" dirty="0">
               <a:solidFill>
                 <a:schemeClr val="bg2">
                   <a:lumMod val="25000"/>
@@ -21752,7 +20482,7 @@
               <a:defRPr/>
             </a:pPr>
             <a:r>
-              <a:rPr lang="en-US" altLang="ko-KR" sz="1600" spc="-100" dirty="0" smtClean="0">
+              <a:rPr lang="en-US" altLang="ko-KR" sz="1600" spc="-100" dirty="0">
                 <a:solidFill>
                   <a:schemeClr val="bg2">
                     <a:lumMod val="25000"/>
@@ -21760,10 +20490,10 @@
                 </a:solidFill>
                 <a:latin typeface="+mn-ea"/>
               </a:rPr>
-              <a:t>Regular </a:t>
-            </a:r>
-            <a:r>
-              <a:rPr lang="en-US" altLang="ko-KR" sz="1600" spc="-100" dirty="0">
+              <a:t>Regular Expression : </a:t>
+            </a:r>
+            <a:r>
+              <a:rPr lang="ko-KR" altLang="en-US" sz="1600" spc="-100" dirty="0" err="1">
                 <a:solidFill>
                   <a:schemeClr val="bg2">
                     <a:lumMod val="25000"/>
@@ -21771,10 +20501,10 @@
                 </a:solidFill>
                 <a:latin typeface="+mn-ea"/>
               </a:rPr>
-              <a:t>Expression : </a:t>
-            </a:r>
-            <a:r>
-              <a:rPr lang="ko-KR" altLang="en-US" sz="1600" spc="-100" dirty="0" err="1">
+              <a:t>불용어가</a:t>
+            </a:r>
+            <a:r>
+              <a:rPr lang="ko-KR" altLang="en-US" sz="1600" spc="-100" dirty="0">
                 <a:solidFill>
                   <a:schemeClr val="bg2">
                     <a:lumMod val="25000"/>
@@ -21782,10 +20512,10 @@
                 </a:solidFill>
                 <a:latin typeface="+mn-ea"/>
               </a:rPr>
-              <a:t>불용어가</a:t>
-            </a:r>
-            <a:r>
-              <a:rPr lang="ko-KR" altLang="en-US" sz="1600" spc="-100" dirty="0">
+              <a:t> 많아 필수 한글</a:t>
+            </a:r>
+            <a:r>
+              <a:rPr lang="en-US" altLang="ko-KR" sz="1600" spc="-100" dirty="0">
                 <a:solidFill>
                   <a:schemeClr val="bg2">
                     <a:lumMod val="25000"/>
@@ -21793,10 +20523,10 @@
                 </a:solidFill>
                 <a:latin typeface="+mn-ea"/>
               </a:rPr>
-              <a:t> 많아 필수 한글</a:t>
-            </a:r>
-            <a:r>
-              <a:rPr lang="en-US" altLang="ko-KR" sz="1600" spc="-100" dirty="0">
+              <a:t>, </a:t>
+            </a:r>
+            <a:r>
+              <a:rPr lang="ko-KR" altLang="en-US" sz="1600" spc="-100" dirty="0">
                 <a:solidFill>
                   <a:schemeClr val="bg2">
                     <a:lumMod val="25000"/>
@@ -21804,10 +20534,10 @@
                 </a:solidFill>
                 <a:latin typeface="+mn-ea"/>
               </a:rPr>
-              <a:t>, </a:t>
-            </a:r>
-            <a:r>
-              <a:rPr lang="ko-KR" altLang="en-US" sz="1600" spc="-100" dirty="0">
+              <a:t>영어</a:t>
+            </a:r>
+            <a:r>
+              <a:rPr lang="en-US" altLang="ko-KR" sz="1600" spc="-100" dirty="0">
                 <a:solidFill>
                   <a:schemeClr val="bg2">
                     <a:lumMod val="25000"/>
@@ -21815,10 +20545,10 @@
                 </a:solidFill>
                 <a:latin typeface="+mn-ea"/>
               </a:rPr>
-              <a:t>영어</a:t>
-            </a:r>
-            <a:r>
-              <a:rPr lang="en-US" altLang="ko-KR" sz="1600" spc="-100" dirty="0">
+              <a:t>, </a:t>
+            </a:r>
+            <a:r>
+              <a:rPr lang="ko-KR" altLang="en-US" sz="1600" spc="-100" dirty="0">
                 <a:solidFill>
                   <a:schemeClr val="bg2">
                     <a:lumMod val="25000"/>
@@ -21826,31 +20556,9 @@
                 </a:solidFill>
                 <a:latin typeface="+mn-ea"/>
               </a:rPr>
-              <a:t>, </a:t>
-            </a:r>
-            <a:r>
-              <a:rPr lang="ko-KR" altLang="en-US" sz="1600" spc="-100" dirty="0">
-                <a:solidFill>
-                  <a:schemeClr val="bg2">
-                    <a:lumMod val="25000"/>
-                  </a:schemeClr>
-                </a:solidFill>
-                <a:latin typeface="+mn-ea"/>
-              </a:rPr>
-              <a:t>숫자만 </a:t>
-            </a:r>
-            <a:r>
-              <a:rPr lang="ko-KR" altLang="en-US" sz="1600" spc="-100" dirty="0" smtClean="0">
-                <a:solidFill>
-                  <a:schemeClr val="bg2">
-                    <a:lumMod val="25000"/>
-                  </a:schemeClr>
-                </a:solidFill>
-                <a:latin typeface="+mn-ea"/>
-              </a:rPr>
-              <a:t>추출</a:t>
-            </a:r>
-            <a:endParaRPr lang="en-US" altLang="ko-KR" sz="1600" spc="-100" dirty="0" smtClean="0">
+              <a:t>숫자만 추출</a:t>
+            </a:r>
+            <a:endParaRPr lang="en-US" altLang="ko-KR" sz="1600" spc="-100" dirty="0">
               <a:solidFill>
                 <a:schemeClr val="bg2">
                   <a:lumMod val="25000"/>
@@ -21869,7 +20577,7 @@
               <a:defRPr/>
             </a:pPr>
             <a:r>
-              <a:rPr lang="en-US" altLang="ko-KR" sz="1600" spc="-100" dirty="0" smtClean="0">
+              <a:rPr lang="en-US" altLang="ko-KR" sz="1600" spc="-100" dirty="0">
                 <a:solidFill>
                   <a:schemeClr val="bg2">
                     <a:lumMod val="25000"/>
@@ -21877,10 +20585,10 @@
                 </a:solidFill>
                 <a:latin typeface="+mn-ea"/>
               </a:rPr>
-              <a:t>Embedding </a:t>
-            </a:r>
-            <a:r>
-              <a:rPr lang="en-US" altLang="ko-KR" sz="1600" spc="-100" dirty="0">
+              <a:t>Embedding : </a:t>
+            </a:r>
+            <a:r>
+              <a:rPr lang="ko-KR" altLang="en-US" sz="1600" spc="-100" dirty="0">
                 <a:solidFill>
                   <a:schemeClr val="bg2">
                     <a:lumMod val="25000"/>
@@ -21888,10 +20596,10 @@
                 </a:solidFill>
                 <a:latin typeface="+mn-ea"/>
               </a:rPr>
-              <a:t>: </a:t>
-            </a:r>
-            <a:r>
-              <a:rPr lang="ko-KR" altLang="en-US" sz="1600" spc="-100" dirty="0">
+              <a:t>단어 </a:t>
+            </a:r>
+            <a:r>
+              <a:rPr lang="ko-KR" altLang="en-US" sz="1600" spc="-100" dirty="0" err="1">
                 <a:solidFill>
                   <a:schemeClr val="bg2">
                     <a:lumMod val="25000"/>
@@ -21899,10 +20607,10 @@
                 </a:solidFill>
                 <a:latin typeface="+mn-ea"/>
               </a:rPr>
-              <a:t>단어 </a:t>
-            </a:r>
-            <a:r>
-              <a:rPr lang="ko-KR" altLang="en-US" sz="1600" spc="-100" dirty="0" err="1">
+              <a:t>임베딩</a:t>
+            </a:r>
+            <a:r>
+              <a:rPr lang="en-US" altLang="ko-KR" sz="1600" spc="-100" dirty="0">
                 <a:solidFill>
                   <a:schemeClr val="bg2">
                     <a:lumMod val="25000"/>
@@ -21910,10 +20618,10 @@
                 </a:solidFill>
                 <a:latin typeface="+mn-ea"/>
               </a:rPr>
-              <a:t>임베딩</a:t>
-            </a:r>
-            <a:r>
-              <a:rPr lang="en-US" altLang="ko-KR" sz="1600" spc="-100" dirty="0">
+              <a:t>(Glove) – </a:t>
+            </a:r>
+            <a:r>
+              <a:rPr lang="ko-KR" altLang="en-US" sz="1600" spc="-100" dirty="0">
                 <a:solidFill>
                   <a:schemeClr val="bg2">
                     <a:lumMod val="25000"/>
@@ -21921,64 +20629,9 @@
                 </a:solidFill>
                 <a:latin typeface="+mn-ea"/>
               </a:rPr>
-              <a:t>(</a:t>
-            </a:r>
-            <a:r>
-              <a:rPr lang="en-US" altLang="ko-KR" sz="1600" spc="-100" dirty="0" smtClean="0">
-                <a:solidFill>
-                  <a:schemeClr val="bg2">
-                    <a:lumMod val="25000"/>
-                  </a:schemeClr>
-                </a:solidFill>
-                <a:latin typeface="+mn-ea"/>
-              </a:rPr>
-              <a:t>Glove) </a:t>
-            </a:r>
-            <a:r>
-              <a:rPr lang="en-US" altLang="ko-KR" sz="1600" spc="-100" dirty="0">
-                <a:solidFill>
-                  <a:schemeClr val="bg2">
-                    <a:lumMod val="25000"/>
-                  </a:schemeClr>
-                </a:solidFill>
-                <a:latin typeface="+mn-ea"/>
-              </a:rPr>
-              <a:t>– </a:t>
-            </a:r>
-            <a:r>
-              <a:rPr lang="ko-KR" altLang="en-US" sz="1600" spc="-100" dirty="0" smtClean="0">
-                <a:solidFill>
-                  <a:schemeClr val="bg2">
-                    <a:lumMod val="25000"/>
-                  </a:schemeClr>
-                </a:solidFill>
-                <a:latin typeface="+mn-ea"/>
-              </a:rPr>
-              <a:t>단어 사이 </a:t>
-            </a:r>
-            <a:r>
-              <a:rPr lang="ko-KR" altLang="en-US" sz="1600" spc="-100" dirty="0">
-                <a:solidFill>
-                  <a:schemeClr val="bg2">
-                    <a:lumMod val="25000"/>
-                  </a:schemeClr>
-                </a:solidFill>
-                <a:latin typeface="+mn-ea"/>
-              </a:rPr>
-              <a:t>문맥상 유사성 </a:t>
-            </a:r>
-            <a:r>
-              <a:rPr lang="ko-KR" altLang="en-US" sz="1600" spc="-100" dirty="0" smtClean="0">
-                <a:solidFill>
-                  <a:schemeClr val="bg2">
-                    <a:lumMod val="25000"/>
-                  </a:schemeClr>
-                </a:solidFill>
-                <a:latin typeface="+mn-ea"/>
-              </a:rPr>
-              <a:t>이해</a:t>
-            </a:r>
-            <a:endParaRPr lang="en-US" altLang="ko-KR" sz="1600" spc="-100" dirty="0" smtClean="0">
+              <a:t>단어 사이 문맥상 유사성 이해</a:t>
+            </a:r>
+            <a:endParaRPr lang="en-US" altLang="ko-KR" sz="1600" spc="-100" dirty="0">
               <a:solidFill>
                 <a:schemeClr val="bg2">
                   <a:lumMod val="25000"/>
@@ -21997,7 +20650,7 @@
               <a:defRPr/>
             </a:pPr>
             <a:r>
-              <a:rPr lang="en-US" altLang="ko-KR" sz="1600" spc="-100" dirty="0" smtClean="0">
+              <a:rPr lang="en-US" altLang="ko-KR" sz="1600" spc="-100" dirty="0">
                 <a:solidFill>
                   <a:schemeClr val="bg2">
                     <a:lumMod val="25000"/>
@@ -22051,10 +20704,10 @@
                 <a:latin typeface="+mn-ea"/>
                 <a:ea typeface="+mn-ea"/>
               </a:rPr>
-              <a:t>결과 제시 </a:t>
-            </a:r>
-            <a:r>
-              <a:rPr lang="ko-KR" altLang="en-US" sz="1400" b="1" spc="-100" dirty="0" smtClean="0">
+              <a:t>결과 제시 ①</a:t>
+            </a:r>
+            <a:r>
+              <a:rPr lang="en-US" altLang="ko-KR" sz="1400" b="1" spc="-100" dirty="0">
                 <a:solidFill>
                   <a:schemeClr val="bg2">
                     <a:lumMod val="25000"/>
@@ -22063,10 +20716,10 @@
                 <a:latin typeface="+mn-ea"/>
                 <a:ea typeface="+mn-ea"/>
               </a:rPr>
-              <a:t>①</a:t>
-            </a:r>
-            <a:r>
-              <a:rPr lang="en-US" altLang="ko-KR" sz="1400" b="1" spc="-100" dirty="0" smtClean="0">
+              <a:t> </a:t>
+            </a:r>
+            <a:r>
+              <a:rPr lang="ko-KR" altLang="en-US" sz="1400" b="1" spc="-100" dirty="0">
                 <a:solidFill>
                   <a:schemeClr val="bg2">
                     <a:lumMod val="25000"/>
@@ -22075,29 +20728,8 @@
                 <a:latin typeface="+mn-ea"/>
                 <a:ea typeface="+mn-ea"/>
               </a:rPr>
-              <a:t> </a:t>
-            </a:r>
-            <a:r>
-              <a:rPr lang="ko-KR" altLang="en-US" sz="1400" b="1" spc="-100" dirty="0" smtClean="0">
-                <a:solidFill>
-                  <a:schemeClr val="bg2">
-                    <a:lumMod val="25000"/>
-                  </a:schemeClr>
-                </a:solidFill>
-                <a:latin typeface="+mn-ea"/>
-                <a:ea typeface="+mn-ea"/>
-              </a:rPr>
               <a:t>탐색적 분석 및 전처리</a:t>
             </a:r>
-            <a:endParaRPr lang="ko-KR" altLang="en-US" sz="1400" b="1" spc="-100" dirty="0">
-              <a:solidFill>
-                <a:schemeClr val="bg2">
-                  <a:lumMod val="25000"/>
-                </a:schemeClr>
-              </a:solidFill>
-              <a:latin typeface="+mn-ea"/>
-              <a:ea typeface="+mn-ea"/>
-            </a:endParaRPr>
           </a:p>
         </p:txBody>
       </p:sp>
@@ -22317,7 +20949,7 @@
           <a:lstStyle/>
           <a:p>
             <a:r>
-              <a:rPr lang="ko-KR" altLang="en-US" sz="2800" b="1" dirty="0" smtClean="0">
+              <a:rPr lang="ko-KR" altLang="en-US" sz="2800" b="1" dirty="0">
                 <a:ln w="12700">
                   <a:solidFill>
                     <a:srgbClr val="939597"/>
@@ -22344,31 +20976,6 @@
               </a:rPr>
               <a:t>▶</a:t>
             </a:r>
-            <a:endParaRPr lang="ko-KR" altLang="en-US" sz="2800" b="1" dirty="0">
-              <a:ln w="12700">
-                <a:solidFill>
-                  <a:srgbClr val="939597"/>
-                </a:solidFill>
-                <a:prstDash val="solid"/>
-              </a:ln>
-              <a:pattFill prst="dkUpDiag">
-                <a:fgClr>
-                  <a:srgbClr val="939597"/>
-                </a:fgClr>
-                <a:bgClr>
-                  <a:schemeClr val="bg2">
-                    <a:lumMod val="90000"/>
-                  </a:schemeClr>
-                </a:bgClr>
-              </a:pattFill>
-              <a:effectLst>
-                <a:outerShdw dist="38100" dir="2640000" algn="bl" rotWithShape="0">
-                  <a:srgbClr val="939597"/>
-                </a:outerShdw>
-              </a:effectLst>
-              <a:latin typeface="HY견고딕" panose="02030600000101010101" pitchFamily="18" charset="-127"/>
-              <a:ea typeface="HY견고딕" panose="02030600000101010101" pitchFamily="18" charset="-127"/>
-            </a:endParaRPr>
           </a:p>
         </p:txBody>
       </p:sp>
@@ -22593,7 +21200,7 @@
               <a:t>04</a:t>
             </a:r>
             <a:r>
-              <a:rPr lang="en-US" altLang="ko-KR" sz="4000" b="1" dirty="0" smtClean="0">
+              <a:rPr lang="en-US" altLang="ko-KR" sz="4000" b="1" dirty="0">
                 <a:solidFill>
                   <a:srgbClr val="445569"/>
                 </a:solidFill>
@@ -22698,7 +21305,7 @@
               <a:defRPr/>
             </a:pPr>
             <a:r>
-              <a:rPr lang="en-US" altLang="ko-KR" sz="1600" spc="-100" dirty="0" smtClean="0">
+              <a:rPr lang="en-US" altLang="ko-KR" sz="1600" spc="-100" dirty="0">
                 <a:solidFill>
                   <a:schemeClr val="bg2">
                     <a:lumMod val="25000"/>
@@ -22706,10 +21313,10 @@
                 </a:solidFill>
                 <a:latin typeface="+mn-ea"/>
               </a:rPr>
-              <a:t>LG </a:t>
-            </a:r>
-            <a:r>
-              <a:rPr lang="en-US" altLang="ko-KR" sz="1600" spc="-100" dirty="0">
+              <a:t>LG CNS KORQUAD </a:t>
+            </a:r>
+            <a:r>
+              <a:rPr lang="ko-KR" altLang="en-US" sz="1600" spc="-100" dirty="0">
                 <a:solidFill>
                   <a:schemeClr val="bg2">
                     <a:lumMod val="25000"/>
@@ -22717,31 +21324,9 @@
                 </a:solidFill>
                 <a:latin typeface="+mn-ea"/>
               </a:rPr>
-              <a:t>CNS KORQUAD </a:t>
-            </a:r>
-            <a:r>
-              <a:rPr lang="ko-KR" altLang="en-US" sz="1600" spc="-100" dirty="0">
-                <a:solidFill>
-                  <a:schemeClr val="bg2">
-                    <a:lumMod val="25000"/>
-                  </a:schemeClr>
-                </a:solidFill>
-                <a:latin typeface="+mn-ea"/>
-              </a:rPr>
-              <a:t>질의응답 </a:t>
-            </a:r>
-            <a:r>
-              <a:rPr lang="ko-KR" altLang="en-US" sz="1600" spc="-100" dirty="0" smtClean="0">
-                <a:solidFill>
-                  <a:schemeClr val="bg2">
-                    <a:lumMod val="25000"/>
-                  </a:schemeClr>
-                </a:solidFill>
-                <a:latin typeface="+mn-ea"/>
-              </a:rPr>
-              <a:t>형식</a:t>
-            </a:r>
-            <a:endParaRPr lang="en-US" altLang="ko-KR" sz="1600" spc="-100" dirty="0" smtClean="0">
+              <a:t>질의응답 형식</a:t>
+            </a:r>
+            <a:endParaRPr lang="en-US" altLang="ko-KR" sz="1600" spc="-100" dirty="0">
               <a:solidFill>
                 <a:schemeClr val="bg2">
                   <a:lumMod val="25000"/>
@@ -22758,7 +21343,7 @@
               <a:defRPr/>
             </a:pPr>
             <a:r>
-              <a:rPr lang="en-US" altLang="ko-KR" sz="1600" spc="-100" dirty="0" smtClean="0">
+              <a:rPr lang="en-US" altLang="ko-KR" sz="1600" spc="-100" dirty="0">
                 <a:solidFill>
                   <a:schemeClr val="bg2">
                     <a:lumMod val="25000"/>
@@ -22766,18 +21351,7 @@
                 </a:solidFill>
                 <a:latin typeface="+mn-ea"/>
               </a:rPr>
-              <a:t>  ·  Context </a:t>
-            </a:r>
-            <a:r>
-              <a:rPr lang="en-US" altLang="ko-KR" sz="1600" spc="-100" dirty="0">
-                <a:solidFill>
-                  <a:schemeClr val="bg2">
-                    <a:lumMod val="25000"/>
-                  </a:schemeClr>
-                </a:solidFill>
-                <a:latin typeface="+mn-ea"/>
-              </a:rPr>
-              <a:t>: 10,645</a:t>
+              <a:t>  ·  Context : 10,645</a:t>
             </a:r>
             <a:r>
               <a:rPr lang="ko-KR" altLang="en-US" sz="1600" spc="-100" dirty="0">
@@ -22799,7 +21373,7 @@
               <a:defRPr/>
             </a:pPr>
             <a:r>
-              <a:rPr lang="en-US" altLang="ko-KR" sz="1600" spc="-100" dirty="0" smtClean="0">
+              <a:rPr lang="en-US" altLang="ko-KR" sz="1600" spc="-100" dirty="0">
                 <a:solidFill>
                   <a:schemeClr val="bg2">
                     <a:lumMod val="25000"/>
@@ -22850,13 +21424,6 @@
   <p:clrMapOvr>
     <a:masterClrMapping/>
   </p:clrMapOvr>
-  <p:timing>
-    <p:tnLst>
-      <p:par>
-        <p:cTn id="1" dur="indefinite" restart="never" nodeType="tmRoot"/>
-      </p:par>
-    </p:tnLst>
-  </p:timing>
 </p:sld>
 </file>
 
@@ -22987,7 +21554,7 @@
               <a:defRPr/>
             </a:pPr>
             <a:r>
-              <a:rPr lang="en-US" altLang="ko-KR" b="1" dirty="0" smtClean="0">
+              <a:rPr lang="en-US" altLang="ko-KR" b="1" dirty="0">
                 <a:solidFill>
                   <a:schemeClr val="tx2">
                     <a:lumMod val="75000"/>
@@ -23060,7 +21627,7 @@
           <a:lstStyle/>
           <a:p>
             <a:r>
-              <a:rPr lang="ko-KR" altLang="en-US" sz="2800" b="1" dirty="0" smtClean="0">
+              <a:rPr lang="ko-KR" altLang="en-US" sz="2800" b="1" dirty="0">
                 <a:ln w="12700">
                   <a:solidFill>
                     <a:srgbClr val="939597"/>
@@ -23087,31 +21654,6 @@
               </a:rPr>
               <a:t>▶</a:t>
             </a:r>
-            <a:endParaRPr lang="ko-KR" altLang="en-US" sz="2800" b="1" dirty="0">
-              <a:ln w="12700">
-                <a:solidFill>
-                  <a:srgbClr val="939597"/>
-                </a:solidFill>
-                <a:prstDash val="solid"/>
-              </a:ln>
-              <a:pattFill prst="dkUpDiag">
-                <a:fgClr>
-                  <a:srgbClr val="939597"/>
-                </a:fgClr>
-                <a:bgClr>
-                  <a:schemeClr val="bg2">
-                    <a:lumMod val="90000"/>
-                  </a:schemeClr>
-                </a:bgClr>
-              </a:pattFill>
-              <a:effectLst>
-                <a:outerShdw dist="38100" dir="2640000" algn="bl" rotWithShape="0">
-                  <a:srgbClr val="939597"/>
-                </a:outerShdw>
-              </a:effectLst>
-              <a:latin typeface="HY견고딕" panose="02030600000101010101" pitchFamily="18" charset="-127"/>
-              <a:ea typeface="HY견고딕" panose="02030600000101010101" pitchFamily="18" charset="-127"/>
-            </a:endParaRPr>
           </a:p>
         </p:txBody>
       </p:sp>
@@ -23256,10 +21798,10 @@
                 <a:latin typeface="+mn-ea"/>
                 <a:ea typeface="+mn-ea"/>
               </a:rPr>
-              <a:t>결과 제시 </a:t>
-            </a:r>
-            <a:r>
-              <a:rPr lang="ko-KR" altLang="en-US" sz="1400" b="1" spc="-100" dirty="0" smtClean="0">
+              <a:t>결과 제시 ②</a:t>
+            </a:r>
+            <a:r>
+              <a:rPr lang="en-US" altLang="ko-KR" sz="1400" b="1" spc="-100" dirty="0">
                 <a:solidFill>
                   <a:schemeClr val="bg2">
                     <a:lumMod val="25000"/>
@@ -23268,10 +21810,10 @@
                 <a:latin typeface="+mn-ea"/>
                 <a:ea typeface="+mn-ea"/>
               </a:rPr>
-              <a:t>②</a:t>
-            </a:r>
-            <a:r>
-              <a:rPr lang="en-US" altLang="ko-KR" sz="1400" b="1" spc="-100" dirty="0" smtClean="0">
+              <a:t> </a:t>
+            </a:r>
+            <a:r>
+              <a:rPr lang="ko-KR" altLang="en-US" sz="1400" b="1" spc="-100" dirty="0">
                 <a:solidFill>
                   <a:schemeClr val="bg2">
                     <a:lumMod val="25000"/>
@@ -23280,29 +21822,8 @@
                 <a:latin typeface="+mn-ea"/>
                 <a:ea typeface="+mn-ea"/>
               </a:rPr>
-              <a:t> </a:t>
-            </a:r>
-            <a:r>
-              <a:rPr lang="ko-KR" altLang="en-US" sz="1400" b="1" spc="-100" dirty="0" smtClean="0">
-                <a:solidFill>
-                  <a:schemeClr val="bg2">
-                    <a:lumMod val="25000"/>
-                  </a:schemeClr>
-                </a:solidFill>
-                <a:latin typeface="+mn-ea"/>
-                <a:ea typeface="+mn-ea"/>
-              </a:rPr>
               <a:t>모델 개요</a:t>
             </a:r>
-            <a:endParaRPr lang="ko-KR" altLang="en-US" sz="1400" b="1" spc="-100" dirty="0">
-              <a:solidFill>
-                <a:schemeClr val="bg2">
-                  <a:lumMod val="25000"/>
-                </a:schemeClr>
-              </a:solidFill>
-              <a:latin typeface="+mn-ea"/>
-              <a:ea typeface="+mn-ea"/>
-            </a:endParaRPr>
           </a:p>
         </p:txBody>
       </p:sp>
@@ -23482,7 +22003,7 @@
               <a:t>04</a:t>
             </a:r>
             <a:r>
-              <a:rPr lang="en-US" altLang="ko-KR" sz="4000" b="1" dirty="0" smtClean="0">
+              <a:rPr lang="en-US" altLang="ko-KR" sz="4000" b="1" dirty="0">
                 <a:solidFill>
                   <a:srgbClr val="445569"/>
                 </a:solidFill>
@@ -23566,13 +22087,6 @@
   <p:clrMapOvr>
     <a:masterClrMapping/>
   </p:clrMapOvr>
-  <p:timing>
-    <p:tnLst>
-      <p:par>
-        <p:cTn id="1" dur="indefinite" restart="never" nodeType="tmRoot"/>
-      </p:par>
-    </p:tnLst>
-  </p:timing>
 </p:sld>
 </file>
 
